--- a/Presentation.pptx
+++ b/Presentation.pptx
@@ -214,7 +214,7 @@
           <a:p>
             <a:fld id="{47C9DC0B-439A-4283-B282-0A81E38E4B9A}" type="datetimeFigureOut">
               <a:rPr lang="en-US" smtClean="0"/>
-              <a:t>10/25/2018</a:t>
+              <a:t>10/27/2018</a:t>
             </a:fld>
             <a:endParaRPr lang="en-US"/>
           </a:p>
@@ -525,18 +525,175 @@
           <a:bodyPr/>
           <a:lstStyle/>
           <a:p>
-            <a:r>
-              <a:rPr lang="en-US" dirty="0"/>
-              <a:t>Ultimately, no </a:t>
-            </a:r>
-            <a:r>
-              <a:rPr lang="en-US" dirty="0" err="1"/>
-              <a:t>sqlalchemy</a:t>
-            </a:r>
-            <a:r>
-              <a:rPr lang="en-US" dirty="0"/>
-              <a:t> was used to clean up data, other than forming the initial “test data” for running programs.  Data cleaning was executed by creating a new database consisting just of the player and player attributes table, dropping duplicate </a:t>
-            </a:r>
+            <a:endParaRPr lang="en-US" dirty="0"/>
+          </a:p>
+        </p:txBody>
+      </p:sp>
+      <p:sp>
+        <p:nvSpPr>
+          <p:cNvPr id="4" name="Slide Number Placeholder 3"/>
+          <p:cNvSpPr>
+            <a:spLocks noGrp="1"/>
+          </p:cNvSpPr>
+          <p:nvPr>
+            <p:ph type="sldNum" sz="quarter" idx="5"/>
+          </p:nvPr>
+        </p:nvSpPr>
+        <p:spPr/>
+        <p:txBody>
+          <a:bodyPr/>
+          <a:lstStyle/>
+          <a:p>
+            <a:fld id="{BD4FD5F7-8A08-47F0-BD34-72DA7B8DDD06}" type="slidenum">
+              <a:rPr lang="en-US" smtClean="0"/>
+              <a:t>1</a:t>
+            </a:fld>
+            <a:endParaRPr lang="en-US"/>
+          </a:p>
+        </p:txBody>
+      </p:sp>
+    </p:spTree>
+    <p:extLst>
+      <p:ext uri="{BB962C8B-B14F-4D97-AF65-F5344CB8AC3E}">
+        <p14:creationId xmlns:p14="http://schemas.microsoft.com/office/powerpoint/2010/main" val="2434006518"/>
+      </p:ext>
+    </p:extLst>
+  </p:cSld>
+  <p:clrMapOvr>
+    <a:masterClrMapping/>
+  </p:clrMapOvr>
+</p:notes>
+</file>
+
+<file path=ppt/notesSlides/notesSlide2.xml><?xml version="1.0" encoding="utf-8"?>
+<p:notes xmlns:a="http://schemas.openxmlformats.org/drawingml/2006/main" xmlns:r="http://schemas.openxmlformats.org/officeDocument/2006/relationships" xmlns:p="http://schemas.openxmlformats.org/presentationml/2006/main">
+  <p:cSld>
+    <p:spTree>
+      <p:nvGrpSpPr>
+        <p:cNvPr id="1" name=""/>
+        <p:cNvGrpSpPr/>
+        <p:nvPr/>
+      </p:nvGrpSpPr>
+      <p:grpSpPr>
+        <a:xfrm>
+          <a:off x="0" y="0"/>
+          <a:ext cx="0" cy="0"/>
+          <a:chOff x="0" y="0"/>
+          <a:chExt cx="0" cy="0"/>
+        </a:xfrm>
+      </p:grpSpPr>
+      <p:sp>
+        <p:nvSpPr>
+          <p:cNvPr id="2" name="Slide Image Placeholder 1"/>
+          <p:cNvSpPr>
+            <a:spLocks noGrp="1" noRot="1" noChangeAspect="1"/>
+          </p:cNvSpPr>
+          <p:nvPr>
+            <p:ph type="sldImg"/>
+          </p:nvPr>
+        </p:nvSpPr>
+        <p:spPr/>
+      </p:sp>
+      <p:sp>
+        <p:nvSpPr>
+          <p:cNvPr id="3" name="Notes Placeholder 2"/>
+          <p:cNvSpPr>
+            <a:spLocks noGrp="1"/>
+          </p:cNvSpPr>
+          <p:nvPr>
+            <p:ph type="body" idx="1"/>
+          </p:nvPr>
+        </p:nvSpPr>
+        <p:spPr/>
+        <p:txBody>
+          <a:bodyPr/>
+          <a:lstStyle/>
+          <a:p>
+            <a:endParaRPr lang="en-US" dirty="0"/>
+          </a:p>
+        </p:txBody>
+      </p:sp>
+      <p:sp>
+        <p:nvSpPr>
+          <p:cNvPr id="4" name="Slide Number Placeholder 3"/>
+          <p:cNvSpPr>
+            <a:spLocks noGrp="1"/>
+          </p:cNvSpPr>
+          <p:nvPr>
+            <p:ph type="sldNum" sz="quarter" idx="5"/>
+          </p:nvPr>
+        </p:nvSpPr>
+        <p:spPr/>
+        <p:txBody>
+          <a:bodyPr/>
+          <a:lstStyle/>
+          <a:p>
+            <a:fld id="{BD4FD5F7-8A08-47F0-BD34-72DA7B8DDD06}" type="slidenum">
+              <a:rPr lang="en-US" smtClean="0"/>
+              <a:t>3</a:t>
+            </a:fld>
+            <a:endParaRPr lang="en-US"/>
+          </a:p>
+        </p:txBody>
+      </p:sp>
+    </p:spTree>
+    <p:extLst>
+      <p:ext uri="{BB962C8B-B14F-4D97-AF65-F5344CB8AC3E}">
+        <p14:creationId xmlns:p14="http://schemas.microsoft.com/office/powerpoint/2010/main" val="3434251693"/>
+      </p:ext>
+    </p:extLst>
+  </p:cSld>
+  <p:clrMapOvr>
+    <a:masterClrMapping/>
+  </p:clrMapOvr>
+</p:notes>
+</file>
+
+<file path=ppt/notesSlides/notesSlide3.xml><?xml version="1.0" encoding="utf-8"?>
+<p:notes xmlns:a="http://schemas.openxmlformats.org/drawingml/2006/main" xmlns:r="http://schemas.openxmlformats.org/officeDocument/2006/relationships" xmlns:p="http://schemas.openxmlformats.org/presentationml/2006/main">
+  <p:cSld>
+    <p:spTree>
+      <p:nvGrpSpPr>
+        <p:cNvPr id="1" name=""/>
+        <p:cNvGrpSpPr/>
+        <p:nvPr/>
+      </p:nvGrpSpPr>
+      <p:grpSpPr>
+        <a:xfrm>
+          <a:off x="0" y="0"/>
+          <a:ext cx="0" cy="0"/>
+          <a:chOff x="0" y="0"/>
+          <a:chExt cx="0" cy="0"/>
+        </a:xfrm>
+      </p:grpSpPr>
+      <p:sp>
+        <p:nvSpPr>
+          <p:cNvPr id="2" name="Slide Image Placeholder 1"/>
+          <p:cNvSpPr>
+            <a:spLocks noGrp="1" noRot="1" noChangeAspect="1"/>
+          </p:cNvSpPr>
+          <p:nvPr>
+            <p:ph type="sldImg"/>
+          </p:nvPr>
+        </p:nvSpPr>
+        <p:spPr/>
+      </p:sp>
+      <p:sp>
+        <p:nvSpPr>
+          <p:cNvPr id="3" name="Notes Placeholder 2"/>
+          <p:cNvSpPr>
+            <a:spLocks noGrp="1"/>
+          </p:cNvSpPr>
+          <p:nvPr>
+            <p:ph type="body" idx="1"/>
+          </p:nvPr>
+        </p:nvSpPr>
+        <p:spPr/>
+        <p:txBody>
+          <a:bodyPr/>
+          <a:lstStyle/>
+          <a:p>
+            <a:endParaRPr lang="en-US" dirty="0"/>
           </a:p>
         </p:txBody>
       </p:sp>
@@ -795,7 +952,7 @@
             <a:fld id="{53074F12-AA26-4AC8-9962-C36BB8F32554}" type="datetimeFigureOut">
               <a:rPr lang="en-US" smtClean="0"/>
               <a:pPr/>
-              <a:t>10/25/2018</a:t>
+              <a:t>10/27/2018</a:t>
             </a:fld>
             <a:endParaRPr lang="en-US"/>
           </a:p>
@@ -1049,7 +1206,7 @@
             <a:fld id="{53074F12-AA26-4AC8-9962-C36BB8F32554}" type="datetimeFigureOut">
               <a:rPr lang="en-US" smtClean="0"/>
               <a:pPr/>
-              <a:t>10/25/2018</a:t>
+              <a:t>10/27/2018</a:t>
             </a:fld>
             <a:endParaRPr lang="en-US"/>
           </a:p>
@@ -1219,7 +1376,7 @@
             <a:fld id="{53074F12-AA26-4AC8-9962-C36BB8F32554}" type="datetimeFigureOut">
               <a:rPr lang="en-US" smtClean="0"/>
               <a:pPr/>
-              <a:t>10/25/2018</a:t>
+              <a:t>10/27/2018</a:t>
             </a:fld>
             <a:endParaRPr lang="en-US"/>
           </a:p>
@@ -1399,7 +1556,7 @@
             <a:fld id="{53074F12-AA26-4AC8-9962-C36BB8F32554}" type="datetimeFigureOut">
               <a:rPr lang="en-US" smtClean="0"/>
               <a:pPr/>
-              <a:t>10/25/2018</a:t>
+              <a:t>10/27/2018</a:t>
             </a:fld>
             <a:endParaRPr lang="en-US"/>
           </a:p>
@@ -1681,7 +1838,7 @@
             <a:fld id="{53074F12-AA26-4AC8-9962-C36BB8F32554}" type="datetimeFigureOut">
               <a:rPr lang="en-US" smtClean="0"/>
               <a:pPr/>
-              <a:t>10/25/2018</a:t>
+              <a:t>10/27/2018</a:t>
             </a:fld>
             <a:endParaRPr lang="en-US"/>
           </a:p>
@@ -1928,7 +2085,7 @@
             <a:fld id="{53074F12-AA26-4AC8-9962-C36BB8F32554}" type="datetimeFigureOut">
               <a:rPr lang="en-US" smtClean="0"/>
               <a:pPr/>
-              <a:t>10/25/2018</a:t>
+              <a:t>10/27/2018</a:t>
             </a:fld>
             <a:endParaRPr lang="en-US"/>
           </a:p>
@@ -2175,7 +2332,7 @@
             <a:fld id="{53074F12-AA26-4AC8-9962-C36BB8F32554}" type="datetimeFigureOut">
               <a:rPr lang="en-US" smtClean="0"/>
               <a:pPr/>
-              <a:t>10/25/2018</a:t>
+              <a:t>10/27/2018</a:t>
             </a:fld>
             <a:endParaRPr lang="en-US"/>
           </a:p>
@@ -2462,7 +2619,7 @@
             <a:fld id="{53074F12-AA26-4AC8-9962-C36BB8F32554}" type="datetimeFigureOut">
               <a:rPr lang="en-US" smtClean="0"/>
               <a:pPr/>
-              <a:t>10/25/2018</a:t>
+              <a:t>10/27/2018</a:t>
             </a:fld>
             <a:endParaRPr lang="en-US"/>
           </a:p>
@@ -2949,7 +3106,7 @@
             <a:fld id="{53074F12-AA26-4AC8-9962-C36BB8F32554}" type="datetimeFigureOut">
               <a:rPr lang="en-US" smtClean="0"/>
               <a:pPr/>
-              <a:t>10/25/2018</a:t>
+              <a:t>10/27/2018</a:t>
             </a:fld>
             <a:endParaRPr lang="en-US"/>
           </a:p>
@@ -3068,7 +3225,7 @@
             <a:fld id="{53074F12-AA26-4AC8-9962-C36BB8F32554}" type="datetimeFigureOut">
               <a:rPr lang="en-US" smtClean="0"/>
               <a:pPr/>
-              <a:t>10/25/2018</a:t>
+              <a:t>10/27/2018</a:t>
             </a:fld>
             <a:endParaRPr lang="en-US"/>
           </a:p>
@@ -3165,7 +3322,7 @@
             <a:fld id="{53074F12-AA26-4AC8-9962-C36BB8F32554}" type="datetimeFigureOut">
               <a:rPr lang="en-US" smtClean="0"/>
               <a:pPr/>
-              <a:t>10/25/2018</a:t>
+              <a:t>10/27/2018</a:t>
             </a:fld>
             <a:endParaRPr lang="en-US"/>
           </a:p>
@@ -3442,7 +3599,7 @@
             <a:fld id="{53074F12-AA26-4AC8-9962-C36BB8F32554}" type="datetimeFigureOut">
               <a:rPr lang="en-US" smtClean="0"/>
               <a:pPr/>
-              <a:t>10/25/2018</a:t>
+              <a:t>10/27/2018</a:t>
             </a:fld>
             <a:endParaRPr lang="en-US"/>
           </a:p>
@@ -3664,7 +3821,7 @@
             <a:fld id="{53074F12-AA26-4AC8-9962-C36BB8F32554}" type="datetimeFigureOut">
               <a:rPr lang="en-US" smtClean="0"/>
               <a:pPr/>
-              <a:t>10/25/2018</a:t>
+              <a:t>10/27/2018</a:t>
             </a:fld>
             <a:endParaRPr lang="en-US"/>
           </a:p>
@@ -4235,8 +4392,8 @@
         </p:nvSpPr>
         <p:spPr>
           <a:xfrm>
-            <a:off x="448965" y="1655521"/>
-            <a:ext cx="8246071" cy="3664919"/>
+            <a:off x="448964" y="2103907"/>
+            <a:ext cx="8246071" cy="2748689"/>
           </a:xfrm>
         </p:spPr>
         <p:txBody>
@@ -4289,58 +4446,6 @@
           <a:chExt cx="0" cy="0"/>
         </a:xfrm>
       </p:grpSpPr>
-      <p:sp>
-        <p:nvSpPr>
-          <p:cNvPr id="2" name="Title 1">
-            <a:extLst>
-              <a:ext uri="{FF2B5EF4-FFF2-40B4-BE49-F238E27FC236}">
-                <a16:creationId xmlns:a16="http://schemas.microsoft.com/office/drawing/2014/main" id="{C1AE1EF9-1AF9-4C9E-95AB-EEC0A9196644}"/>
-              </a:ext>
-            </a:extLst>
-          </p:cNvPr>
-          <p:cNvSpPr>
-            <a:spLocks noGrp="1"/>
-          </p:cNvSpPr>
-          <p:nvPr>
-            <p:ph type="title"/>
-          </p:nvPr>
-        </p:nvSpPr>
-        <p:spPr/>
-        <p:txBody>
-          <a:bodyPr>
-            <a:normAutofit fontScale="90000"/>
-          </a:bodyPr>
-          <a:lstStyle/>
-          <a:p>
-            <a:endParaRPr lang="en-US"/>
-          </a:p>
-        </p:txBody>
-      </p:sp>
-      <p:sp>
-        <p:nvSpPr>
-          <p:cNvPr id="3" name="Content Placeholder 2">
-            <a:extLst>
-              <a:ext uri="{FF2B5EF4-FFF2-40B4-BE49-F238E27FC236}">
-                <a16:creationId xmlns:a16="http://schemas.microsoft.com/office/drawing/2014/main" id="{2972C592-97FB-4926-BEBB-6FCA8C03B0E1}"/>
-              </a:ext>
-            </a:extLst>
-          </p:cNvPr>
-          <p:cNvSpPr>
-            <a:spLocks noGrp="1"/>
-          </p:cNvSpPr>
-          <p:nvPr>
-            <p:ph idx="1"/>
-          </p:nvPr>
-        </p:nvSpPr>
-        <p:spPr/>
-        <p:txBody>
-          <a:bodyPr/>
-          <a:lstStyle/>
-          <a:p>
-            <a:endParaRPr lang="en-US"/>
-          </a:p>
-        </p:txBody>
-      </p:sp>
       <p:pic>
         <p:nvPicPr>
           <p:cNvPr id="4" name="Picture 2" descr="https://user-images.githubusercontent.com/37318055/47193978-213ca380-d31b-11e8-898c-c64965e61ef6.PNG">
@@ -4356,7 +4461,7 @@
           <p:nvPr/>
         </p:nvPicPr>
         <p:blipFill>
-          <a:blip r:embed="rId2" cstate="print">
+          <a:blip r:embed="rId3" cstate="print">
             <a:extLst>
               <a:ext uri="{28A0092B-C50C-407E-A947-70E740481C1C}">
                 <a14:useLocalDpi xmlns:a14="http://schemas.microsoft.com/office/drawing/2010/main" val="0"/>
@@ -4370,13 +4475,18 @@
         </p:blipFill>
         <p:spPr bwMode="auto">
           <a:xfrm>
-            <a:off x="483174" y="385364"/>
-            <a:ext cx="8177651" cy="4372771"/>
+            <a:off x="601670" y="1960931"/>
+            <a:ext cx="7635250" cy="3054100"/>
           </a:xfrm>
           <a:prstGeom prst="rect">
             <a:avLst/>
           </a:prstGeom>
-          <a:noFill/>
+          <a:ln>
+            <a:noFill/>
+          </a:ln>
+          <a:effectLst>
+            <a:softEdge rad="112500"/>
+          </a:effectLst>
           <a:extLst>
             <a:ext uri="{909E8E84-426E-40DD-AFC4-6F175D3DCCD1}">
               <a14:hiddenFill xmlns:a14="http://schemas.microsoft.com/office/drawing/2010/main">
@@ -4388,6 +4498,41 @@
           </a:extLst>
         </p:spPr>
       </p:pic>
+      <p:sp>
+        <p:nvSpPr>
+          <p:cNvPr id="5" name="Title 1">
+            <a:extLst>
+              <a:ext uri="{FF2B5EF4-FFF2-40B4-BE49-F238E27FC236}">
+                <a16:creationId xmlns:a16="http://schemas.microsoft.com/office/drawing/2014/main" id="{8CEE7C9F-A0E6-4BBB-8D1A-71FB4B15F775}"/>
+              </a:ext>
+            </a:extLst>
+          </p:cNvPr>
+          <p:cNvSpPr>
+            <a:spLocks noGrp="1"/>
+          </p:cNvSpPr>
+          <p:nvPr>
+            <p:ph type="title"/>
+          </p:nvPr>
+        </p:nvSpPr>
+        <p:spPr>
+          <a:xfrm>
+            <a:off x="448965" y="281175"/>
+            <a:ext cx="6108200" cy="572644"/>
+          </a:xfrm>
+        </p:spPr>
+        <p:txBody>
+          <a:bodyPr>
+            <a:normAutofit fontScale="90000"/>
+          </a:bodyPr>
+          <a:lstStyle/>
+          <a:p>
+            <a:r>
+              <a:rPr lang="en-US" dirty="0"/>
+              <a:t>Data/App Architecture</a:t>
+            </a:r>
+          </a:p>
+        </p:txBody>
+      </p:sp>
     </p:spTree>
     <p:extLst>
       <p:ext uri="{BB962C8B-B14F-4D97-AF65-F5344CB8AC3E}">
@@ -4464,12 +4609,7 @@
             <p:ph idx="1"/>
           </p:nvPr>
         </p:nvSpPr>
-        <p:spPr>
-          <a:xfrm>
-            <a:off x="448965" y="1044701"/>
-            <a:ext cx="6108200" cy="3663766"/>
-          </a:xfrm>
-        </p:spPr>
+        <p:spPr/>
         <p:txBody>
           <a:bodyPr>
             <a:normAutofit/>
@@ -4902,48 +5042,43 @@
           </a:p>
         </p:txBody>
       </p:sp>
-      <p:sp>
-        <p:nvSpPr>
-          <p:cNvPr id="3" name="Content Placeholder 2">
+      <p:pic>
+        <p:nvPicPr>
+          <p:cNvPr id="5" name="Picture 4">
+            <a:hlinkClick r:id="rId2"/>
             <a:extLst>
               <a:ext uri="{FF2B5EF4-FFF2-40B4-BE49-F238E27FC236}">
-                <a16:creationId xmlns:a16="http://schemas.microsoft.com/office/drawing/2014/main" id="{101190BA-F740-45F6-8134-79D1AC4032E9}"/>
+                <a16:creationId xmlns:a16="http://schemas.microsoft.com/office/drawing/2014/main" id="{85DABB3D-4D0F-4D0F-8E60-8D697C517498}"/>
               </a:ext>
             </a:extLst>
           </p:cNvPr>
-          <p:cNvSpPr>
-            <a:spLocks noGrp="1"/>
-          </p:cNvSpPr>
-          <p:nvPr>
-            <p:ph idx="1"/>
-          </p:nvPr>
-        </p:nvSpPr>
-        <p:spPr/>
-        <p:txBody>
-          <a:bodyPr>
-            <a:normAutofit/>
-          </a:bodyPr>
-          <a:lstStyle/>
-          <a:p>
-            <a:pPr marL="0" indent="0">
-              <a:buNone/>
-            </a:pPr>
-            <a:r>
-              <a:rPr lang="en-US" sz="2000" dirty="0">
-                <a:hlinkClick r:id="rId2"/>
-              </a:rPr>
-              <a:t>https://socceranalysis.herokuapp.com/</a:t>
-            </a:r>
-            <a:endParaRPr lang="en-US" sz="2000" dirty="0"/>
-          </a:p>
-          <a:p>
-            <a:pPr marL="0" indent="0">
-              <a:buNone/>
-            </a:pPr>
-            <a:endParaRPr lang="en-US" sz="2000" dirty="0"/>
-          </a:p>
-        </p:txBody>
-      </p:sp>
+          <p:cNvPicPr>
+            <a:picLocks noChangeAspect="1"/>
+          </p:cNvPicPr>
+          <p:nvPr/>
+        </p:nvPicPr>
+        <p:blipFill>
+          <a:blip r:embed="rId3" cstate="print">
+            <a:extLst>
+              <a:ext uri="{28A0092B-C50C-407E-A947-70E740481C1C}">
+                <a14:useLocalDpi xmlns:a14="http://schemas.microsoft.com/office/drawing/2010/main" val="0"/>
+              </a:ext>
+            </a:extLst>
+          </a:blip>
+          <a:stretch>
+            <a:fillRect/>
+          </a:stretch>
+        </p:blipFill>
+        <p:spPr>
+          <a:xfrm>
+            <a:off x="1059785" y="1350110"/>
+            <a:ext cx="4473309" cy="2978450"/>
+          </a:xfrm>
+          <a:prstGeom prst="rect">
+            <a:avLst/>
+          </a:prstGeom>
+        </p:spPr>
+      </p:pic>
     </p:spTree>
     <p:extLst>
       <p:ext uri="{BB962C8B-B14F-4D97-AF65-F5344CB8AC3E}">

--- a/Presentation.pptx
+++ b/Presentation.pptx
@@ -127,6 +127,9 @@
           </p15:clr>
         </p15:guide>
       </p15:sldGuideLst>
+    </p:ext>
+    <p:ext uri="{2D200454-40CA-4A62-9FC3-DE9A4176ACB9}">
+      <p15:notesGuideLst xmlns:p15="http://schemas.microsoft.com/office/powerpoint/2012/main"/>
     </p:ext>
   </p:extLst>
 </p:presentation>
@@ -4304,16 +4307,20 @@
           <a:p>
             <a:r>
               <a:rPr lang="en-US" sz="1800" dirty="0"/>
-              <a:t>Randy Chan, Corey Kretzmer, Tom </a:t>
+              <a:t>Randy Chan, Corey Kretzmer</a:t>
+            </a:r>
+            <a:br>
+              <a:rPr lang="en-US" sz="1800" dirty="0"/>
+            </a:br>
+            <a:r>
+              <a:rPr lang="en-US" sz="1800" dirty="0"/>
+              <a:t>Matthew Warner, Tom </a:t>
             </a:r>
             <a:r>
               <a:rPr lang="en-US" sz="1800" dirty="0" err="1"/>
               <a:t>Matoushek</a:t>
             </a:r>
-            <a:r>
-              <a:rPr lang="en-US" sz="1800" dirty="0"/>
-              <a:t>, Matthew Warner</a:t>
-            </a:r>
+            <a:endParaRPr lang="en-US" sz="1800" dirty="0"/>
           </a:p>
         </p:txBody>
       </p:sp>
@@ -4359,13 +4366,13 @@
         </p:nvSpPr>
         <p:spPr>
           <a:xfrm>
-            <a:off x="601670" y="281175"/>
+            <a:off x="143555" y="128470"/>
             <a:ext cx="7940660" cy="763525"/>
           </a:xfrm>
         </p:spPr>
         <p:txBody>
           <a:bodyPr>
-            <a:normAutofit fontScale="90000"/>
+            <a:normAutofit/>
           </a:bodyPr>
           <a:lstStyle/>
           <a:p>
@@ -4373,10 +4380,6 @@
               <a:rPr lang="en-US" dirty="0"/>
               <a:t>Motivation</a:t>
             </a:r>
-            <a:br>
-              <a:rPr lang="en-US" dirty="0"/>
-            </a:br>
-            <a:endParaRPr lang="en-US" dirty="0"/>
           </a:p>
         </p:txBody>
       </p:sp>
@@ -4405,10 +4408,6 @@
             <a:pPr marL="0" indent="0">
               <a:buNone/>
             </a:pPr>
-            <a:r>
-              <a:rPr lang="en-US" sz="2400" i="1" dirty="0"/>
-              <a:t>Placeholder: </a:t>
-            </a:r>
             <a:r>
               <a:rPr lang="en-US" sz="2400" dirty="0"/>
               <a:t>Finding those players with top attributes to fill your roster does not require an extensive knowledge of the international player-base.  Using a public database with updated attributes each season, it is possible to select out only top candidates to bring to your team, and crush your competition.</a:t>
@@ -4426,6 +4425,100 @@
   <p:clrMapOvr>
     <a:masterClrMapping/>
   </p:clrMapOvr>
+  <p:timing>
+    <p:tnLst>
+      <p:par>
+        <p:cTn id="1" dur="indefinite" restart="never" nodeType="tmRoot">
+          <p:childTnLst>
+            <p:seq concurrent="1" nextAc="seek">
+              <p:cTn id="2" dur="indefinite" nodeType="mainSeq">
+                <p:childTnLst>
+                  <p:par>
+                    <p:cTn id="3" fill="hold">
+                      <p:stCondLst>
+                        <p:cond delay="indefinite"/>
+                      </p:stCondLst>
+                      <p:childTnLst>
+                        <p:par>
+                          <p:cTn id="4" fill="hold">
+                            <p:stCondLst>
+                              <p:cond delay="0"/>
+                            </p:stCondLst>
+                            <p:childTnLst>
+                              <p:par>
+                                <p:cTn id="5" presetID="22" presetClass="entr" presetSubtype="1" fill="hold" grpId="0" nodeType="clickEffect">
+                                  <p:stCondLst>
+                                    <p:cond delay="0"/>
+                                  </p:stCondLst>
+                                  <p:childTnLst>
+                                    <p:set>
+                                      <p:cBhvr>
+                                        <p:cTn id="6" dur="1" fill="hold">
+                                          <p:stCondLst>
+                                            <p:cond delay="0"/>
+                                          </p:stCondLst>
+                                        </p:cTn>
+                                        <p:tgtEl>
+                                          <p:spTgt spid="3">
+                                            <p:txEl>
+                                              <p:pRg st="0" end="0"/>
+                                            </p:txEl>
+                                          </p:spTgt>
+                                        </p:tgtEl>
+                                        <p:attrNameLst>
+                                          <p:attrName>style.visibility</p:attrName>
+                                        </p:attrNameLst>
+                                      </p:cBhvr>
+                                      <p:to>
+                                        <p:strVal val="visible"/>
+                                      </p:to>
+                                    </p:set>
+                                    <p:animEffect transition="in" filter="wipe(up)">
+                                      <p:cBhvr>
+                                        <p:cTn id="7" dur="1000"/>
+                                        <p:tgtEl>
+                                          <p:spTgt spid="3">
+                                            <p:txEl>
+                                              <p:pRg st="0" end="0"/>
+                                            </p:txEl>
+                                          </p:spTgt>
+                                        </p:tgtEl>
+                                      </p:cBhvr>
+                                    </p:animEffect>
+                                  </p:childTnLst>
+                                </p:cTn>
+                              </p:par>
+                            </p:childTnLst>
+                          </p:cTn>
+                        </p:par>
+                      </p:childTnLst>
+                    </p:cTn>
+                  </p:par>
+                </p:childTnLst>
+              </p:cTn>
+              <p:prevCondLst>
+                <p:cond evt="onPrev" delay="0">
+                  <p:tgtEl>
+                    <p:sldTgt/>
+                  </p:tgtEl>
+                </p:cond>
+              </p:prevCondLst>
+              <p:nextCondLst>
+                <p:cond evt="onNext" delay="0">
+                  <p:tgtEl>
+                    <p:sldTgt/>
+                  </p:tgtEl>
+                </p:cond>
+              </p:nextCondLst>
+            </p:seq>
+          </p:childTnLst>
+        </p:cTn>
+      </p:par>
+    </p:tnLst>
+    <p:bldLst>
+      <p:bldP spid="3" grpId="0" build="p"/>
+    </p:bldLst>
+  </p:timing>
 </p:sld>
 </file>
 
@@ -4446,85 +4539,2384 @@
           <a:chExt cx="0" cy="0"/>
         </a:xfrm>
       </p:grpSpPr>
-      <p:pic>
-        <p:nvPicPr>
-          <p:cNvPr id="4" name="Picture 2" descr="https://user-images.githubusercontent.com/37318055/47193978-213ca380-d31b-11e8-898c-c64965e61ef6.PNG">
+      <p:sp>
+        <p:nvSpPr>
+          <p:cNvPr id="26" name="Rectangle: Rounded Corners 25">
             <a:extLst>
               <a:ext uri="{FF2B5EF4-FFF2-40B4-BE49-F238E27FC236}">
-                <a16:creationId xmlns:a16="http://schemas.microsoft.com/office/drawing/2014/main" id="{E4F0C337-6687-42CB-8741-000D3627FEAE}"/>
+                <a16:creationId xmlns:a16="http://schemas.microsoft.com/office/drawing/2014/main" id="{0395DDFA-7AB6-44C5-B430-EE6B6004DF44}"/>
               </a:ext>
             </a:extLst>
           </p:cNvPr>
-          <p:cNvPicPr>
-            <a:picLocks noChangeAspect="1" noChangeArrowheads="1"/>
-          </p:cNvPicPr>
+          <p:cNvSpPr/>
           <p:nvPr/>
-        </p:nvPicPr>
-        <p:blipFill>
-          <a:blip r:embed="rId3" cstate="print">
+        </p:nvSpPr>
+        <p:spPr>
+          <a:xfrm>
+            <a:off x="511843" y="2385060"/>
+            <a:ext cx="1577551" cy="434155"/>
+          </a:xfrm>
+          <a:prstGeom prst="roundRect">
+            <a:avLst/>
+          </a:prstGeom>
+          <a:solidFill>
+            <a:schemeClr val="bg2">
+              <a:lumMod val="90000"/>
+            </a:schemeClr>
+          </a:solidFill>
+        </p:spPr>
+        <p:style>
+          <a:lnRef idx="1">
+            <a:schemeClr val="accent4"/>
+          </a:lnRef>
+          <a:fillRef idx="2">
+            <a:schemeClr val="accent4"/>
+          </a:fillRef>
+          <a:effectRef idx="1">
+            <a:schemeClr val="accent4"/>
+          </a:effectRef>
+          <a:fontRef idx="minor">
+            <a:schemeClr val="dk1"/>
+          </a:fontRef>
+        </p:style>
+        <p:txBody>
+          <a:bodyPr rtlCol="0" anchor="ctr"/>
+          <a:lstStyle>
+            <a:lvl1pPr marL="0" indent="0">
+              <a:defRPr sz="1100">
+                <a:solidFill>
+                  <a:schemeClr val="dk1"/>
+                </a:solidFill>
+                <a:latin typeface="+mn-lt"/>
+                <a:ea typeface="+mn-ea"/>
+                <a:cs typeface="+mn-cs"/>
+              </a:defRPr>
+            </a:lvl1pPr>
+            <a:lvl2pPr marL="457200" indent="0">
+              <a:defRPr sz="1100">
+                <a:solidFill>
+                  <a:schemeClr val="dk1"/>
+                </a:solidFill>
+                <a:latin typeface="+mn-lt"/>
+                <a:ea typeface="+mn-ea"/>
+                <a:cs typeface="+mn-cs"/>
+              </a:defRPr>
+            </a:lvl2pPr>
+            <a:lvl3pPr marL="914400" indent="0">
+              <a:defRPr sz="1100">
+                <a:solidFill>
+                  <a:schemeClr val="dk1"/>
+                </a:solidFill>
+                <a:latin typeface="+mn-lt"/>
+                <a:ea typeface="+mn-ea"/>
+                <a:cs typeface="+mn-cs"/>
+              </a:defRPr>
+            </a:lvl3pPr>
+            <a:lvl4pPr marL="1371600" indent="0">
+              <a:defRPr sz="1100">
+                <a:solidFill>
+                  <a:schemeClr val="dk1"/>
+                </a:solidFill>
+                <a:latin typeface="+mn-lt"/>
+                <a:ea typeface="+mn-ea"/>
+                <a:cs typeface="+mn-cs"/>
+              </a:defRPr>
+            </a:lvl4pPr>
+            <a:lvl5pPr marL="1828800" indent="0">
+              <a:defRPr sz="1100">
+                <a:solidFill>
+                  <a:schemeClr val="dk1"/>
+                </a:solidFill>
+                <a:latin typeface="+mn-lt"/>
+                <a:ea typeface="+mn-ea"/>
+                <a:cs typeface="+mn-cs"/>
+              </a:defRPr>
+            </a:lvl5pPr>
+            <a:lvl6pPr marL="2286000" indent="0">
+              <a:defRPr sz="1100">
+                <a:solidFill>
+                  <a:schemeClr val="dk1"/>
+                </a:solidFill>
+                <a:latin typeface="+mn-lt"/>
+                <a:ea typeface="+mn-ea"/>
+                <a:cs typeface="+mn-cs"/>
+              </a:defRPr>
+            </a:lvl6pPr>
+            <a:lvl7pPr marL="2743200" indent="0">
+              <a:defRPr sz="1100">
+                <a:solidFill>
+                  <a:schemeClr val="dk1"/>
+                </a:solidFill>
+                <a:latin typeface="+mn-lt"/>
+                <a:ea typeface="+mn-ea"/>
+                <a:cs typeface="+mn-cs"/>
+              </a:defRPr>
+            </a:lvl7pPr>
+            <a:lvl8pPr marL="3200400" indent="0">
+              <a:defRPr sz="1100">
+                <a:solidFill>
+                  <a:schemeClr val="dk1"/>
+                </a:solidFill>
+                <a:latin typeface="+mn-lt"/>
+                <a:ea typeface="+mn-ea"/>
+                <a:cs typeface="+mn-cs"/>
+              </a:defRPr>
+            </a:lvl8pPr>
+            <a:lvl9pPr marL="3657600" indent="0">
+              <a:defRPr sz="1100">
+                <a:solidFill>
+                  <a:schemeClr val="dk1"/>
+                </a:solidFill>
+                <a:latin typeface="+mn-lt"/>
+                <a:ea typeface="+mn-ea"/>
+                <a:cs typeface="+mn-cs"/>
+              </a:defRPr>
+            </a:lvl9pPr>
+          </a:lstStyle>
+          <a:p>
+            <a:pPr algn="ctr"/>
+            <a:r>
+              <a:rPr lang="en-US" sz="1000" dirty="0"/>
+              <a:t>VSC</a:t>
+            </a:r>
+            <a:r>
+              <a:rPr lang="en-US" sz="1000" baseline="0" dirty="0"/>
+              <a:t> Terminal</a:t>
+            </a:r>
+          </a:p>
+          <a:p>
+            <a:pPr algn="ctr"/>
+            <a:r>
+              <a:rPr lang="en-US" sz="1000" baseline="0" dirty="0"/>
+              <a:t>(launch - app.py)</a:t>
+            </a:r>
+            <a:endParaRPr lang="en-US" sz="1000" dirty="0"/>
+          </a:p>
+        </p:txBody>
+      </p:sp>
+      <p:sp>
+        <p:nvSpPr>
+          <p:cNvPr id="27" name="Rectangle: Rounded Corners 26">
             <a:extLst>
-              <a:ext uri="{28A0092B-C50C-407E-A947-70E740481C1C}">
-                <a14:useLocalDpi xmlns:a14="http://schemas.microsoft.com/office/drawing/2010/main" val="0"/>
+              <a:ext uri="{FF2B5EF4-FFF2-40B4-BE49-F238E27FC236}">
+                <a16:creationId xmlns:a16="http://schemas.microsoft.com/office/drawing/2014/main" id="{15B5567C-EE3A-4A6A-B7F7-03FC87D1A458}"/>
               </a:ext>
             </a:extLst>
-          </a:blip>
-          <a:srcRect/>
-          <a:stretch>
-            <a:fillRect/>
-          </a:stretch>
-        </p:blipFill>
-        <p:spPr bwMode="auto">
+          </p:cNvPr>
+          <p:cNvSpPr/>
+          <p:nvPr/>
+        </p:nvSpPr>
+        <p:spPr>
           <a:xfrm>
-            <a:off x="601670" y="1960931"/>
-            <a:ext cx="7635250" cy="3054100"/>
+            <a:off x="584320" y="4136025"/>
+            <a:ext cx="1544339" cy="400522"/>
+          </a:xfrm>
+          <a:prstGeom prst="roundRect">
+            <a:avLst/>
+          </a:prstGeom>
+          <a:solidFill>
+            <a:schemeClr val="bg1">
+              <a:lumMod val="85000"/>
+            </a:schemeClr>
+          </a:solidFill>
+        </p:spPr>
+        <p:style>
+          <a:lnRef idx="1">
+            <a:schemeClr val="accent4"/>
+          </a:lnRef>
+          <a:fillRef idx="2">
+            <a:schemeClr val="accent4"/>
+          </a:fillRef>
+          <a:effectRef idx="1">
+            <a:schemeClr val="accent4"/>
+          </a:effectRef>
+          <a:fontRef idx="minor">
+            <a:schemeClr val="dk1"/>
+          </a:fontRef>
+        </p:style>
+        <p:txBody>
+          <a:bodyPr rtlCol="0" anchor="ctr"/>
+          <a:lstStyle>
+            <a:lvl1pPr marL="0" indent="0">
+              <a:defRPr sz="1100">
+                <a:solidFill>
+                  <a:schemeClr val="dk1"/>
+                </a:solidFill>
+                <a:latin typeface="+mn-lt"/>
+                <a:ea typeface="+mn-ea"/>
+                <a:cs typeface="+mn-cs"/>
+              </a:defRPr>
+            </a:lvl1pPr>
+            <a:lvl2pPr marL="457200" indent="0">
+              <a:defRPr sz="1100">
+                <a:solidFill>
+                  <a:schemeClr val="dk1"/>
+                </a:solidFill>
+                <a:latin typeface="+mn-lt"/>
+                <a:ea typeface="+mn-ea"/>
+                <a:cs typeface="+mn-cs"/>
+              </a:defRPr>
+            </a:lvl2pPr>
+            <a:lvl3pPr marL="914400" indent="0">
+              <a:defRPr sz="1100">
+                <a:solidFill>
+                  <a:schemeClr val="dk1"/>
+                </a:solidFill>
+                <a:latin typeface="+mn-lt"/>
+                <a:ea typeface="+mn-ea"/>
+                <a:cs typeface="+mn-cs"/>
+              </a:defRPr>
+            </a:lvl3pPr>
+            <a:lvl4pPr marL="1371600" indent="0">
+              <a:defRPr sz="1100">
+                <a:solidFill>
+                  <a:schemeClr val="dk1"/>
+                </a:solidFill>
+                <a:latin typeface="+mn-lt"/>
+                <a:ea typeface="+mn-ea"/>
+                <a:cs typeface="+mn-cs"/>
+              </a:defRPr>
+            </a:lvl4pPr>
+            <a:lvl5pPr marL="1828800" indent="0">
+              <a:defRPr sz="1100">
+                <a:solidFill>
+                  <a:schemeClr val="dk1"/>
+                </a:solidFill>
+                <a:latin typeface="+mn-lt"/>
+                <a:ea typeface="+mn-ea"/>
+                <a:cs typeface="+mn-cs"/>
+              </a:defRPr>
+            </a:lvl5pPr>
+            <a:lvl6pPr marL="2286000" indent="0">
+              <a:defRPr sz="1100">
+                <a:solidFill>
+                  <a:schemeClr val="dk1"/>
+                </a:solidFill>
+                <a:latin typeface="+mn-lt"/>
+                <a:ea typeface="+mn-ea"/>
+                <a:cs typeface="+mn-cs"/>
+              </a:defRPr>
+            </a:lvl6pPr>
+            <a:lvl7pPr marL="2743200" indent="0">
+              <a:defRPr sz="1100">
+                <a:solidFill>
+                  <a:schemeClr val="dk1"/>
+                </a:solidFill>
+                <a:latin typeface="+mn-lt"/>
+                <a:ea typeface="+mn-ea"/>
+                <a:cs typeface="+mn-cs"/>
+              </a:defRPr>
+            </a:lvl7pPr>
+            <a:lvl8pPr marL="3200400" indent="0">
+              <a:defRPr sz="1100">
+                <a:solidFill>
+                  <a:schemeClr val="dk1"/>
+                </a:solidFill>
+                <a:latin typeface="+mn-lt"/>
+                <a:ea typeface="+mn-ea"/>
+                <a:cs typeface="+mn-cs"/>
+              </a:defRPr>
+            </a:lvl8pPr>
+            <a:lvl9pPr marL="3657600" indent="0">
+              <a:defRPr sz="1100">
+                <a:solidFill>
+                  <a:schemeClr val="dk1"/>
+                </a:solidFill>
+                <a:latin typeface="+mn-lt"/>
+                <a:ea typeface="+mn-ea"/>
+                <a:cs typeface="+mn-cs"/>
+              </a:defRPr>
+            </a:lvl9pPr>
+          </a:lstStyle>
+          <a:p>
+            <a:pPr algn="ctr"/>
+            <a:r>
+              <a:rPr lang="en-US" sz="1000" dirty="0"/>
+              <a:t>Open HTML</a:t>
+            </a:r>
+            <a:r>
+              <a:rPr lang="en-US" sz="1000" baseline="0" dirty="0"/>
+              <a:t> Browser</a:t>
+            </a:r>
+          </a:p>
+          <a:p>
+            <a:pPr algn="ctr"/>
+            <a:r>
+              <a:rPr lang="en-US" sz="1000" baseline="0" dirty="0"/>
+              <a:t>Home Page</a:t>
+            </a:r>
+            <a:endParaRPr lang="en-US" sz="1000" dirty="0"/>
+          </a:p>
+        </p:txBody>
+      </p:sp>
+      <p:sp>
+        <p:nvSpPr>
+          <p:cNvPr id="28" name="Rectangle: Rounded Corners 27">
+            <a:extLst>
+              <a:ext uri="{FF2B5EF4-FFF2-40B4-BE49-F238E27FC236}">
+                <a16:creationId xmlns:a16="http://schemas.microsoft.com/office/drawing/2014/main" id="{E5D591D7-655A-43E4-A869-8BB063F8B020}"/>
+              </a:ext>
+            </a:extLst>
+          </p:cNvPr>
+          <p:cNvSpPr/>
+          <p:nvPr/>
+        </p:nvSpPr>
+        <p:spPr>
+          <a:xfrm>
+            <a:off x="3808475" y="1464775"/>
+            <a:ext cx="5121213" cy="3550255"/>
+          </a:xfrm>
+          <a:prstGeom prst="roundRect">
+            <a:avLst/>
+          </a:prstGeom>
+          <a:solidFill>
+            <a:schemeClr val="accent1">
+              <a:lumMod val="20000"/>
+              <a:lumOff val="80000"/>
+            </a:schemeClr>
+          </a:solidFill>
+        </p:spPr>
+        <p:style>
+          <a:lnRef idx="1">
+            <a:schemeClr val="accent5"/>
+          </a:lnRef>
+          <a:fillRef idx="2">
+            <a:schemeClr val="accent5"/>
+          </a:fillRef>
+          <a:effectRef idx="1">
+            <a:schemeClr val="accent5"/>
+          </a:effectRef>
+          <a:fontRef idx="minor">
+            <a:schemeClr val="dk1"/>
+          </a:fontRef>
+        </p:style>
+        <p:txBody>
+          <a:bodyPr rtlCol="0" anchor="t"/>
+          <a:lstStyle>
+            <a:lvl1pPr marL="0" indent="0">
+              <a:defRPr sz="1100">
+                <a:solidFill>
+                  <a:schemeClr val="dk1"/>
+                </a:solidFill>
+                <a:latin typeface="+mn-lt"/>
+                <a:ea typeface="+mn-ea"/>
+                <a:cs typeface="+mn-cs"/>
+              </a:defRPr>
+            </a:lvl1pPr>
+            <a:lvl2pPr marL="457200" indent="0">
+              <a:defRPr sz="1100">
+                <a:solidFill>
+                  <a:schemeClr val="dk1"/>
+                </a:solidFill>
+                <a:latin typeface="+mn-lt"/>
+                <a:ea typeface="+mn-ea"/>
+                <a:cs typeface="+mn-cs"/>
+              </a:defRPr>
+            </a:lvl2pPr>
+            <a:lvl3pPr marL="914400" indent="0">
+              <a:defRPr sz="1100">
+                <a:solidFill>
+                  <a:schemeClr val="dk1"/>
+                </a:solidFill>
+                <a:latin typeface="+mn-lt"/>
+                <a:ea typeface="+mn-ea"/>
+                <a:cs typeface="+mn-cs"/>
+              </a:defRPr>
+            </a:lvl3pPr>
+            <a:lvl4pPr marL="1371600" indent="0">
+              <a:defRPr sz="1100">
+                <a:solidFill>
+                  <a:schemeClr val="dk1"/>
+                </a:solidFill>
+                <a:latin typeface="+mn-lt"/>
+                <a:ea typeface="+mn-ea"/>
+                <a:cs typeface="+mn-cs"/>
+              </a:defRPr>
+            </a:lvl4pPr>
+            <a:lvl5pPr marL="1828800" indent="0">
+              <a:defRPr sz="1100">
+                <a:solidFill>
+                  <a:schemeClr val="dk1"/>
+                </a:solidFill>
+                <a:latin typeface="+mn-lt"/>
+                <a:ea typeface="+mn-ea"/>
+                <a:cs typeface="+mn-cs"/>
+              </a:defRPr>
+            </a:lvl5pPr>
+            <a:lvl6pPr marL="2286000" indent="0">
+              <a:defRPr sz="1100">
+                <a:solidFill>
+                  <a:schemeClr val="dk1"/>
+                </a:solidFill>
+                <a:latin typeface="+mn-lt"/>
+                <a:ea typeface="+mn-ea"/>
+                <a:cs typeface="+mn-cs"/>
+              </a:defRPr>
+            </a:lvl6pPr>
+            <a:lvl7pPr marL="2743200" indent="0">
+              <a:defRPr sz="1100">
+                <a:solidFill>
+                  <a:schemeClr val="dk1"/>
+                </a:solidFill>
+                <a:latin typeface="+mn-lt"/>
+                <a:ea typeface="+mn-ea"/>
+                <a:cs typeface="+mn-cs"/>
+              </a:defRPr>
+            </a:lvl7pPr>
+            <a:lvl8pPr marL="3200400" indent="0">
+              <a:defRPr sz="1100">
+                <a:solidFill>
+                  <a:schemeClr val="dk1"/>
+                </a:solidFill>
+                <a:latin typeface="+mn-lt"/>
+                <a:ea typeface="+mn-ea"/>
+                <a:cs typeface="+mn-cs"/>
+              </a:defRPr>
+            </a:lvl8pPr>
+            <a:lvl9pPr marL="3657600" indent="0">
+              <a:defRPr sz="1100">
+                <a:solidFill>
+                  <a:schemeClr val="dk1"/>
+                </a:solidFill>
+                <a:latin typeface="+mn-lt"/>
+                <a:ea typeface="+mn-ea"/>
+                <a:cs typeface="+mn-cs"/>
+              </a:defRPr>
+            </a:lvl9pPr>
+          </a:lstStyle>
+          <a:p>
+            <a:pPr algn="l"/>
+            <a:endParaRPr lang="en-US" sz="1100"/>
+          </a:p>
+        </p:txBody>
+      </p:sp>
+      <p:sp>
+        <p:nvSpPr>
+          <p:cNvPr id="29" name="Rectangle: Rounded Corners 28">
+            <a:extLst>
+              <a:ext uri="{FF2B5EF4-FFF2-40B4-BE49-F238E27FC236}">
+                <a16:creationId xmlns:a16="http://schemas.microsoft.com/office/drawing/2014/main" id="{4146FD2D-788E-47F6-882B-C9FA2DBFF0EA}"/>
+              </a:ext>
+            </a:extLst>
+          </p:cNvPr>
+          <p:cNvSpPr/>
+          <p:nvPr/>
+        </p:nvSpPr>
+        <p:spPr>
+          <a:xfrm>
+            <a:off x="4463237" y="4055546"/>
+            <a:ext cx="1460983" cy="550635"/>
+          </a:xfrm>
+          <a:prstGeom prst="roundRect">
+            <a:avLst/>
+          </a:prstGeom>
+        </p:spPr>
+        <p:style>
+          <a:lnRef idx="1">
+            <a:schemeClr val="accent6"/>
+          </a:lnRef>
+          <a:fillRef idx="2">
+            <a:schemeClr val="accent6"/>
+          </a:fillRef>
+          <a:effectRef idx="1">
+            <a:schemeClr val="accent6"/>
+          </a:effectRef>
+          <a:fontRef idx="minor">
+            <a:schemeClr val="dk1"/>
+          </a:fontRef>
+        </p:style>
+        <p:txBody>
+          <a:bodyPr rtlCol="0" anchor="ctr"/>
+          <a:lstStyle>
+            <a:lvl1pPr marL="0" indent="0">
+              <a:defRPr sz="1100">
+                <a:solidFill>
+                  <a:schemeClr val="dk1"/>
+                </a:solidFill>
+                <a:latin typeface="+mn-lt"/>
+                <a:ea typeface="+mn-ea"/>
+                <a:cs typeface="+mn-cs"/>
+              </a:defRPr>
+            </a:lvl1pPr>
+            <a:lvl2pPr marL="457200" indent="0">
+              <a:defRPr sz="1100">
+                <a:solidFill>
+                  <a:schemeClr val="dk1"/>
+                </a:solidFill>
+                <a:latin typeface="+mn-lt"/>
+                <a:ea typeface="+mn-ea"/>
+                <a:cs typeface="+mn-cs"/>
+              </a:defRPr>
+            </a:lvl2pPr>
+            <a:lvl3pPr marL="914400" indent="0">
+              <a:defRPr sz="1100">
+                <a:solidFill>
+                  <a:schemeClr val="dk1"/>
+                </a:solidFill>
+                <a:latin typeface="+mn-lt"/>
+                <a:ea typeface="+mn-ea"/>
+                <a:cs typeface="+mn-cs"/>
+              </a:defRPr>
+            </a:lvl3pPr>
+            <a:lvl4pPr marL="1371600" indent="0">
+              <a:defRPr sz="1100">
+                <a:solidFill>
+                  <a:schemeClr val="dk1"/>
+                </a:solidFill>
+                <a:latin typeface="+mn-lt"/>
+                <a:ea typeface="+mn-ea"/>
+                <a:cs typeface="+mn-cs"/>
+              </a:defRPr>
+            </a:lvl4pPr>
+            <a:lvl5pPr marL="1828800" indent="0">
+              <a:defRPr sz="1100">
+                <a:solidFill>
+                  <a:schemeClr val="dk1"/>
+                </a:solidFill>
+                <a:latin typeface="+mn-lt"/>
+                <a:ea typeface="+mn-ea"/>
+                <a:cs typeface="+mn-cs"/>
+              </a:defRPr>
+            </a:lvl5pPr>
+            <a:lvl6pPr marL="2286000" indent="0">
+              <a:defRPr sz="1100">
+                <a:solidFill>
+                  <a:schemeClr val="dk1"/>
+                </a:solidFill>
+                <a:latin typeface="+mn-lt"/>
+                <a:ea typeface="+mn-ea"/>
+                <a:cs typeface="+mn-cs"/>
+              </a:defRPr>
+            </a:lvl6pPr>
+            <a:lvl7pPr marL="2743200" indent="0">
+              <a:defRPr sz="1100">
+                <a:solidFill>
+                  <a:schemeClr val="dk1"/>
+                </a:solidFill>
+                <a:latin typeface="+mn-lt"/>
+                <a:ea typeface="+mn-ea"/>
+                <a:cs typeface="+mn-cs"/>
+              </a:defRPr>
+            </a:lvl7pPr>
+            <a:lvl8pPr marL="3200400" indent="0">
+              <a:defRPr sz="1100">
+                <a:solidFill>
+                  <a:schemeClr val="dk1"/>
+                </a:solidFill>
+                <a:latin typeface="+mn-lt"/>
+                <a:ea typeface="+mn-ea"/>
+                <a:cs typeface="+mn-cs"/>
+              </a:defRPr>
+            </a:lvl8pPr>
+            <a:lvl9pPr marL="3657600" indent="0">
+              <a:defRPr sz="1100">
+                <a:solidFill>
+                  <a:schemeClr val="dk1"/>
+                </a:solidFill>
+                <a:latin typeface="+mn-lt"/>
+                <a:ea typeface="+mn-ea"/>
+                <a:cs typeface="+mn-cs"/>
+              </a:defRPr>
+            </a:lvl9pPr>
+          </a:lstStyle>
+          <a:p>
+            <a:pPr algn="ctr"/>
+            <a:r>
+              <a:rPr lang="en-US" sz="1400"/>
+              <a:t>Heroku</a:t>
+            </a:r>
+          </a:p>
+        </p:txBody>
+      </p:sp>
+      <p:sp>
+        <p:nvSpPr>
+          <p:cNvPr id="30" name="Rectangle: Rounded Corners 29">
+            <a:extLst>
+              <a:ext uri="{FF2B5EF4-FFF2-40B4-BE49-F238E27FC236}">
+                <a16:creationId xmlns:a16="http://schemas.microsoft.com/office/drawing/2014/main" id="{30920AC4-FDA2-4151-9784-02BAB67399F6}"/>
+              </a:ext>
+            </a:extLst>
+          </p:cNvPr>
+          <p:cNvSpPr/>
+          <p:nvPr/>
+        </p:nvSpPr>
+        <p:spPr>
+          <a:xfrm>
+            <a:off x="6328620" y="1529722"/>
+            <a:ext cx="2323585" cy="3420360"/>
+          </a:xfrm>
+          <a:prstGeom prst="roundRect">
+            <a:avLst/>
+          </a:prstGeom>
+          <a:solidFill>
+            <a:schemeClr val="accent1">
+              <a:lumMod val="40000"/>
+              <a:lumOff val="60000"/>
+            </a:schemeClr>
+          </a:solidFill>
+        </p:spPr>
+        <p:style>
+          <a:lnRef idx="1">
+            <a:schemeClr val="accent1"/>
+          </a:lnRef>
+          <a:fillRef idx="2">
+            <a:schemeClr val="accent1"/>
+          </a:fillRef>
+          <a:effectRef idx="1">
+            <a:schemeClr val="accent1"/>
+          </a:effectRef>
+          <a:fontRef idx="minor">
+            <a:schemeClr val="dk1"/>
+          </a:fontRef>
+        </p:style>
+        <p:txBody>
+          <a:bodyPr rtlCol="0" anchor="t"/>
+          <a:lstStyle>
+            <a:lvl1pPr marL="0" indent="0">
+              <a:defRPr sz="1100">
+                <a:solidFill>
+                  <a:schemeClr val="dk1"/>
+                </a:solidFill>
+                <a:latin typeface="+mn-lt"/>
+                <a:ea typeface="+mn-ea"/>
+                <a:cs typeface="+mn-cs"/>
+              </a:defRPr>
+            </a:lvl1pPr>
+            <a:lvl2pPr marL="457200" indent="0">
+              <a:defRPr sz="1100">
+                <a:solidFill>
+                  <a:schemeClr val="dk1"/>
+                </a:solidFill>
+                <a:latin typeface="+mn-lt"/>
+                <a:ea typeface="+mn-ea"/>
+                <a:cs typeface="+mn-cs"/>
+              </a:defRPr>
+            </a:lvl2pPr>
+            <a:lvl3pPr marL="914400" indent="0">
+              <a:defRPr sz="1100">
+                <a:solidFill>
+                  <a:schemeClr val="dk1"/>
+                </a:solidFill>
+                <a:latin typeface="+mn-lt"/>
+                <a:ea typeface="+mn-ea"/>
+                <a:cs typeface="+mn-cs"/>
+              </a:defRPr>
+            </a:lvl3pPr>
+            <a:lvl4pPr marL="1371600" indent="0">
+              <a:defRPr sz="1100">
+                <a:solidFill>
+                  <a:schemeClr val="dk1"/>
+                </a:solidFill>
+                <a:latin typeface="+mn-lt"/>
+                <a:ea typeface="+mn-ea"/>
+                <a:cs typeface="+mn-cs"/>
+              </a:defRPr>
+            </a:lvl4pPr>
+            <a:lvl5pPr marL="1828800" indent="0">
+              <a:defRPr sz="1100">
+                <a:solidFill>
+                  <a:schemeClr val="dk1"/>
+                </a:solidFill>
+                <a:latin typeface="+mn-lt"/>
+                <a:ea typeface="+mn-ea"/>
+                <a:cs typeface="+mn-cs"/>
+              </a:defRPr>
+            </a:lvl5pPr>
+            <a:lvl6pPr marL="2286000" indent="0">
+              <a:defRPr sz="1100">
+                <a:solidFill>
+                  <a:schemeClr val="dk1"/>
+                </a:solidFill>
+                <a:latin typeface="+mn-lt"/>
+                <a:ea typeface="+mn-ea"/>
+                <a:cs typeface="+mn-cs"/>
+              </a:defRPr>
+            </a:lvl6pPr>
+            <a:lvl7pPr marL="2743200" indent="0">
+              <a:defRPr sz="1100">
+                <a:solidFill>
+                  <a:schemeClr val="dk1"/>
+                </a:solidFill>
+                <a:latin typeface="+mn-lt"/>
+                <a:ea typeface="+mn-ea"/>
+                <a:cs typeface="+mn-cs"/>
+              </a:defRPr>
+            </a:lvl7pPr>
+            <a:lvl8pPr marL="3200400" indent="0">
+              <a:defRPr sz="1100">
+                <a:solidFill>
+                  <a:schemeClr val="dk1"/>
+                </a:solidFill>
+                <a:latin typeface="+mn-lt"/>
+                <a:ea typeface="+mn-ea"/>
+                <a:cs typeface="+mn-cs"/>
+              </a:defRPr>
+            </a:lvl8pPr>
+            <a:lvl9pPr marL="3657600" indent="0">
+              <a:defRPr sz="1100">
+                <a:solidFill>
+                  <a:schemeClr val="dk1"/>
+                </a:solidFill>
+                <a:latin typeface="+mn-lt"/>
+                <a:ea typeface="+mn-ea"/>
+                <a:cs typeface="+mn-cs"/>
+              </a:defRPr>
+            </a:lvl9pPr>
+          </a:lstStyle>
+          <a:p>
+            <a:pPr algn="ctr"/>
+            <a:r>
+              <a:rPr lang="en-US" sz="1400" b="1"/>
+              <a:t>Web App Container</a:t>
+            </a:r>
+          </a:p>
+        </p:txBody>
+      </p:sp>
+      <p:sp>
+        <p:nvSpPr>
+          <p:cNvPr id="31" name="Rectangle: Rounded Corners 30">
+            <a:extLst>
+              <a:ext uri="{FF2B5EF4-FFF2-40B4-BE49-F238E27FC236}">
+                <a16:creationId xmlns:a16="http://schemas.microsoft.com/office/drawing/2014/main" id="{F30F2FA9-327D-4F14-B106-7BDA74B50B4B}"/>
+              </a:ext>
+            </a:extLst>
+          </p:cNvPr>
+          <p:cNvSpPr/>
+          <p:nvPr/>
+        </p:nvSpPr>
+        <p:spPr>
+          <a:xfrm>
+            <a:off x="6709870" y="1960933"/>
+            <a:ext cx="1577551" cy="434152"/>
+          </a:xfrm>
+          <a:prstGeom prst="roundRect">
+            <a:avLst/>
+          </a:prstGeom>
+        </p:spPr>
+        <p:style>
+          <a:lnRef idx="1">
+            <a:schemeClr val="accent2"/>
+          </a:lnRef>
+          <a:fillRef idx="2">
+            <a:schemeClr val="accent2"/>
+          </a:fillRef>
+          <a:effectRef idx="1">
+            <a:schemeClr val="accent2"/>
+          </a:effectRef>
+          <a:fontRef idx="minor">
+            <a:schemeClr val="dk1"/>
+          </a:fontRef>
+        </p:style>
+        <p:txBody>
+          <a:bodyPr rtlCol="0" anchor="ctr"/>
+          <a:lstStyle>
+            <a:lvl1pPr marL="0" indent="0">
+              <a:defRPr sz="1100">
+                <a:solidFill>
+                  <a:schemeClr val="dk1"/>
+                </a:solidFill>
+                <a:latin typeface="+mn-lt"/>
+                <a:ea typeface="+mn-ea"/>
+                <a:cs typeface="+mn-cs"/>
+              </a:defRPr>
+            </a:lvl1pPr>
+            <a:lvl2pPr marL="457200" indent="0">
+              <a:defRPr sz="1100">
+                <a:solidFill>
+                  <a:schemeClr val="dk1"/>
+                </a:solidFill>
+                <a:latin typeface="+mn-lt"/>
+                <a:ea typeface="+mn-ea"/>
+                <a:cs typeface="+mn-cs"/>
+              </a:defRPr>
+            </a:lvl2pPr>
+            <a:lvl3pPr marL="914400" indent="0">
+              <a:defRPr sz="1100">
+                <a:solidFill>
+                  <a:schemeClr val="dk1"/>
+                </a:solidFill>
+                <a:latin typeface="+mn-lt"/>
+                <a:ea typeface="+mn-ea"/>
+                <a:cs typeface="+mn-cs"/>
+              </a:defRPr>
+            </a:lvl3pPr>
+            <a:lvl4pPr marL="1371600" indent="0">
+              <a:defRPr sz="1100">
+                <a:solidFill>
+                  <a:schemeClr val="dk1"/>
+                </a:solidFill>
+                <a:latin typeface="+mn-lt"/>
+                <a:ea typeface="+mn-ea"/>
+                <a:cs typeface="+mn-cs"/>
+              </a:defRPr>
+            </a:lvl4pPr>
+            <a:lvl5pPr marL="1828800" indent="0">
+              <a:defRPr sz="1100">
+                <a:solidFill>
+                  <a:schemeClr val="dk1"/>
+                </a:solidFill>
+                <a:latin typeface="+mn-lt"/>
+                <a:ea typeface="+mn-ea"/>
+                <a:cs typeface="+mn-cs"/>
+              </a:defRPr>
+            </a:lvl5pPr>
+            <a:lvl6pPr marL="2286000" indent="0">
+              <a:defRPr sz="1100">
+                <a:solidFill>
+                  <a:schemeClr val="dk1"/>
+                </a:solidFill>
+                <a:latin typeface="+mn-lt"/>
+                <a:ea typeface="+mn-ea"/>
+                <a:cs typeface="+mn-cs"/>
+              </a:defRPr>
+            </a:lvl6pPr>
+            <a:lvl7pPr marL="2743200" indent="0">
+              <a:defRPr sz="1100">
+                <a:solidFill>
+                  <a:schemeClr val="dk1"/>
+                </a:solidFill>
+                <a:latin typeface="+mn-lt"/>
+                <a:ea typeface="+mn-ea"/>
+                <a:cs typeface="+mn-cs"/>
+              </a:defRPr>
+            </a:lvl7pPr>
+            <a:lvl8pPr marL="3200400" indent="0">
+              <a:defRPr sz="1100">
+                <a:solidFill>
+                  <a:schemeClr val="dk1"/>
+                </a:solidFill>
+                <a:latin typeface="+mn-lt"/>
+                <a:ea typeface="+mn-ea"/>
+                <a:cs typeface="+mn-cs"/>
+              </a:defRPr>
+            </a:lvl8pPr>
+            <a:lvl9pPr marL="3657600" indent="0">
+              <a:defRPr sz="1100">
+                <a:solidFill>
+                  <a:schemeClr val="dk1"/>
+                </a:solidFill>
+                <a:latin typeface="+mn-lt"/>
+                <a:ea typeface="+mn-ea"/>
+                <a:cs typeface="+mn-cs"/>
+              </a:defRPr>
+            </a:lvl9pPr>
+          </a:lstStyle>
+          <a:p>
+            <a:pPr algn="ctr"/>
+            <a:r>
+              <a:rPr lang="en-US" sz="1000" dirty="0"/>
+              <a:t>Flask Server</a:t>
+            </a:r>
+          </a:p>
+          <a:p>
+            <a:pPr algn="ctr"/>
+            <a:r>
+              <a:rPr lang="en-US" sz="1000" dirty="0"/>
+              <a:t>(app.py running on http://127.0.0.1:5000/)</a:t>
+            </a:r>
+          </a:p>
+        </p:txBody>
+      </p:sp>
+      <p:sp>
+        <p:nvSpPr>
+          <p:cNvPr id="32" name="Rectangle: Rounded Corners 31">
+            <a:extLst>
+              <a:ext uri="{FF2B5EF4-FFF2-40B4-BE49-F238E27FC236}">
+                <a16:creationId xmlns:a16="http://schemas.microsoft.com/office/drawing/2014/main" id="{CAE365A3-E0E4-4200-8A97-2BA7A44FA3DC}"/>
+              </a:ext>
+            </a:extLst>
+          </p:cNvPr>
+          <p:cNvSpPr/>
+          <p:nvPr/>
+        </p:nvSpPr>
+        <p:spPr>
+          <a:xfrm>
+            <a:off x="6709871" y="2390354"/>
+            <a:ext cx="1577551" cy="428861"/>
+          </a:xfrm>
+          <a:prstGeom prst="roundRect">
+            <a:avLst/>
+          </a:prstGeom>
+        </p:spPr>
+        <p:style>
+          <a:lnRef idx="1">
+            <a:schemeClr val="accent2"/>
+          </a:lnRef>
+          <a:fillRef idx="2">
+            <a:schemeClr val="accent2"/>
+          </a:fillRef>
+          <a:effectRef idx="1">
+            <a:schemeClr val="accent2"/>
+          </a:effectRef>
+          <a:fontRef idx="minor">
+            <a:schemeClr val="dk1"/>
+          </a:fontRef>
+        </p:style>
+        <p:txBody>
+          <a:bodyPr rtlCol="0" anchor="ctr"/>
+          <a:lstStyle>
+            <a:lvl1pPr marL="0" indent="0">
+              <a:defRPr sz="1100">
+                <a:solidFill>
+                  <a:schemeClr val="dk1"/>
+                </a:solidFill>
+                <a:latin typeface="+mn-lt"/>
+                <a:ea typeface="+mn-ea"/>
+                <a:cs typeface="+mn-cs"/>
+              </a:defRPr>
+            </a:lvl1pPr>
+            <a:lvl2pPr marL="457200" indent="0">
+              <a:defRPr sz="1100">
+                <a:solidFill>
+                  <a:schemeClr val="dk1"/>
+                </a:solidFill>
+                <a:latin typeface="+mn-lt"/>
+                <a:ea typeface="+mn-ea"/>
+                <a:cs typeface="+mn-cs"/>
+              </a:defRPr>
+            </a:lvl2pPr>
+            <a:lvl3pPr marL="914400" indent="0">
+              <a:defRPr sz="1100">
+                <a:solidFill>
+                  <a:schemeClr val="dk1"/>
+                </a:solidFill>
+                <a:latin typeface="+mn-lt"/>
+                <a:ea typeface="+mn-ea"/>
+                <a:cs typeface="+mn-cs"/>
+              </a:defRPr>
+            </a:lvl3pPr>
+            <a:lvl4pPr marL="1371600" indent="0">
+              <a:defRPr sz="1100">
+                <a:solidFill>
+                  <a:schemeClr val="dk1"/>
+                </a:solidFill>
+                <a:latin typeface="+mn-lt"/>
+                <a:ea typeface="+mn-ea"/>
+                <a:cs typeface="+mn-cs"/>
+              </a:defRPr>
+            </a:lvl4pPr>
+            <a:lvl5pPr marL="1828800" indent="0">
+              <a:defRPr sz="1100">
+                <a:solidFill>
+                  <a:schemeClr val="dk1"/>
+                </a:solidFill>
+                <a:latin typeface="+mn-lt"/>
+                <a:ea typeface="+mn-ea"/>
+                <a:cs typeface="+mn-cs"/>
+              </a:defRPr>
+            </a:lvl5pPr>
+            <a:lvl6pPr marL="2286000" indent="0">
+              <a:defRPr sz="1100">
+                <a:solidFill>
+                  <a:schemeClr val="dk1"/>
+                </a:solidFill>
+                <a:latin typeface="+mn-lt"/>
+                <a:ea typeface="+mn-ea"/>
+                <a:cs typeface="+mn-cs"/>
+              </a:defRPr>
+            </a:lvl6pPr>
+            <a:lvl7pPr marL="2743200" indent="0">
+              <a:defRPr sz="1100">
+                <a:solidFill>
+                  <a:schemeClr val="dk1"/>
+                </a:solidFill>
+                <a:latin typeface="+mn-lt"/>
+                <a:ea typeface="+mn-ea"/>
+                <a:cs typeface="+mn-cs"/>
+              </a:defRPr>
+            </a:lvl7pPr>
+            <a:lvl8pPr marL="3200400" indent="0">
+              <a:defRPr sz="1100">
+                <a:solidFill>
+                  <a:schemeClr val="dk1"/>
+                </a:solidFill>
+                <a:latin typeface="+mn-lt"/>
+                <a:ea typeface="+mn-ea"/>
+                <a:cs typeface="+mn-cs"/>
+              </a:defRPr>
+            </a:lvl8pPr>
+            <a:lvl9pPr marL="3657600" indent="0">
+              <a:defRPr sz="1100">
+                <a:solidFill>
+                  <a:schemeClr val="dk1"/>
+                </a:solidFill>
+                <a:latin typeface="+mn-lt"/>
+                <a:ea typeface="+mn-ea"/>
+                <a:cs typeface="+mn-cs"/>
+              </a:defRPr>
+            </a:lvl9pPr>
+          </a:lstStyle>
+          <a:p>
+            <a:pPr algn="ctr"/>
+            <a:r>
+              <a:rPr lang="en-US" sz="1000" dirty="0" err="1"/>
+              <a:t>Gunicorn</a:t>
+            </a:r>
+            <a:endParaRPr lang="en-US" sz="1000" dirty="0"/>
+          </a:p>
+          <a:p>
+            <a:pPr algn="ctr"/>
+            <a:r>
+              <a:rPr lang="en-US" sz="1000" dirty="0"/>
+              <a:t>(WSGI Server)</a:t>
+            </a:r>
+          </a:p>
+        </p:txBody>
+      </p:sp>
+      <p:sp>
+        <p:nvSpPr>
+          <p:cNvPr id="33" name="Rectangle: Rounded Corners 32">
+            <a:extLst>
+              <a:ext uri="{FF2B5EF4-FFF2-40B4-BE49-F238E27FC236}">
+                <a16:creationId xmlns:a16="http://schemas.microsoft.com/office/drawing/2014/main" id="{CA6D927C-BFB2-4D7A-98CA-AA78F4688B59}"/>
+              </a:ext>
+            </a:extLst>
+          </p:cNvPr>
+          <p:cNvSpPr/>
+          <p:nvPr/>
+        </p:nvSpPr>
+        <p:spPr>
+          <a:xfrm>
+            <a:off x="6709870" y="3599867"/>
+            <a:ext cx="1577551" cy="434155"/>
+          </a:xfrm>
+          <a:prstGeom prst="roundRect">
+            <a:avLst/>
+          </a:prstGeom>
+        </p:spPr>
+        <p:style>
+          <a:lnRef idx="1">
+            <a:schemeClr val="accent2"/>
+          </a:lnRef>
+          <a:fillRef idx="2">
+            <a:schemeClr val="accent2"/>
+          </a:fillRef>
+          <a:effectRef idx="1">
+            <a:schemeClr val="accent2"/>
+          </a:effectRef>
+          <a:fontRef idx="minor">
+            <a:schemeClr val="dk1"/>
+          </a:fontRef>
+        </p:style>
+        <p:txBody>
+          <a:bodyPr rtlCol="0" anchor="ctr"/>
+          <a:lstStyle>
+            <a:lvl1pPr marL="0" indent="0">
+              <a:defRPr sz="1100">
+                <a:solidFill>
+                  <a:schemeClr val="dk1"/>
+                </a:solidFill>
+                <a:latin typeface="+mn-lt"/>
+                <a:ea typeface="+mn-ea"/>
+                <a:cs typeface="+mn-cs"/>
+              </a:defRPr>
+            </a:lvl1pPr>
+            <a:lvl2pPr marL="457200" indent="0">
+              <a:defRPr sz="1100">
+                <a:solidFill>
+                  <a:schemeClr val="dk1"/>
+                </a:solidFill>
+                <a:latin typeface="+mn-lt"/>
+                <a:ea typeface="+mn-ea"/>
+                <a:cs typeface="+mn-cs"/>
+              </a:defRPr>
+            </a:lvl2pPr>
+            <a:lvl3pPr marL="914400" indent="0">
+              <a:defRPr sz="1100">
+                <a:solidFill>
+                  <a:schemeClr val="dk1"/>
+                </a:solidFill>
+                <a:latin typeface="+mn-lt"/>
+                <a:ea typeface="+mn-ea"/>
+                <a:cs typeface="+mn-cs"/>
+              </a:defRPr>
+            </a:lvl3pPr>
+            <a:lvl4pPr marL="1371600" indent="0">
+              <a:defRPr sz="1100">
+                <a:solidFill>
+                  <a:schemeClr val="dk1"/>
+                </a:solidFill>
+                <a:latin typeface="+mn-lt"/>
+                <a:ea typeface="+mn-ea"/>
+                <a:cs typeface="+mn-cs"/>
+              </a:defRPr>
+            </a:lvl4pPr>
+            <a:lvl5pPr marL="1828800" indent="0">
+              <a:defRPr sz="1100">
+                <a:solidFill>
+                  <a:schemeClr val="dk1"/>
+                </a:solidFill>
+                <a:latin typeface="+mn-lt"/>
+                <a:ea typeface="+mn-ea"/>
+                <a:cs typeface="+mn-cs"/>
+              </a:defRPr>
+            </a:lvl5pPr>
+            <a:lvl6pPr marL="2286000" indent="0">
+              <a:defRPr sz="1100">
+                <a:solidFill>
+                  <a:schemeClr val="dk1"/>
+                </a:solidFill>
+                <a:latin typeface="+mn-lt"/>
+                <a:ea typeface="+mn-ea"/>
+                <a:cs typeface="+mn-cs"/>
+              </a:defRPr>
+            </a:lvl6pPr>
+            <a:lvl7pPr marL="2743200" indent="0">
+              <a:defRPr sz="1100">
+                <a:solidFill>
+                  <a:schemeClr val="dk1"/>
+                </a:solidFill>
+                <a:latin typeface="+mn-lt"/>
+                <a:ea typeface="+mn-ea"/>
+                <a:cs typeface="+mn-cs"/>
+              </a:defRPr>
+            </a:lvl7pPr>
+            <a:lvl8pPr marL="3200400" indent="0">
+              <a:defRPr sz="1100">
+                <a:solidFill>
+                  <a:schemeClr val="dk1"/>
+                </a:solidFill>
+                <a:latin typeface="+mn-lt"/>
+                <a:ea typeface="+mn-ea"/>
+                <a:cs typeface="+mn-cs"/>
+              </a:defRPr>
+            </a:lvl8pPr>
+            <a:lvl9pPr marL="3657600" indent="0">
+              <a:defRPr sz="1100">
+                <a:solidFill>
+                  <a:schemeClr val="dk1"/>
+                </a:solidFill>
+                <a:latin typeface="+mn-lt"/>
+                <a:ea typeface="+mn-ea"/>
+                <a:cs typeface="+mn-cs"/>
+              </a:defRPr>
+            </a:lvl9pPr>
+          </a:lstStyle>
+          <a:p>
+            <a:pPr algn="ctr"/>
+            <a:r>
+              <a:rPr lang="en-US" sz="1000" dirty="0"/>
+              <a:t>SQL Alchemy</a:t>
+            </a:r>
+          </a:p>
+        </p:txBody>
+      </p:sp>
+      <p:sp>
+        <p:nvSpPr>
+          <p:cNvPr id="34" name="Rectangle: Rounded Corners 33">
+            <a:extLst>
+              <a:ext uri="{FF2B5EF4-FFF2-40B4-BE49-F238E27FC236}">
+                <a16:creationId xmlns:a16="http://schemas.microsoft.com/office/drawing/2014/main" id="{AEF533BF-6699-499A-AB1B-ED19B53017DE}"/>
+              </a:ext>
+            </a:extLst>
+          </p:cNvPr>
+          <p:cNvSpPr/>
+          <p:nvPr/>
+        </p:nvSpPr>
+        <p:spPr>
+          <a:xfrm>
+            <a:off x="4408034" y="2268578"/>
+            <a:ext cx="1577551" cy="672411"/>
+          </a:xfrm>
+          <a:prstGeom prst="roundRect">
+            <a:avLst/>
+          </a:prstGeom>
+        </p:spPr>
+        <p:style>
+          <a:lnRef idx="1">
+            <a:schemeClr val="accent4"/>
+          </a:lnRef>
+          <a:fillRef idx="2">
+            <a:schemeClr val="accent4"/>
+          </a:fillRef>
+          <a:effectRef idx="1">
+            <a:schemeClr val="accent4"/>
+          </a:effectRef>
+          <a:fontRef idx="minor">
+            <a:schemeClr val="dk1"/>
+          </a:fontRef>
+        </p:style>
+        <p:txBody>
+          <a:bodyPr rtlCol="0" anchor="ctr"/>
+          <a:lstStyle>
+            <a:lvl1pPr marL="0" indent="0">
+              <a:defRPr sz="1100">
+                <a:solidFill>
+                  <a:schemeClr val="dk1"/>
+                </a:solidFill>
+                <a:latin typeface="+mn-lt"/>
+                <a:ea typeface="+mn-ea"/>
+                <a:cs typeface="+mn-cs"/>
+              </a:defRPr>
+            </a:lvl1pPr>
+            <a:lvl2pPr marL="457200" indent="0">
+              <a:defRPr sz="1100">
+                <a:solidFill>
+                  <a:schemeClr val="dk1"/>
+                </a:solidFill>
+                <a:latin typeface="+mn-lt"/>
+                <a:ea typeface="+mn-ea"/>
+                <a:cs typeface="+mn-cs"/>
+              </a:defRPr>
+            </a:lvl2pPr>
+            <a:lvl3pPr marL="914400" indent="0">
+              <a:defRPr sz="1100">
+                <a:solidFill>
+                  <a:schemeClr val="dk1"/>
+                </a:solidFill>
+                <a:latin typeface="+mn-lt"/>
+                <a:ea typeface="+mn-ea"/>
+                <a:cs typeface="+mn-cs"/>
+              </a:defRPr>
+            </a:lvl3pPr>
+            <a:lvl4pPr marL="1371600" indent="0">
+              <a:defRPr sz="1100">
+                <a:solidFill>
+                  <a:schemeClr val="dk1"/>
+                </a:solidFill>
+                <a:latin typeface="+mn-lt"/>
+                <a:ea typeface="+mn-ea"/>
+                <a:cs typeface="+mn-cs"/>
+              </a:defRPr>
+            </a:lvl4pPr>
+            <a:lvl5pPr marL="1828800" indent="0">
+              <a:defRPr sz="1100">
+                <a:solidFill>
+                  <a:schemeClr val="dk1"/>
+                </a:solidFill>
+                <a:latin typeface="+mn-lt"/>
+                <a:ea typeface="+mn-ea"/>
+                <a:cs typeface="+mn-cs"/>
+              </a:defRPr>
+            </a:lvl5pPr>
+            <a:lvl6pPr marL="2286000" indent="0">
+              <a:defRPr sz="1100">
+                <a:solidFill>
+                  <a:schemeClr val="dk1"/>
+                </a:solidFill>
+                <a:latin typeface="+mn-lt"/>
+                <a:ea typeface="+mn-ea"/>
+                <a:cs typeface="+mn-cs"/>
+              </a:defRPr>
+            </a:lvl6pPr>
+            <a:lvl7pPr marL="2743200" indent="0">
+              <a:defRPr sz="1100">
+                <a:solidFill>
+                  <a:schemeClr val="dk1"/>
+                </a:solidFill>
+                <a:latin typeface="+mn-lt"/>
+                <a:ea typeface="+mn-ea"/>
+                <a:cs typeface="+mn-cs"/>
+              </a:defRPr>
+            </a:lvl7pPr>
+            <a:lvl8pPr marL="3200400" indent="0">
+              <a:defRPr sz="1100">
+                <a:solidFill>
+                  <a:schemeClr val="dk1"/>
+                </a:solidFill>
+                <a:latin typeface="+mn-lt"/>
+                <a:ea typeface="+mn-ea"/>
+                <a:cs typeface="+mn-cs"/>
+              </a:defRPr>
+            </a:lvl8pPr>
+            <a:lvl9pPr marL="3657600" indent="0">
+              <a:defRPr sz="1100">
+                <a:solidFill>
+                  <a:schemeClr val="dk1"/>
+                </a:solidFill>
+                <a:latin typeface="+mn-lt"/>
+                <a:ea typeface="+mn-ea"/>
+                <a:cs typeface="+mn-cs"/>
+              </a:defRPr>
+            </a:lvl9pPr>
+          </a:lstStyle>
+          <a:p>
+            <a:pPr algn="ctr"/>
+            <a:r>
+              <a:rPr lang="en-US" sz="1400"/>
+              <a:t>Github Repository</a:t>
+            </a:r>
+          </a:p>
+        </p:txBody>
+      </p:sp>
+      <p:sp>
+        <p:nvSpPr>
+          <p:cNvPr id="35" name="Rectangle 34">
+            <a:extLst>
+              <a:ext uri="{FF2B5EF4-FFF2-40B4-BE49-F238E27FC236}">
+                <a16:creationId xmlns:a16="http://schemas.microsoft.com/office/drawing/2014/main" id="{1056FECB-C062-4FBE-AE0F-C8E48B70882A}"/>
+              </a:ext>
+            </a:extLst>
+          </p:cNvPr>
+          <p:cNvSpPr/>
+          <p:nvPr/>
+        </p:nvSpPr>
+        <p:spPr>
+          <a:xfrm>
+            <a:off x="2534000" y="4021130"/>
+            <a:ext cx="909229" cy="185310"/>
           </a:xfrm>
           <a:prstGeom prst="rect">
             <a:avLst/>
           </a:prstGeom>
-          <a:ln>
-            <a:noFill/>
-          </a:ln>
-          <a:effectLst>
-            <a:softEdge rad="112500"/>
-          </a:effectLst>
-          <a:extLst>
-            <a:ext uri="{909E8E84-426E-40DD-AFC4-6F175D3DCCD1}">
-              <a14:hiddenFill xmlns:a14="http://schemas.microsoft.com/office/drawing/2010/main">
-                <a:solidFill>
-                  <a:srgbClr val="FFFFFF"/>
-                </a:solidFill>
-              </a14:hiddenFill>
-            </a:ext>
-          </a:extLst>
+          <a:noFill/>
         </p:spPr>
-      </p:pic>
-      <p:sp>
-        <p:nvSpPr>
-          <p:cNvPr id="5" name="Title 1">
+        <p:style>
+          <a:lnRef idx="2">
+            <a:schemeClr val="accent1">
+              <a:shade val="50000"/>
+            </a:schemeClr>
+          </a:lnRef>
+          <a:fillRef idx="1">
+            <a:schemeClr val="accent1"/>
+          </a:fillRef>
+          <a:effectRef idx="0">
+            <a:schemeClr val="accent1"/>
+          </a:effectRef>
+          <a:fontRef idx="minor">
+            <a:schemeClr val="lt1"/>
+          </a:fontRef>
+        </p:style>
+        <p:txBody>
+          <a:bodyPr rtlCol="0" anchor="ctr"/>
+          <a:lstStyle>
+            <a:lvl1pPr marL="0" indent="0">
+              <a:defRPr sz="1100">
+                <a:solidFill>
+                  <a:schemeClr val="lt1"/>
+                </a:solidFill>
+                <a:latin typeface="+mn-lt"/>
+                <a:ea typeface="+mn-ea"/>
+                <a:cs typeface="+mn-cs"/>
+              </a:defRPr>
+            </a:lvl1pPr>
+            <a:lvl2pPr marL="457200" indent="0">
+              <a:defRPr sz="1100">
+                <a:solidFill>
+                  <a:schemeClr val="lt1"/>
+                </a:solidFill>
+                <a:latin typeface="+mn-lt"/>
+                <a:ea typeface="+mn-ea"/>
+                <a:cs typeface="+mn-cs"/>
+              </a:defRPr>
+            </a:lvl2pPr>
+            <a:lvl3pPr marL="914400" indent="0">
+              <a:defRPr sz="1100">
+                <a:solidFill>
+                  <a:schemeClr val="lt1"/>
+                </a:solidFill>
+                <a:latin typeface="+mn-lt"/>
+                <a:ea typeface="+mn-ea"/>
+                <a:cs typeface="+mn-cs"/>
+              </a:defRPr>
+            </a:lvl3pPr>
+            <a:lvl4pPr marL="1371600" indent="0">
+              <a:defRPr sz="1100">
+                <a:solidFill>
+                  <a:schemeClr val="lt1"/>
+                </a:solidFill>
+                <a:latin typeface="+mn-lt"/>
+                <a:ea typeface="+mn-ea"/>
+                <a:cs typeface="+mn-cs"/>
+              </a:defRPr>
+            </a:lvl4pPr>
+            <a:lvl5pPr marL="1828800" indent="0">
+              <a:defRPr sz="1100">
+                <a:solidFill>
+                  <a:schemeClr val="lt1"/>
+                </a:solidFill>
+                <a:latin typeface="+mn-lt"/>
+                <a:ea typeface="+mn-ea"/>
+                <a:cs typeface="+mn-cs"/>
+              </a:defRPr>
+            </a:lvl5pPr>
+            <a:lvl6pPr marL="2286000" indent="0">
+              <a:defRPr sz="1100">
+                <a:solidFill>
+                  <a:schemeClr val="lt1"/>
+                </a:solidFill>
+                <a:latin typeface="+mn-lt"/>
+                <a:ea typeface="+mn-ea"/>
+                <a:cs typeface="+mn-cs"/>
+              </a:defRPr>
+            </a:lvl6pPr>
+            <a:lvl7pPr marL="2743200" indent="0">
+              <a:defRPr sz="1100">
+                <a:solidFill>
+                  <a:schemeClr val="lt1"/>
+                </a:solidFill>
+                <a:latin typeface="+mn-lt"/>
+                <a:ea typeface="+mn-ea"/>
+                <a:cs typeface="+mn-cs"/>
+              </a:defRPr>
+            </a:lvl7pPr>
+            <a:lvl8pPr marL="3200400" indent="0">
+              <a:defRPr sz="1100">
+                <a:solidFill>
+                  <a:schemeClr val="lt1"/>
+                </a:solidFill>
+                <a:latin typeface="+mn-lt"/>
+                <a:ea typeface="+mn-ea"/>
+                <a:cs typeface="+mn-cs"/>
+              </a:defRPr>
+            </a:lvl8pPr>
+            <a:lvl9pPr marL="3657600" indent="0">
+              <a:defRPr sz="1100">
+                <a:solidFill>
+                  <a:schemeClr val="lt1"/>
+                </a:solidFill>
+                <a:latin typeface="+mn-lt"/>
+                <a:ea typeface="+mn-ea"/>
+                <a:cs typeface="+mn-cs"/>
+              </a:defRPr>
+            </a:lvl9pPr>
+          </a:lstStyle>
+          <a:p>
+            <a:pPr algn="ctr"/>
+            <a:r>
+              <a:rPr lang="en-US" sz="1000" dirty="0">
+                <a:solidFill>
+                  <a:sysClr val="windowText" lastClr="000000"/>
+                </a:solidFill>
+              </a:rPr>
+              <a:t>User Request</a:t>
+            </a:r>
+          </a:p>
+        </p:txBody>
+      </p:sp>
+      <p:sp>
+        <p:nvSpPr>
+          <p:cNvPr id="36" name="Rectangle 35">
             <a:extLst>
               <a:ext uri="{FF2B5EF4-FFF2-40B4-BE49-F238E27FC236}">
-                <a16:creationId xmlns:a16="http://schemas.microsoft.com/office/drawing/2014/main" id="{8CEE7C9F-A0E6-4BBB-8D1A-71FB4B15F775}"/>
+                <a16:creationId xmlns:a16="http://schemas.microsoft.com/office/drawing/2014/main" id="{D91554E6-04E6-4470-86B8-A47E21E1827D}"/>
               </a:ext>
             </a:extLst>
           </p:cNvPr>
-          <p:cNvSpPr>
-            <a:spLocks noGrp="1"/>
-          </p:cNvSpPr>
-          <p:nvPr>
-            <p:ph type="title"/>
-          </p:nvPr>
+          <p:cNvSpPr/>
+          <p:nvPr/>
         </p:nvSpPr>
         <p:spPr>
           <a:xfrm>
-            <a:off x="448965" y="281175"/>
-            <a:ext cx="6108200" cy="572644"/>
+            <a:off x="2429299" y="4478075"/>
+            <a:ext cx="1119576" cy="185310"/>
           </a:xfrm>
+          <a:prstGeom prst="rect">
+            <a:avLst/>
+          </a:prstGeom>
+          <a:solidFill>
+            <a:schemeClr val="bg1"/>
+          </a:solidFill>
         </p:spPr>
-        <p:txBody>
-          <a:bodyPr>
-            <a:normAutofit fontScale="90000"/>
+        <p:style>
+          <a:lnRef idx="2">
+            <a:schemeClr val="accent1">
+              <a:shade val="50000"/>
+            </a:schemeClr>
+          </a:lnRef>
+          <a:fillRef idx="1">
+            <a:schemeClr val="accent1"/>
+          </a:fillRef>
+          <a:effectRef idx="0">
+            <a:schemeClr val="accent1"/>
+          </a:effectRef>
+          <a:fontRef idx="minor">
+            <a:schemeClr val="lt1"/>
+          </a:fontRef>
+        </p:style>
+        <p:txBody>
+          <a:bodyPr rtlCol="0" anchor="ctr"/>
+          <a:lstStyle>
+            <a:lvl1pPr marL="0" indent="0">
+              <a:defRPr sz="1100">
+                <a:solidFill>
+                  <a:schemeClr val="lt1"/>
+                </a:solidFill>
+                <a:latin typeface="+mn-lt"/>
+                <a:ea typeface="+mn-ea"/>
+                <a:cs typeface="+mn-cs"/>
+              </a:defRPr>
+            </a:lvl1pPr>
+            <a:lvl2pPr marL="457200" indent="0">
+              <a:defRPr sz="1100">
+                <a:solidFill>
+                  <a:schemeClr val="lt1"/>
+                </a:solidFill>
+                <a:latin typeface="+mn-lt"/>
+                <a:ea typeface="+mn-ea"/>
+                <a:cs typeface="+mn-cs"/>
+              </a:defRPr>
+            </a:lvl2pPr>
+            <a:lvl3pPr marL="914400" indent="0">
+              <a:defRPr sz="1100">
+                <a:solidFill>
+                  <a:schemeClr val="lt1"/>
+                </a:solidFill>
+                <a:latin typeface="+mn-lt"/>
+                <a:ea typeface="+mn-ea"/>
+                <a:cs typeface="+mn-cs"/>
+              </a:defRPr>
+            </a:lvl3pPr>
+            <a:lvl4pPr marL="1371600" indent="0">
+              <a:defRPr sz="1100">
+                <a:solidFill>
+                  <a:schemeClr val="lt1"/>
+                </a:solidFill>
+                <a:latin typeface="+mn-lt"/>
+                <a:ea typeface="+mn-ea"/>
+                <a:cs typeface="+mn-cs"/>
+              </a:defRPr>
+            </a:lvl4pPr>
+            <a:lvl5pPr marL="1828800" indent="0">
+              <a:defRPr sz="1100">
+                <a:solidFill>
+                  <a:schemeClr val="lt1"/>
+                </a:solidFill>
+                <a:latin typeface="+mn-lt"/>
+                <a:ea typeface="+mn-ea"/>
+                <a:cs typeface="+mn-cs"/>
+              </a:defRPr>
+            </a:lvl5pPr>
+            <a:lvl6pPr marL="2286000" indent="0">
+              <a:defRPr sz="1100">
+                <a:solidFill>
+                  <a:schemeClr val="lt1"/>
+                </a:solidFill>
+                <a:latin typeface="+mn-lt"/>
+                <a:ea typeface="+mn-ea"/>
+                <a:cs typeface="+mn-cs"/>
+              </a:defRPr>
+            </a:lvl6pPr>
+            <a:lvl7pPr marL="2743200" indent="0">
+              <a:defRPr sz="1100">
+                <a:solidFill>
+                  <a:schemeClr val="lt1"/>
+                </a:solidFill>
+                <a:latin typeface="+mn-lt"/>
+                <a:ea typeface="+mn-ea"/>
+                <a:cs typeface="+mn-cs"/>
+              </a:defRPr>
+            </a:lvl7pPr>
+            <a:lvl8pPr marL="3200400" indent="0">
+              <a:defRPr sz="1100">
+                <a:solidFill>
+                  <a:schemeClr val="lt1"/>
+                </a:solidFill>
+                <a:latin typeface="+mn-lt"/>
+                <a:ea typeface="+mn-ea"/>
+                <a:cs typeface="+mn-cs"/>
+              </a:defRPr>
+            </a:lvl8pPr>
+            <a:lvl9pPr marL="3657600" indent="0">
+              <a:defRPr sz="1100">
+                <a:solidFill>
+                  <a:schemeClr val="lt1"/>
+                </a:solidFill>
+                <a:latin typeface="+mn-lt"/>
+                <a:ea typeface="+mn-ea"/>
+                <a:cs typeface="+mn-cs"/>
+              </a:defRPr>
+            </a:lvl9pPr>
+          </a:lstStyle>
+          <a:p>
+            <a:pPr algn="ctr"/>
+            <a:r>
+              <a:rPr lang="en-US" sz="1000" dirty="0">
+                <a:solidFill>
+                  <a:sysClr val="windowText" lastClr="000000"/>
+                </a:solidFill>
+              </a:rPr>
+              <a:t>HTML</a:t>
+            </a:r>
+            <a:r>
+              <a:rPr lang="en-US" sz="1000" baseline="0" dirty="0">
+                <a:solidFill>
+                  <a:sysClr val="windowText" lastClr="000000"/>
+                </a:solidFill>
+              </a:rPr>
+              <a:t> Response</a:t>
+            </a:r>
+            <a:endParaRPr lang="en-US" sz="1000" dirty="0">
+              <a:solidFill>
+                <a:sysClr val="windowText" lastClr="000000"/>
+              </a:solidFill>
+            </a:endParaRPr>
+          </a:p>
+        </p:txBody>
+      </p:sp>
+      <p:sp>
+        <p:nvSpPr>
+          <p:cNvPr id="37" name="Rectangle 36">
+            <a:extLst>
+              <a:ext uri="{FF2B5EF4-FFF2-40B4-BE49-F238E27FC236}">
+                <a16:creationId xmlns:a16="http://schemas.microsoft.com/office/drawing/2014/main" id="{D2B2D499-77DA-4DC3-8192-342289B76FCF}"/>
+              </a:ext>
+            </a:extLst>
+          </p:cNvPr>
+          <p:cNvSpPr/>
+          <p:nvPr/>
+        </p:nvSpPr>
+        <p:spPr>
+          <a:xfrm>
+            <a:off x="5280450" y="3085292"/>
+            <a:ext cx="1119436" cy="550634"/>
+          </a:xfrm>
+          <a:prstGeom prst="rect">
+            <a:avLst/>
+          </a:prstGeom>
+          <a:solidFill>
+            <a:schemeClr val="bg1"/>
+          </a:solidFill>
+        </p:spPr>
+        <p:style>
+          <a:lnRef idx="2">
+            <a:schemeClr val="accent1">
+              <a:shade val="50000"/>
+            </a:schemeClr>
+          </a:lnRef>
+          <a:fillRef idx="1">
+            <a:schemeClr val="accent1"/>
+          </a:fillRef>
+          <a:effectRef idx="0">
+            <a:schemeClr val="accent1"/>
+          </a:effectRef>
+          <a:fontRef idx="minor">
+            <a:schemeClr val="lt1"/>
+          </a:fontRef>
+        </p:style>
+        <p:txBody>
+          <a:bodyPr rtlCol="0" anchor="ctr"/>
+          <a:lstStyle>
+            <a:lvl1pPr marL="0" indent="0">
+              <a:defRPr sz="1100">
+                <a:solidFill>
+                  <a:schemeClr val="lt1"/>
+                </a:solidFill>
+                <a:latin typeface="+mn-lt"/>
+                <a:ea typeface="+mn-ea"/>
+                <a:cs typeface="+mn-cs"/>
+              </a:defRPr>
+            </a:lvl1pPr>
+            <a:lvl2pPr marL="457200" indent="0">
+              <a:defRPr sz="1100">
+                <a:solidFill>
+                  <a:schemeClr val="lt1"/>
+                </a:solidFill>
+                <a:latin typeface="+mn-lt"/>
+                <a:ea typeface="+mn-ea"/>
+                <a:cs typeface="+mn-cs"/>
+              </a:defRPr>
+            </a:lvl2pPr>
+            <a:lvl3pPr marL="914400" indent="0">
+              <a:defRPr sz="1100">
+                <a:solidFill>
+                  <a:schemeClr val="lt1"/>
+                </a:solidFill>
+                <a:latin typeface="+mn-lt"/>
+                <a:ea typeface="+mn-ea"/>
+                <a:cs typeface="+mn-cs"/>
+              </a:defRPr>
+            </a:lvl3pPr>
+            <a:lvl4pPr marL="1371600" indent="0">
+              <a:defRPr sz="1100">
+                <a:solidFill>
+                  <a:schemeClr val="lt1"/>
+                </a:solidFill>
+                <a:latin typeface="+mn-lt"/>
+                <a:ea typeface="+mn-ea"/>
+                <a:cs typeface="+mn-cs"/>
+              </a:defRPr>
+            </a:lvl4pPr>
+            <a:lvl5pPr marL="1828800" indent="0">
+              <a:defRPr sz="1100">
+                <a:solidFill>
+                  <a:schemeClr val="lt1"/>
+                </a:solidFill>
+                <a:latin typeface="+mn-lt"/>
+                <a:ea typeface="+mn-ea"/>
+                <a:cs typeface="+mn-cs"/>
+              </a:defRPr>
+            </a:lvl5pPr>
+            <a:lvl6pPr marL="2286000" indent="0">
+              <a:defRPr sz="1100">
+                <a:solidFill>
+                  <a:schemeClr val="lt1"/>
+                </a:solidFill>
+                <a:latin typeface="+mn-lt"/>
+                <a:ea typeface="+mn-ea"/>
+                <a:cs typeface="+mn-cs"/>
+              </a:defRPr>
+            </a:lvl6pPr>
+            <a:lvl7pPr marL="2743200" indent="0">
+              <a:defRPr sz="1100">
+                <a:solidFill>
+                  <a:schemeClr val="lt1"/>
+                </a:solidFill>
+                <a:latin typeface="+mn-lt"/>
+                <a:ea typeface="+mn-ea"/>
+                <a:cs typeface="+mn-cs"/>
+              </a:defRPr>
+            </a:lvl7pPr>
+            <a:lvl8pPr marL="3200400" indent="0">
+              <a:defRPr sz="1100">
+                <a:solidFill>
+                  <a:schemeClr val="lt1"/>
+                </a:solidFill>
+                <a:latin typeface="+mn-lt"/>
+                <a:ea typeface="+mn-ea"/>
+                <a:cs typeface="+mn-cs"/>
+              </a:defRPr>
+            </a:lvl8pPr>
+            <a:lvl9pPr marL="3657600" indent="0">
+              <a:defRPr sz="1100">
+                <a:solidFill>
+                  <a:schemeClr val="lt1"/>
+                </a:solidFill>
+                <a:latin typeface="+mn-lt"/>
+                <a:ea typeface="+mn-ea"/>
+                <a:cs typeface="+mn-cs"/>
+              </a:defRPr>
+            </a:lvl9pPr>
+          </a:lstStyle>
+          <a:p>
+            <a:pPr algn="ctr"/>
+            <a:r>
+              <a:rPr lang="en-US" sz="1100" dirty="0">
+                <a:solidFill>
+                  <a:sysClr val="windowText" lastClr="000000"/>
+                </a:solidFill>
+              </a:rPr>
+              <a:t>Static</a:t>
+            </a:r>
+            <a:r>
+              <a:rPr lang="en-US" sz="1100" baseline="0" dirty="0">
+                <a:solidFill>
+                  <a:sysClr val="windowText" lastClr="000000"/>
+                </a:solidFill>
+              </a:rPr>
+              <a:t> Content (CSS, JavaScript, Images, etc.)</a:t>
+            </a:r>
+            <a:endParaRPr lang="en-US" sz="1100" dirty="0">
+              <a:solidFill>
+                <a:sysClr val="windowText" lastClr="000000"/>
+              </a:solidFill>
+            </a:endParaRPr>
+          </a:p>
+        </p:txBody>
+      </p:sp>
+      <p:sp>
+        <p:nvSpPr>
+          <p:cNvPr id="38" name="Flowchart: Magnetic Disk 37">
+            <a:extLst>
+              <a:ext uri="{FF2B5EF4-FFF2-40B4-BE49-F238E27FC236}">
+                <a16:creationId xmlns:a16="http://schemas.microsoft.com/office/drawing/2014/main" id="{A8B9FD17-7059-483E-BA6B-7FA6F888B583}"/>
+              </a:ext>
+            </a:extLst>
+          </p:cNvPr>
+          <p:cNvSpPr/>
+          <p:nvPr/>
+        </p:nvSpPr>
+        <p:spPr>
+          <a:xfrm>
+            <a:off x="7199454" y="4373748"/>
+            <a:ext cx="598381" cy="275318"/>
+          </a:xfrm>
+          <a:prstGeom prst="flowChartMagneticDisk">
+            <a:avLst/>
+          </a:prstGeom>
+        </p:spPr>
+        <p:style>
+          <a:lnRef idx="2">
+            <a:schemeClr val="accent1">
+              <a:shade val="50000"/>
+            </a:schemeClr>
+          </a:lnRef>
+          <a:fillRef idx="1">
+            <a:schemeClr val="accent1"/>
+          </a:fillRef>
+          <a:effectRef idx="0">
+            <a:schemeClr val="accent1"/>
+          </a:effectRef>
+          <a:fontRef idx="minor">
+            <a:schemeClr val="lt1"/>
+          </a:fontRef>
+        </p:style>
+        <p:txBody>
+          <a:bodyPr rtlCol="0" anchor="ctr"/>
+          <a:lstStyle>
+            <a:lvl1pPr marL="0" indent="0">
+              <a:defRPr sz="1100">
+                <a:solidFill>
+                  <a:schemeClr val="lt1"/>
+                </a:solidFill>
+                <a:latin typeface="+mn-lt"/>
+                <a:ea typeface="+mn-ea"/>
+                <a:cs typeface="+mn-cs"/>
+              </a:defRPr>
+            </a:lvl1pPr>
+            <a:lvl2pPr marL="457200" indent="0">
+              <a:defRPr sz="1100">
+                <a:solidFill>
+                  <a:schemeClr val="lt1"/>
+                </a:solidFill>
+                <a:latin typeface="+mn-lt"/>
+                <a:ea typeface="+mn-ea"/>
+                <a:cs typeface="+mn-cs"/>
+              </a:defRPr>
+            </a:lvl2pPr>
+            <a:lvl3pPr marL="914400" indent="0">
+              <a:defRPr sz="1100">
+                <a:solidFill>
+                  <a:schemeClr val="lt1"/>
+                </a:solidFill>
+                <a:latin typeface="+mn-lt"/>
+                <a:ea typeface="+mn-ea"/>
+                <a:cs typeface="+mn-cs"/>
+              </a:defRPr>
+            </a:lvl3pPr>
+            <a:lvl4pPr marL="1371600" indent="0">
+              <a:defRPr sz="1100">
+                <a:solidFill>
+                  <a:schemeClr val="lt1"/>
+                </a:solidFill>
+                <a:latin typeface="+mn-lt"/>
+                <a:ea typeface="+mn-ea"/>
+                <a:cs typeface="+mn-cs"/>
+              </a:defRPr>
+            </a:lvl4pPr>
+            <a:lvl5pPr marL="1828800" indent="0">
+              <a:defRPr sz="1100">
+                <a:solidFill>
+                  <a:schemeClr val="lt1"/>
+                </a:solidFill>
+                <a:latin typeface="+mn-lt"/>
+                <a:ea typeface="+mn-ea"/>
+                <a:cs typeface="+mn-cs"/>
+              </a:defRPr>
+            </a:lvl5pPr>
+            <a:lvl6pPr marL="2286000" indent="0">
+              <a:defRPr sz="1100">
+                <a:solidFill>
+                  <a:schemeClr val="lt1"/>
+                </a:solidFill>
+                <a:latin typeface="+mn-lt"/>
+                <a:ea typeface="+mn-ea"/>
+                <a:cs typeface="+mn-cs"/>
+              </a:defRPr>
+            </a:lvl6pPr>
+            <a:lvl7pPr marL="2743200" indent="0">
+              <a:defRPr sz="1100">
+                <a:solidFill>
+                  <a:schemeClr val="lt1"/>
+                </a:solidFill>
+                <a:latin typeface="+mn-lt"/>
+                <a:ea typeface="+mn-ea"/>
+                <a:cs typeface="+mn-cs"/>
+              </a:defRPr>
+            </a:lvl7pPr>
+            <a:lvl8pPr marL="3200400" indent="0">
+              <a:defRPr sz="1100">
+                <a:solidFill>
+                  <a:schemeClr val="lt1"/>
+                </a:solidFill>
+                <a:latin typeface="+mn-lt"/>
+                <a:ea typeface="+mn-ea"/>
+                <a:cs typeface="+mn-cs"/>
+              </a:defRPr>
+            </a:lvl8pPr>
+            <a:lvl9pPr marL="3657600" indent="0">
+              <a:defRPr sz="1100">
+                <a:solidFill>
+                  <a:schemeClr val="lt1"/>
+                </a:solidFill>
+                <a:latin typeface="+mn-lt"/>
+                <a:ea typeface="+mn-ea"/>
+                <a:cs typeface="+mn-cs"/>
+              </a:defRPr>
+            </a:lvl9pPr>
+          </a:lstStyle>
+          <a:p>
+            <a:pPr algn="ctr"/>
+            <a:r>
+              <a:rPr lang="en-US" sz="800" dirty="0">
+                <a:solidFill>
+                  <a:schemeClr val="bg1"/>
+                </a:solidFill>
+              </a:rPr>
+              <a:t>Database</a:t>
+            </a:r>
+          </a:p>
+        </p:txBody>
+      </p:sp>
+      <p:cxnSp>
+        <p:nvCxnSpPr>
+          <p:cNvPr id="39" name="Straight Arrow Connector 38">
+            <a:extLst>
+              <a:ext uri="{FF2B5EF4-FFF2-40B4-BE49-F238E27FC236}">
+                <a16:creationId xmlns:a16="http://schemas.microsoft.com/office/drawing/2014/main" id="{2BE2F47F-6E1C-48FE-AD2D-431706B55603}"/>
+              </a:ext>
+            </a:extLst>
+          </p:cNvPr>
+          <p:cNvCxnSpPr>
+            <a:stCxn id="34" idx="2"/>
+            <a:endCxn id="29" idx="0"/>
+          </p:cNvCxnSpPr>
+          <p:nvPr/>
+        </p:nvCxnSpPr>
+        <p:spPr>
+          <a:xfrm flipH="1">
+            <a:off x="5193729" y="2940989"/>
+            <a:ext cx="3081" cy="1114557"/>
+          </a:xfrm>
+          <a:prstGeom prst="straightConnector1">
+            <a:avLst/>
+          </a:prstGeom>
+          <a:ln w="28575">
+            <a:tailEnd type="triangle"/>
+          </a:ln>
+        </p:spPr>
+        <p:style>
+          <a:lnRef idx="1">
+            <a:schemeClr val="accent1"/>
+          </a:lnRef>
+          <a:fillRef idx="0">
+            <a:schemeClr val="accent1"/>
+          </a:fillRef>
+          <a:effectRef idx="0">
+            <a:schemeClr val="accent1"/>
+          </a:effectRef>
+          <a:fontRef idx="minor">
+            <a:schemeClr val="tx1"/>
+          </a:fontRef>
+        </p:style>
+      </p:cxnSp>
+      <p:cxnSp>
+        <p:nvCxnSpPr>
+          <p:cNvPr id="40" name="Straight Arrow Connector 39">
+            <a:extLst>
+              <a:ext uri="{FF2B5EF4-FFF2-40B4-BE49-F238E27FC236}">
+                <a16:creationId xmlns:a16="http://schemas.microsoft.com/office/drawing/2014/main" id="{A131F880-AFBD-4929-B3DA-9F5B682E4FCB}"/>
+              </a:ext>
+            </a:extLst>
+          </p:cNvPr>
+          <p:cNvCxnSpPr>
+            <a:stCxn id="32" idx="1"/>
+            <a:endCxn id="34" idx="3"/>
+          </p:cNvCxnSpPr>
+          <p:nvPr/>
+        </p:nvCxnSpPr>
+        <p:spPr>
+          <a:xfrm flipH="1" flipV="1">
+            <a:off x="5985585" y="2604784"/>
+            <a:ext cx="724286" cy="1"/>
+          </a:xfrm>
+          <a:prstGeom prst="straightConnector1">
+            <a:avLst/>
+          </a:prstGeom>
+          <a:ln w="28575">
+            <a:headEnd type="triangle"/>
+            <a:tailEnd type="triangle"/>
+          </a:ln>
+        </p:spPr>
+        <p:style>
+          <a:lnRef idx="1">
+            <a:schemeClr val="accent1"/>
+          </a:lnRef>
+          <a:fillRef idx="0">
+            <a:schemeClr val="accent1"/>
+          </a:fillRef>
+          <a:effectRef idx="0">
+            <a:schemeClr val="accent1"/>
+          </a:effectRef>
+          <a:fontRef idx="minor">
+            <a:schemeClr val="tx1"/>
+          </a:fontRef>
+        </p:style>
+      </p:cxnSp>
+      <p:cxnSp>
+        <p:nvCxnSpPr>
+          <p:cNvPr id="41" name="Straight Arrow Connector 40">
+            <a:extLst>
+              <a:ext uri="{FF2B5EF4-FFF2-40B4-BE49-F238E27FC236}">
+                <a16:creationId xmlns:a16="http://schemas.microsoft.com/office/drawing/2014/main" id="{ABBDDAA9-AE96-4F5E-A9A2-F5E86A1FFEB3}"/>
+              </a:ext>
+            </a:extLst>
+          </p:cNvPr>
+          <p:cNvCxnSpPr>
+            <a:stCxn id="26" idx="3"/>
+            <a:endCxn id="34" idx="1"/>
+          </p:cNvCxnSpPr>
+          <p:nvPr/>
+        </p:nvCxnSpPr>
+        <p:spPr>
+          <a:xfrm>
+            <a:off x="2089394" y="2602138"/>
+            <a:ext cx="2318640" cy="2646"/>
+          </a:xfrm>
+          <a:prstGeom prst="straightConnector1">
+            <a:avLst/>
+          </a:prstGeom>
+          <a:ln w="28575">
+            <a:tailEnd type="triangle"/>
+          </a:ln>
+        </p:spPr>
+        <p:style>
+          <a:lnRef idx="1">
+            <a:schemeClr val="accent1"/>
+          </a:lnRef>
+          <a:fillRef idx="0">
+            <a:schemeClr val="accent1"/>
+          </a:fillRef>
+          <a:effectRef idx="0">
+            <a:schemeClr val="accent1"/>
+          </a:effectRef>
+          <a:fontRef idx="minor">
+            <a:schemeClr val="tx1"/>
+          </a:fontRef>
+        </p:style>
+      </p:cxnSp>
+      <p:cxnSp>
+        <p:nvCxnSpPr>
+          <p:cNvPr id="42" name="Connector: Elbow 41">
+            <a:extLst>
+              <a:ext uri="{FF2B5EF4-FFF2-40B4-BE49-F238E27FC236}">
+                <a16:creationId xmlns:a16="http://schemas.microsoft.com/office/drawing/2014/main" id="{F4593B6D-F8B9-4DB0-9F69-0D1C24E89A35}"/>
+              </a:ext>
+            </a:extLst>
+          </p:cNvPr>
+          <p:cNvCxnSpPr>
+            <a:stCxn id="33" idx="1"/>
+            <a:endCxn id="34" idx="3"/>
+          </p:cNvCxnSpPr>
+          <p:nvPr/>
+        </p:nvCxnSpPr>
+        <p:spPr>
+          <a:xfrm rot="10800000">
+            <a:off x="5985586" y="2604785"/>
+            <a:ext cx="724285" cy="1212161"/>
+          </a:xfrm>
+          <a:prstGeom prst="bentConnector3">
+            <a:avLst>
+              <a:gd name="adj1" fmla="val 32466"/>
+            </a:avLst>
+          </a:prstGeom>
+          <a:ln w="28575">
+            <a:tailEnd type="triangle"/>
+          </a:ln>
+        </p:spPr>
+        <p:style>
+          <a:lnRef idx="1">
+            <a:schemeClr val="accent1"/>
+          </a:lnRef>
+          <a:fillRef idx="0">
+            <a:schemeClr val="accent1"/>
+          </a:fillRef>
+          <a:effectRef idx="0">
+            <a:schemeClr val="accent1"/>
+          </a:effectRef>
+          <a:fontRef idx="minor">
+            <a:schemeClr val="tx1"/>
+          </a:fontRef>
+        </p:style>
+      </p:cxnSp>
+      <p:cxnSp>
+        <p:nvCxnSpPr>
+          <p:cNvPr id="43" name="Straight Arrow Connector 42">
+            <a:extLst>
+              <a:ext uri="{FF2B5EF4-FFF2-40B4-BE49-F238E27FC236}">
+                <a16:creationId xmlns:a16="http://schemas.microsoft.com/office/drawing/2014/main" id="{BDA2CC7F-D338-4A36-AC21-F4616E3E630B}"/>
+              </a:ext>
+            </a:extLst>
+          </p:cNvPr>
+          <p:cNvCxnSpPr>
+            <a:cxnSpLocks/>
+            <a:stCxn id="33" idx="2"/>
+            <a:endCxn id="38" idx="1"/>
+          </p:cNvCxnSpPr>
+          <p:nvPr/>
+        </p:nvCxnSpPr>
+        <p:spPr>
+          <a:xfrm flipH="1">
+            <a:off x="7498645" y="4034022"/>
+            <a:ext cx="1" cy="339726"/>
+          </a:xfrm>
+          <a:prstGeom prst="straightConnector1">
+            <a:avLst/>
+          </a:prstGeom>
+          <a:ln w="28575">
+            <a:headEnd type="triangle"/>
+            <a:tailEnd type="triangle"/>
+          </a:ln>
+        </p:spPr>
+        <p:style>
+          <a:lnRef idx="1">
+            <a:schemeClr val="accent1"/>
+          </a:lnRef>
+          <a:fillRef idx="0">
+            <a:schemeClr val="accent1"/>
+          </a:fillRef>
+          <a:effectRef idx="0">
+            <a:schemeClr val="accent1"/>
+          </a:effectRef>
+          <a:fontRef idx="minor">
+            <a:schemeClr val="tx1"/>
+          </a:fontRef>
+        </p:style>
+      </p:cxnSp>
+      <p:sp>
+        <p:nvSpPr>
+          <p:cNvPr id="44" name="Rectangle 43">
+            <a:extLst>
+              <a:ext uri="{FF2B5EF4-FFF2-40B4-BE49-F238E27FC236}">
+                <a16:creationId xmlns:a16="http://schemas.microsoft.com/office/drawing/2014/main" id="{8AC35632-32CE-4654-8CAD-43C63A8CC8BF}"/>
+              </a:ext>
+            </a:extLst>
+          </p:cNvPr>
+          <p:cNvSpPr/>
+          <p:nvPr/>
+        </p:nvSpPr>
+        <p:spPr>
+          <a:xfrm>
+            <a:off x="6013656" y="1980688"/>
+            <a:ext cx="629927" cy="529345"/>
+          </a:xfrm>
+          <a:prstGeom prst="rect">
+            <a:avLst/>
+          </a:prstGeom>
+          <a:solidFill>
+            <a:schemeClr val="bg1"/>
+          </a:solidFill>
+        </p:spPr>
+        <p:style>
+          <a:lnRef idx="2">
+            <a:schemeClr val="accent1">
+              <a:shade val="50000"/>
+            </a:schemeClr>
+          </a:lnRef>
+          <a:fillRef idx="1">
+            <a:schemeClr val="accent1"/>
+          </a:fillRef>
+          <a:effectRef idx="0">
+            <a:schemeClr val="accent1"/>
+          </a:effectRef>
+          <a:fontRef idx="minor">
+            <a:schemeClr val="lt1"/>
+          </a:fontRef>
+        </p:style>
+        <p:txBody>
+          <a:bodyPr rtlCol="0" anchor="ctr"/>
+          <a:lstStyle>
+            <a:lvl1pPr marL="0" indent="0">
+              <a:defRPr sz="1100">
+                <a:solidFill>
+                  <a:schemeClr val="lt1"/>
+                </a:solidFill>
+                <a:latin typeface="+mn-lt"/>
+                <a:ea typeface="+mn-ea"/>
+                <a:cs typeface="+mn-cs"/>
+              </a:defRPr>
+            </a:lvl1pPr>
+            <a:lvl2pPr marL="457200" indent="0">
+              <a:defRPr sz="1100">
+                <a:solidFill>
+                  <a:schemeClr val="lt1"/>
+                </a:solidFill>
+                <a:latin typeface="+mn-lt"/>
+                <a:ea typeface="+mn-ea"/>
+                <a:cs typeface="+mn-cs"/>
+              </a:defRPr>
+            </a:lvl2pPr>
+            <a:lvl3pPr marL="914400" indent="0">
+              <a:defRPr sz="1100">
+                <a:solidFill>
+                  <a:schemeClr val="lt1"/>
+                </a:solidFill>
+                <a:latin typeface="+mn-lt"/>
+                <a:ea typeface="+mn-ea"/>
+                <a:cs typeface="+mn-cs"/>
+              </a:defRPr>
+            </a:lvl3pPr>
+            <a:lvl4pPr marL="1371600" indent="0">
+              <a:defRPr sz="1100">
+                <a:solidFill>
+                  <a:schemeClr val="lt1"/>
+                </a:solidFill>
+                <a:latin typeface="+mn-lt"/>
+                <a:ea typeface="+mn-ea"/>
+                <a:cs typeface="+mn-cs"/>
+              </a:defRPr>
+            </a:lvl4pPr>
+            <a:lvl5pPr marL="1828800" indent="0">
+              <a:defRPr sz="1100">
+                <a:solidFill>
+                  <a:schemeClr val="lt1"/>
+                </a:solidFill>
+                <a:latin typeface="+mn-lt"/>
+                <a:ea typeface="+mn-ea"/>
+                <a:cs typeface="+mn-cs"/>
+              </a:defRPr>
+            </a:lvl5pPr>
+            <a:lvl6pPr marL="2286000" indent="0">
+              <a:defRPr sz="1100">
+                <a:solidFill>
+                  <a:schemeClr val="lt1"/>
+                </a:solidFill>
+                <a:latin typeface="+mn-lt"/>
+                <a:ea typeface="+mn-ea"/>
+                <a:cs typeface="+mn-cs"/>
+              </a:defRPr>
+            </a:lvl6pPr>
+            <a:lvl7pPr marL="2743200" indent="0">
+              <a:defRPr sz="1100">
+                <a:solidFill>
+                  <a:schemeClr val="lt1"/>
+                </a:solidFill>
+                <a:latin typeface="+mn-lt"/>
+                <a:ea typeface="+mn-ea"/>
+                <a:cs typeface="+mn-cs"/>
+              </a:defRPr>
+            </a:lvl7pPr>
+            <a:lvl8pPr marL="3200400" indent="0">
+              <a:defRPr sz="1100">
+                <a:solidFill>
+                  <a:schemeClr val="lt1"/>
+                </a:solidFill>
+                <a:latin typeface="+mn-lt"/>
+                <a:ea typeface="+mn-ea"/>
+                <a:cs typeface="+mn-cs"/>
+              </a:defRPr>
+            </a:lvl8pPr>
+            <a:lvl9pPr marL="3657600" indent="0">
+              <a:defRPr sz="1100">
+                <a:solidFill>
+                  <a:schemeClr val="lt1"/>
+                </a:solidFill>
+                <a:latin typeface="+mn-lt"/>
+                <a:ea typeface="+mn-ea"/>
+                <a:cs typeface="+mn-cs"/>
+              </a:defRPr>
+            </a:lvl9pPr>
+          </a:lstStyle>
+          <a:p>
+            <a:pPr algn="ctr"/>
+            <a:r>
+              <a:rPr lang="en-US" sz="1000" dirty="0">
+                <a:solidFill>
+                  <a:sysClr val="windowText" lastClr="000000"/>
+                </a:solidFill>
+              </a:rPr>
+              <a:t>Process</a:t>
+            </a:r>
+            <a:r>
+              <a:rPr lang="en-US" sz="1000" baseline="0" dirty="0">
+                <a:solidFill>
+                  <a:sysClr val="windowText" lastClr="000000"/>
+                </a:solidFill>
+              </a:rPr>
+              <a:t> Dynamic Content</a:t>
+            </a:r>
+            <a:endParaRPr lang="en-US" sz="1000" dirty="0">
+              <a:solidFill>
+                <a:sysClr val="windowText" lastClr="000000"/>
+              </a:solidFill>
+            </a:endParaRPr>
+          </a:p>
+        </p:txBody>
+      </p:sp>
+      <p:cxnSp>
+        <p:nvCxnSpPr>
+          <p:cNvPr id="45" name="Straight Arrow Connector 44">
+            <a:extLst>
+              <a:ext uri="{FF2B5EF4-FFF2-40B4-BE49-F238E27FC236}">
+                <a16:creationId xmlns:a16="http://schemas.microsoft.com/office/drawing/2014/main" id="{45396058-0258-44AD-87E9-04FC2489FDD9}"/>
+              </a:ext>
+            </a:extLst>
+          </p:cNvPr>
+          <p:cNvCxnSpPr>
+            <a:cxnSpLocks/>
+            <a:stCxn id="27" idx="3"/>
+            <a:endCxn id="29" idx="1"/>
+          </p:cNvCxnSpPr>
+          <p:nvPr/>
+        </p:nvCxnSpPr>
+        <p:spPr>
+          <a:xfrm flipV="1">
+            <a:off x="2128659" y="4330864"/>
+            <a:ext cx="2334578" cy="5422"/>
+          </a:xfrm>
+          <a:prstGeom prst="straightConnector1">
+            <a:avLst/>
+          </a:prstGeom>
+          <a:ln w="28575">
+            <a:headEnd type="triangle"/>
+            <a:tailEnd type="triangle"/>
+          </a:ln>
+        </p:spPr>
+        <p:style>
+          <a:lnRef idx="1">
+            <a:schemeClr val="accent1"/>
+          </a:lnRef>
+          <a:fillRef idx="0">
+            <a:schemeClr val="accent1"/>
+          </a:fillRef>
+          <a:effectRef idx="0">
+            <a:schemeClr val="accent1"/>
+          </a:effectRef>
+          <a:fontRef idx="minor">
+            <a:schemeClr val="tx1"/>
+          </a:fontRef>
+        </p:style>
+      </p:cxnSp>
+      <p:sp>
+        <p:nvSpPr>
+          <p:cNvPr id="74" name="Title 1">
+            <a:extLst>
+              <a:ext uri="{FF2B5EF4-FFF2-40B4-BE49-F238E27FC236}">
+                <a16:creationId xmlns:a16="http://schemas.microsoft.com/office/drawing/2014/main" id="{3344314F-DEFB-4613-AA4A-D3F418EA1055}"/>
+              </a:ext>
+            </a:extLst>
+          </p:cNvPr>
+          <p:cNvSpPr txBox="1">
+            <a:spLocks/>
+          </p:cNvSpPr>
+          <p:nvPr/>
+        </p:nvSpPr>
+        <p:spPr>
+          <a:xfrm>
+            <a:off x="143555" y="128470"/>
+            <a:ext cx="7940660" cy="763525"/>
+          </a:xfrm>
+          <a:prstGeom prst="rect">
+            <a:avLst/>
+          </a:prstGeom>
+        </p:spPr>
+        <p:txBody>
+          <a:bodyPr vert="horz" lIns="91440" tIns="45720" rIns="91440" bIns="45720" rtlCol="0" anchor="ctr">
+            <a:normAutofit/>
           </a:bodyPr>
-          <a:lstStyle/>
+          <a:lstStyle>
+            <a:lvl1pPr algn="l" defTabSz="914400" rtl="0" eaLnBrk="1" latinLnBrk="0" hangingPunct="1">
+              <a:spcBef>
+                <a:spcPct val="0"/>
+              </a:spcBef>
+              <a:buNone/>
+              <a:defRPr sz="3600" kern="1200" baseline="0">
+                <a:solidFill>
+                  <a:schemeClr val="bg1"/>
+                </a:solidFill>
+                <a:effectLst>
+                  <a:outerShdw blurRad="50800" dist="38100" dir="2700000" algn="tl" rotWithShape="0">
+                    <a:prstClr val="black">
+                      <a:alpha val="40000"/>
+                    </a:prstClr>
+                  </a:outerShdw>
+                </a:effectLst>
+                <a:latin typeface="+mj-lt"/>
+                <a:ea typeface="+mj-ea"/>
+                <a:cs typeface="+mj-cs"/>
+              </a:defRPr>
+            </a:lvl1pPr>
+          </a:lstStyle>
           <a:p>
             <a:r>
               <a:rPr lang="en-US" dirty="0"/>
@@ -4543,6 +6935,842 @@
   <p:clrMapOvr>
     <a:masterClrMapping/>
   </p:clrMapOvr>
+  <p:timing>
+    <p:tnLst>
+      <p:par>
+        <p:cTn id="1" dur="indefinite" restart="never" nodeType="tmRoot">
+          <p:childTnLst>
+            <p:seq concurrent="1" nextAc="seek">
+              <p:cTn id="2" dur="indefinite" nodeType="mainSeq">
+                <p:childTnLst>
+                  <p:par>
+                    <p:cTn id="3" fill="hold">
+                      <p:stCondLst>
+                        <p:cond delay="indefinite"/>
+                      </p:stCondLst>
+                      <p:childTnLst>
+                        <p:par>
+                          <p:cTn id="4" fill="hold">
+                            <p:stCondLst>
+                              <p:cond delay="0"/>
+                            </p:stCondLst>
+                            <p:childTnLst>
+                              <p:par>
+                                <p:cTn id="5" presetID="1" presetClass="entr" presetSubtype="0" fill="hold" grpId="0" nodeType="clickEffect">
+                                  <p:stCondLst>
+                                    <p:cond delay="500"/>
+                                  </p:stCondLst>
+                                  <p:childTnLst>
+                                    <p:set>
+                                      <p:cBhvr>
+                                        <p:cTn id="6" dur="1" fill="hold">
+                                          <p:stCondLst>
+                                            <p:cond delay="499"/>
+                                          </p:stCondLst>
+                                        </p:cTn>
+                                        <p:tgtEl>
+                                          <p:spTgt spid="27"/>
+                                        </p:tgtEl>
+                                        <p:attrNameLst>
+                                          <p:attrName>style.visibility</p:attrName>
+                                        </p:attrNameLst>
+                                      </p:cBhvr>
+                                      <p:to>
+                                        <p:strVal val="visible"/>
+                                      </p:to>
+                                    </p:set>
+                                  </p:childTnLst>
+                                </p:cTn>
+                              </p:par>
+                              <p:par>
+                                <p:cTn id="7" presetID="1" presetClass="entr" presetSubtype="0" fill="hold" grpId="0" nodeType="withEffect">
+                                  <p:stCondLst>
+                                    <p:cond delay="500"/>
+                                  </p:stCondLst>
+                                  <p:childTnLst>
+                                    <p:set>
+                                      <p:cBhvr>
+                                        <p:cTn id="8" dur="1" fill="hold">
+                                          <p:stCondLst>
+                                            <p:cond delay="499"/>
+                                          </p:stCondLst>
+                                        </p:cTn>
+                                        <p:tgtEl>
+                                          <p:spTgt spid="35"/>
+                                        </p:tgtEl>
+                                        <p:attrNameLst>
+                                          <p:attrName>style.visibility</p:attrName>
+                                        </p:attrNameLst>
+                                      </p:cBhvr>
+                                      <p:to>
+                                        <p:strVal val="visible"/>
+                                      </p:to>
+                                    </p:set>
+                                  </p:childTnLst>
+                                </p:cTn>
+                              </p:par>
+                              <p:par>
+                                <p:cTn id="9" presetID="1" presetClass="entr" presetSubtype="0" fill="hold" nodeType="withEffect">
+                                  <p:stCondLst>
+                                    <p:cond delay="500"/>
+                                  </p:stCondLst>
+                                  <p:childTnLst>
+                                    <p:set>
+                                      <p:cBhvr>
+                                        <p:cTn id="10" dur="1" fill="hold">
+                                          <p:stCondLst>
+                                            <p:cond delay="499"/>
+                                          </p:stCondLst>
+                                        </p:cTn>
+                                        <p:tgtEl>
+                                          <p:spTgt spid="45"/>
+                                        </p:tgtEl>
+                                        <p:attrNameLst>
+                                          <p:attrName>style.visibility</p:attrName>
+                                        </p:attrNameLst>
+                                      </p:cBhvr>
+                                      <p:to>
+                                        <p:strVal val="visible"/>
+                                      </p:to>
+                                    </p:set>
+                                  </p:childTnLst>
+                                </p:cTn>
+                              </p:par>
+                              <p:par>
+                                <p:cTn id="11" presetID="1" presetClass="entr" presetSubtype="0" fill="hold" grpId="0" nodeType="withEffect">
+                                  <p:stCondLst>
+                                    <p:cond delay="500"/>
+                                  </p:stCondLst>
+                                  <p:childTnLst>
+                                    <p:set>
+                                      <p:cBhvr>
+                                        <p:cTn id="12" dur="1" fill="hold">
+                                          <p:stCondLst>
+                                            <p:cond delay="499"/>
+                                          </p:stCondLst>
+                                        </p:cTn>
+                                        <p:tgtEl>
+                                          <p:spTgt spid="36"/>
+                                        </p:tgtEl>
+                                        <p:attrNameLst>
+                                          <p:attrName>style.visibility</p:attrName>
+                                        </p:attrNameLst>
+                                      </p:cBhvr>
+                                      <p:to>
+                                        <p:strVal val="visible"/>
+                                      </p:to>
+                                    </p:set>
+                                  </p:childTnLst>
+                                </p:cTn>
+                              </p:par>
+                              <p:par>
+                                <p:cTn id="13" presetID="1" presetClass="entr" presetSubtype="0" fill="hold" grpId="0" nodeType="withEffect">
+                                  <p:stCondLst>
+                                    <p:cond delay="500"/>
+                                  </p:stCondLst>
+                                  <p:childTnLst>
+                                    <p:set>
+                                      <p:cBhvr>
+                                        <p:cTn id="14" dur="1" fill="hold">
+                                          <p:stCondLst>
+                                            <p:cond delay="499"/>
+                                          </p:stCondLst>
+                                        </p:cTn>
+                                        <p:tgtEl>
+                                          <p:spTgt spid="29"/>
+                                        </p:tgtEl>
+                                        <p:attrNameLst>
+                                          <p:attrName>style.visibility</p:attrName>
+                                        </p:attrNameLst>
+                                      </p:cBhvr>
+                                      <p:to>
+                                        <p:strVal val="visible"/>
+                                      </p:to>
+                                    </p:set>
+                                  </p:childTnLst>
+                                </p:cTn>
+                              </p:par>
+                            </p:childTnLst>
+                          </p:cTn>
+                        </p:par>
+                      </p:childTnLst>
+                    </p:cTn>
+                  </p:par>
+                  <p:par>
+                    <p:cTn id="15" fill="hold">
+                      <p:stCondLst>
+                        <p:cond delay="indefinite"/>
+                      </p:stCondLst>
+                      <p:childTnLst>
+                        <p:par>
+                          <p:cTn id="16" fill="hold">
+                            <p:stCondLst>
+                              <p:cond delay="0"/>
+                            </p:stCondLst>
+                            <p:childTnLst>
+                              <p:par>
+                                <p:cTn id="17" presetID="2" presetClass="entr" presetSubtype="4" fill="hold" nodeType="clickEffect">
+                                  <p:stCondLst>
+                                    <p:cond delay="500"/>
+                                  </p:stCondLst>
+                                  <p:childTnLst>
+                                    <p:set>
+                                      <p:cBhvr>
+                                        <p:cTn id="18" dur="1" fill="hold">
+                                          <p:stCondLst>
+                                            <p:cond delay="0"/>
+                                          </p:stCondLst>
+                                        </p:cTn>
+                                        <p:tgtEl>
+                                          <p:spTgt spid="39"/>
+                                        </p:tgtEl>
+                                        <p:attrNameLst>
+                                          <p:attrName>style.visibility</p:attrName>
+                                        </p:attrNameLst>
+                                      </p:cBhvr>
+                                      <p:to>
+                                        <p:strVal val="visible"/>
+                                      </p:to>
+                                    </p:set>
+                                    <p:anim calcmode="lin" valueType="num">
+                                      <p:cBhvr additive="base">
+                                        <p:cTn id="19" dur="500" fill="hold"/>
+                                        <p:tgtEl>
+                                          <p:spTgt spid="39"/>
+                                        </p:tgtEl>
+                                        <p:attrNameLst>
+                                          <p:attrName>ppt_x</p:attrName>
+                                        </p:attrNameLst>
+                                      </p:cBhvr>
+                                      <p:tavLst>
+                                        <p:tav tm="0">
+                                          <p:val>
+                                            <p:strVal val="#ppt_x"/>
+                                          </p:val>
+                                        </p:tav>
+                                        <p:tav tm="100000">
+                                          <p:val>
+                                            <p:strVal val="#ppt_x"/>
+                                          </p:val>
+                                        </p:tav>
+                                      </p:tavLst>
+                                    </p:anim>
+                                    <p:anim calcmode="lin" valueType="num">
+                                      <p:cBhvr additive="base">
+                                        <p:cTn id="20" dur="500" fill="hold"/>
+                                        <p:tgtEl>
+                                          <p:spTgt spid="39"/>
+                                        </p:tgtEl>
+                                        <p:attrNameLst>
+                                          <p:attrName>ppt_y</p:attrName>
+                                        </p:attrNameLst>
+                                      </p:cBhvr>
+                                      <p:tavLst>
+                                        <p:tav tm="0">
+                                          <p:val>
+                                            <p:strVal val="1+#ppt_h/2"/>
+                                          </p:val>
+                                        </p:tav>
+                                        <p:tav tm="100000">
+                                          <p:val>
+                                            <p:strVal val="#ppt_y"/>
+                                          </p:val>
+                                        </p:tav>
+                                      </p:tavLst>
+                                    </p:anim>
+                                  </p:childTnLst>
+                                </p:cTn>
+                              </p:par>
+                              <p:par>
+                                <p:cTn id="21" presetID="2" presetClass="entr" presetSubtype="4" fill="hold" grpId="0" nodeType="withEffect">
+                                  <p:stCondLst>
+                                    <p:cond delay="500"/>
+                                  </p:stCondLst>
+                                  <p:childTnLst>
+                                    <p:set>
+                                      <p:cBhvr>
+                                        <p:cTn id="22" dur="1" fill="hold">
+                                          <p:stCondLst>
+                                            <p:cond delay="0"/>
+                                          </p:stCondLst>
+                                        </p:cTn>
+                                        <p:tgtEl>
+                                          <p:spTgt spid="34"/>
+                                        </p:tgtEl>
+                                        <p:attrNameLst>
+                                          <p:attrName>style.visibility</p:attrName>
+                                        </p:attrNameLst>
+                                      </p:cBhvr>
+                                      <p:to>
+                                        <p:strVal val="visible"/>
+                                      </p:to>
+                                    </p:set>
+                                    <p:anim calcmode="lin" valueType="num">
+                                      <p:cBhvr additive="base">
+                                        <p:cTn id="23" dur="500" fill="hold"/>
+                                        <p:tgtEl>
+                                          <p:spTgt spid="34"/>
+                                        </p:tgtEl>
+                                        <p:attrNameLst>
+                                          <p:attrName>ppt_x</p:attrName>
+                                        </p:attrNameLst>
+                                      </p:cBhvr>
+                                      <p:tavLst>
+                                        <p:tav tm="0">
+                                          <p:val>
+                                            <p:strVal val="#ppt_x"/>
+                                          </p:val>
+                                        </p:tav>
+                                        <p:tav tm="100000">
+                                          <p:val>
+                                            <p:strVal val="#ppt_x"/>
+                                          </p:val>
+                                        </p:tav>
+                                      </p:tavLst>
+                                    </p:anim>
+                                    <p:anim calcmode="lin" valueType="num">
+                                      <p:cBhvr additive="base">
+                                        <p:cTn id="24" dur="500" fill="hold"/>
+                                        <p:tgtEl>
+                                          <p:spTgt spid="34"/>
+                                        </p:tgtEl>
+                                        <p:attrNameLst>
+                                          <p:attrName>ppt_y</p:attrName>
+                                        </p:attrNameLst>
+                                      </p:cBhvr>
+                                      <p:tavLst>
+                                        <p:tav tm="0">
+                                          <p:val>
+                                            <p:strVal val="1+#ppt_h/2"/>
+                                          </p:val>
+                                        </p:tav>
+                                        <p:tav tm="100000">
+                                          <p:val>
+                                            <p:strVal val="#ppt_y"/>
+                                          </p:val>
+                                        </p:tav>
+                                      </p:tavLst>
+                                    </p:anim>
+                                  </p:childTnLst>
+                                </p:cTn>
+                              </p:par>
+                            </p:childTnLst>
+                          </p:cTn>
+                        </p:par>
+                      </p:childTnLst>
+                    </p:cTn>
+                  </p:par>
+                  <p:par>
+                    <p:cTn id="25" fill="hold">
+                      <p:stCondLst>
+                        <p:cond delay="indefinite"/>
+                      </p:stCondLst>
+                      <p:childTnLst>
+                        <p:par>
+                          <p:cTn id="26" fill="hold">
+                            <p:stCondLst>
+                              <p:cond delay="0"/>
+                            </p:stCondLst>
+                            <p:childTnLst>
+                              <p:par>
+                                <p:cTn id="27" presetID="10" presetClass="entr" presetSubtype="0" fill="hold" grpId="0" nodeType="clickEffect">
+                                  <p:stCondLst>
+                                    <p:cond delay="500"/>
+                                  </p:stCondLst>
+                                  <p:childTnLst>
+                                    <p:set>
+                                      <p:cBhvr>
+                                        <p:cTn id="28" dur="1" fill="hold">
+                                          <p:stCondLst>
+                                            <p:cond delay="0"/>
+                                          </p:stCondLst>
+                                        </p:cTn>
+                                        <p:tgtEl>
+                                          <p:spTgt spid="26"/>
+                                        </p:tgtEl>
+                                        <p:attrNameLst>
+                                          <p:attrName>style.visibility</p:attrName>
+                                        </p:attrNameLst>
+                                      </p:cBhvr>
+                                      <p:to>
+                                        <p:strVal val="visible"/>
+                                      </p:to>
+                                    </p:set>
+                                    <p:animEffect transition="in" filter="fade">
+                                      <p:cBhvr>
+                                        <p:cTn id="29" dur="500"/>
+                                        <p:tgtEl>
+                                          <p:spTgt spid="26"/>
+                                        </p:tgtEl>
+                                      </p:cBhvr>
+                                    </p:animEffect>
+                                  </p:childTnLst>
+                                </p:cTn>
+                              </p:par>
+                              <p:par>
+                                <p:cTn id="30" presetID="10" presetClass="entr" presetSubtype="0" fill="hold" nodeType="withEffect">
+                                  <p:stCondLst>
+                                    <p:cond delay="500"/>
+                                  </p:stCondLst>
+                                  <p:childTnLst>
+                                    <p:set>
+                                      <p:cBhvr>
+                                        <p:cTn id="31" dur="1" fill="hold">
+                                          <p:stCondLst>
+                                            <p:cond delay="0"/>
+                                          </p:stCondLst>
+                                        </p:cTn>
+                                        <p:tgtEl>
+                                          <p:spTgt spid="41"/>
+                                        </p:tgtEl>
+                                        <p:attrNameLst>
+                                          <p:attrName>style.visibility</p:attrName>
+                                        </p:attrNameLst>
+                                      </p:cBhvr>
+                                      <p:to>
+                                        <p:strVal val="visible"/>
+                                      </p:to>
+                                    </p:set>
+                                    <p:animEffect transition="in" filter="fade">
+                                      <p:cBhvr>
+                                        <p:cTn id="32" dur="500"/>
+                                        <p:tgtEl>
+                                          <p:spTgt spid="41"/>
+                                        </p:tgtEl>
+                                      </p:cBhvr>
+                                    </p:animEffect>
+                                  </p:childTnLst>
+                                </p:cTn>
+                              </p:par>
+                              <p:par>
+                                <p:cTn id="33" presetID="10" presetClass="entr" presetSubtype="0" fill="hold" nodeType="withEffect">
+                                  <p:stCondLst>
+                                    <p:cond delay="500"/>
+                                  </p:stCondLst>
+                                  <p:childTnLst>
+                                    <p:set>
+                                      <p:cBhvr>
+                                        <p:cTn id="34" dur="1" fill="hold">
+                                          <p:stCondLst>
+                                            <p:cond delay="0"/>
+                                          </p:stCondLst>
+                                        </p:cTn>
+                                        <p:tgtEl>
+                                          <p:spTgt spid="42"/>
+                                        </p:tgtEl>
+                                        <p:attrNameLst>
+                                          <p:attrName>style.visibility</p:attrName>
+                                        </p:attrNameLst>
+                                      </p:cBhvr>
+                                      <p:to>
+                                        <p:strVal val="visible"/>
+                                      </p:to>
+                                    </p:set>
+                                    <p:animEffect transition="in" filter="fade">
+                                      <p:cBhvr>
+                                        <p:cTn id="35" dur="500"/>
+                                        <p:tgtEl>
+                                          <p:spTgt spid="42"/>
+                                        </p:tgtEl>
+                                      </p:cBhvr>
+                                    </p:animEffect>
+                                  </p:childTnLst>
+                                </p:cTn>
+                              </p:par>
+                              <p:par>
+                                <p:cTn id="36" presetID="10" presetClass="entr" presetSubtype="0" fill="hold" nodeType="withEffect">
+                                  <p:stCondLst>
+                                    <p:cond delay="500"/>
+                                  </p:stCondLst>
+                                  <p:childTnLst>
+                                    <p:set>
+                                      <p:cBhvr>
+                                        <p:cTn id="37" dur="1" fill="hold">
+                                          <p:stCondLst>
+                                            <p:cond delay="0"/>
+                                          </p:stCondLst>
+                                        </p:cTn>
+                                        <p:tgtEl>
+                                          <p:spTgt spid="40"/>
+                                        </p:tgtEl>
+                                        <p:attrNameLst>
+                                          <p:attrName>style.visibility</p:attrName>
+                                        </p:attrNameLst>
+                                      </p:cBhvr>
+                                      <p:to>
+                                        <p:strVal val="visible"/>
+                                      </p:to>
+                                    </p:set>
+                                    <p:animEffect transition="in" filter="fade">
+                                      <p:cBhvr>
+                                        <p:cTn id="38" dur="500"/>
+                                        <p:tgtEl>
+                                          <p:spTgt spid="40"/>
+                                        </p:tgtEl>
+                                      </p:cBhvr>
+                                    </p:animEffect>
+                                  </p:childTnLst>
+                                </p:cTn>
+                              </p:par>
+                              <p:par>
+                                <p:cTn id="39" presetID="10" presetClass="entr" presetSubtype="0" fill="hold" grpId="0" nodeType="withEffect">
+                                  <p:stCondLst>
+                                    <p:cond delay="500"/>
+                                  </p:stCondLst>
+                                  <p:childTnLst>
+                                    <p:set>
+                                      <p:cBhvr>
+                                        <p:cTn id="40" dur="1" fill="hold">
+                                          <p:stCondLst>
+                                            <p:cond delay="0"/>
+                                          </p:stCondLst>
+                                        </p:cTn>
+                                        <p:tgtEl>
+                                          <p:spTgt spid="28"/>
+                                        </p:tgtEl>
+                                        <p:attrNameLst>
+                                          <p:attrName>style.visibility</p:attrName>
+                                        </p:attrNameLst>
+                                      </p:cBhvr>
+                                      <p:to>
+                                        <p:strVal val="visible"/>
+                                      </p:to>
+                                    </p:set>
+                                    <p:animEffect transition="in" filter="fade">
+                                      <p:cBhvr>
+                                        <p:cTn id="41" dur="500"/>
+                                        <p:tgtEl>
+                                          <p:spTgt spid="28"/>
+                                        </p:tgtEl>
+                                      </p:cBhvr>
+                                    </p:animEffect>
+                                  </p:childTnLst>
+                                </p:cTn>
+                              </p:par>
+                              <p:par>
+                                <p:cTn id="42" presetID="10" presetClass="entr" presetSubtype="0" fill="hold" grpId="0" nodeType="withEffect">
+                                  <p:stCondLst>
+                                    <p:cond delay="500"/>
+                                  </p:stCondLst>
+                                  <p:childTnLst>
+                                    <p:set>
+                                      <p:cBhvr>
+                                        <p:cTn id="43" dur="1" fill="hold">
+                                          <p:stCondLst>
+                                            <p:cond delay="0"/>
+                                          </p:stCondLst>
+                                        </p:cTn>
+                                        <p:tgtEl>
+                                          <p:spTgt spid="37"/>
+                                        </p:tgtEl>
+                                        <p:attrNameLst>
+                                          <p:attrName>style.visibility</p:attrName>
+                                        </p:attrNameLst>
+                                      </p:cBhvr>
+                                      <p:to>
+                                        <p:strVal val="visible"/>
+                                      </p:to>
+                                    </p:set>
+                                    <p:animEffect transition="in" filter="fade">
+                                      <p:cBhvr>
+                                        <p:cTn id="44" dur="500"/>
+                                        <p:tgtEl>
+                                          <p:spTgt spid="37"/>
+                                        </p:tgtEl>
+                                      </p:cBhvr>
+                                    </p:animEffect>
+                                  </p:childTnLst>
+                                </p:cTn>
+                              </p:par>
+                              <p:par>
+                                <p:cTn id="45" presetID="10" presetClass="entr" presetSubtype="0" fill="hold" grpId="0" nodeType="withEffect">
+                                  <p:stCondLst>
+                                    <p:cond delay="500"/>
+                                  </p:stCondLst>
+                                  <p:childTnLst>
+                                    <p:set>
+                                      <p:cBhvr>
+                                        <p:cTn id="46" dur="1" fill="hold">
+                                          <p:stCondLst>
+                                            <p:cond delay="0"/>
+                                          </p:stCondLst>
+                                        </p:cTn>
+                                        <p:tgtEl>
+                                          <p:spTgt spid="44"/>
+                                        </p:tgtEl>
+                                        <p:attrNameLst>
+                                          <p:attrName>style.visibility</p:attrName>
+                                        </p:attrNameLst>
+                                      </p:cBhvr>
+                                      <p:to>
+                                        <p:strVal val="visible"/>
+                                      </p:to>
+                                    </p:set>
+                                    <p:animEffect transition="in" filter="fade">
+                                      <p:cBhvr>
+                                        <p:cTn id="47" dur="500"/>
+                                        <p:tgtEl>
+                                          <p:spTgt spid="44"/>
+                                        </p:tgtEl>
+                                      </p:cBhvr>
+                                    </p:animEffect>
+                                  </p:childTnLst>
+                                </p:cTn>
+                              </p:par>
+                              <p:par>
+                                <p:cTn id="48" presetID="10" presetClass="entr" presetSubtype="0" fill="hold" grpId="0" nodeType="withEffect">
+                                  <p:stCondLst>
+                                    <p:cond delay="500"/>
+                                  </p:stCondLst>
+                                  <p:childTnLst>
+                                    <p:set>
+                                      <p:cBhvr>
+                                        <p:cTn id="49" dur="1" fill="hold">
+                                          <p:stCondLst>
+                                            <p:cond delay="0"/>
+                                          </p:stCondLst>
+                                        </p:cTn>
+                                        <p:tgtEl>
+                                          <p:spTgt spid="31"/>
+                                        </p:tgtEl>
+                                        <p:attrNameLst>
+                                          <p:attrName>style.visibility</p:attrName>
+                                        </p:attrNameLst>
+                                      </p:cBhvr>
+                                      <p:to>
+                                        <p:strVal val="visible"/>
+                                      </p:to>
+                                    </p:set>
+                                    <p:animEffect transition="in" filter="fade">
+                                      <p:cBhvr>
+                                        <p:cTn id="50" dur="500"/>
+                                        <p:tgtEl>
+                                          <p:spTgt spid="31"/>
+                                        </p:tgtEl>
+                                      </p:cBhvr>
+                                    </p:animEffect>
+                                  </p:childTnLst>
+                                </p:cTn>
+                              </p:par>
+                              <p:par>
+                                <p:cTn id="51" presetID="10" presetClass="entr" presetSubtype="0" fill="hold" grpId="0" nodeType="withEffect">
+                                  <p:stCondLst>
+                                    <p:cond delay="500"/>
+                                  </p:stCondLst>
+                                  <p:childTnLst>
+                                    <p:set>
+                                      <p:cBhvr>
+                                        <p:cTn id="52" dur="1" fill="hold">
+                                          <p:stCondLst>
+                                            <p:cond delay="0"/>
+                                          </p:stCondLst>
+                                        </p:cTn>
+                                        <p:tgtEl>
+                                          <p:spTgt spid="32"/>
+                                        </p:tgtEl>
+                                        <p:attrNameLst>
+                                          <p:attrName>style.visibility</p:attrName>
+                                        </p:attrNameLst>
+                                      </p:cBhvr>
+                                      <p:to>
+                                        <p:strVal val="visible"/>
+                                      </p:to>
+                                    </p:set>
+                                    <p:animEffect transition="in" filter="fade">
+                                      <p:cBhvr>
+                                        <p:cTn id="53" dur="500"/>
+                                        <p:tgtEl>
+                                          <p:spTgt spid="32"/>
+                                        </p:tgtEl>
+                                      </p:cBhvr>
+                                    </p:animEffect>
+                                  </p:childTnLst>
+                                </p:cTn>
+                              </p:par>
+                              <p:par>
+                                <p:cTn id="54" presetID="10" presetClass="entr" presetSubtype="0" fill="hold" grpId="0" nodeType="withEffect">
+                                  <p:stCondLst>
+                                    <p:cond delay="500"/>
+                                  </p:stCondLst>
+                                  <p:childTnLst>
+                                    <p:set>
+                                      <p:cBhvr>
+                                        <p:cTn id="55" dur="1" fill="hold">
+                                          <p:stCondLst>
+                                            <p:cond delay="0"/>
+                                          </p:stCondLst>
+                                        </p:cTn>
+                                        <p:tgtEl>
+                                          <p:spTgt spid="33"/>
+                                        </p:tgtEl>
+                                        <p:attrNameLst>
+                                          <p:attrName>style.visibility</p:attrName>
+                                        </p:attrNameLst>
+                                      </p:cBhvr>
+                                      <p:to>
+                                        <p:strVal val="visible"/>
+                                      </p:to>
+                                    </p:set>
+                                    <p:animEffect transition="in" filter="fade">
+                                      <p:cBhvr>
+                                        <p:cTn id="56" dur="500"/>
+                                        <p:tgtEl>
+                                          <p:spTgt spid="33"/>
+                                        </p:tgtEl>
+                                      </p:cBhvr>
+                                    </p:animEffect>
+                                  </p:childTnLst>
+                                </p:cTn>
+                              </p:par>
+                              <p:par>
+                                <p:cTn id="57" presetID="10" presetClass="entr" presetSubtype="0" fill="hold" grpId="0" nodeType="withEffect">
+                                  <p:stCondLst>
+                                    <p:cond delay="500"/>
+                                  </p:stCondLst>
+                                  <p:childTnLst>
+                                    <p:set>
+                                      <p:cBhvr>
+                                        <p:cTn id="58" dur="1" fill="hold">
+                                          <p:stCondLst>
+                                            <p:cond delay="0"/>
+                                          </p:stCondLst>
+                                        </p:cTn>
+                                        <p:tgtEl>
+                                          <p:spTgt spid="38"/>
+                                        </p:tgtEl>
+                                        <p:attrNameLst>
+                                          <p:attrName>style.visibility</p:attrName>
+                                        </p:attrNameLst>
+                                      </p:cBhvr>
+                                      <p:to>
+                                        <p:strVal val="visible"/>
+                                      </p:to>
+                                    </p:set>
+                                    <p:animEffect transition="in" filter="fade">
+                                      <p:cBhvr>
+                                        <p:cTn id="59" dur="500"/>
+                                        <p:tgtEl>
+                                          <p:spTgt spid="38"/>
+                                        </p:tgtEl>
+                                      </p:cBhvr>
+                                    </p:animEffect>
+                                  </p:childTnLst>
+                                </p:cTn>
+                              </p:par>
+                              <p:par>
+                                <p:cTn id="60" presetID="10" presetClass="entr" presetSubtype="0" fill="hold" grpId="0" nodeType="withEffect">
+                                  <p:stCondLst>
+                                    <p:cond delay="500"/>
+                                  </p:stCondLst>
+                                  <p:childTnLst>
+                                    <p:set>
+                                      <p:cBhvr>
+                                        <p:cTn id="61" dur="1" fill="hold">
+                                          <p:stCondLst>
+                                            <p:cond delay="0"/>
+                                          </p:stCondLst>
+                                        </p:cTn>
+                                        <p:tgtEl>
+                                          <p:spTgt spid="30"/>
+                                        </p:tgtEl>
+                                        <p:attrNameLst>
+                                          <p:attrName>style.visibility</p:attrName>
+                                        </p:attrNameLst>
+                                      </p:cBhvr>
+                                      <p:to>
+                                        <p:strVal val="visible"/>
+                                      </p:to>
+                                    </p:set>
+                                    <p:animEffect transition="in" filter="fade">
+                                      <p:cBhvr>
+                                        <p:cTn id="62" dur="500"/>
+                                        <p:tgtEl>
+                                          <p:spTgt spid="30"/>
+                                        </p:tgtEl>
+                                      </p:cBhvr>
+                                    </p:animEffect>
+                                  </p:childTnLst>
+                                </p:cTn>
+                              </p:par>
+                              <p:par>
+                                <p:cTn id="63" presetID="10" presetClass="entr" presetSubtype="0" fill="hold" nodeType="withEffect">
+                                  <p:stCondLst>
+                                    <p:cond delay="500"/>
+                                  </p:stCondLst>
+                                  <p:childTnLst>
+                                    <p:set>
+                                      <p:cBhvr>
+                                        <p:cTn id="64" dur="1" fill="hold">
+                                          <p:stCondLst>
+                                            <p:cond delay="0"/>
+                                          </p:stCondLst>
+                                        </p:cTn>
+                                        <p:tgtEl>
+                                          <p:spTgt spid="43"/>
+                                        </p:tgtEl>
+                                        <p:attrNameLst>
+                                          <p:attrName>style.visibility</p:attrName>
+                                        </p:attrNameLst>
+                                      </p:cBhvr>
+                                      <p:to>
+                                        <p:strVal val="visible"/>
+                                      </p:to>
+                                    </p:set>
+                                    <p:animEffect transition="in" filter="fade">
+                                      <p:cBhvr>
+                                        <p:cTn id="65" dur="500"/>
+                                        <p:tgtEl>
+                                          <p:spTgt spid="43"/>
+                                        </p:tgtEl>
+                                      </p:cBhvr>
+                                    </p:animEffect>
+                                  </p:childTnLst>
+                                </p:cTn>
+                              </p:par>
+                            </p:childTnLst>
+                          </p:cTn>
+                        </p:par>
+                      </p:childTnLst>
+                    </p:cTn>
+                  </p:par>
+                </p:childTnLst>
+              </p:cTn>
+              <p:prevCondLst>
+                <p:cond evt="onPrev" delay="0">
+                  <p:tgtEl>
+                    <p:sldTgt/>
+                  </p:tgtEl>
+                </p:cond>
+              </p:prevCondLst>
+              <p:nextCondLst>
+                <p:cond evt="onNext" delay="0">
+                  <p:tgtEl>
+                    <p:sldTgt/>
+                  </p:tgtEl>
+                </p:cond>
+              </p:nextCondLst>
+            </p:seq>
+          </p:childTnLst>
+        </p:cTn>
+      </p:par>
+    </p:tnLst>
+    <p:bldLst>
+      <p:bldP spid="26" grpId="0" animBg="1"/>
+      <p:bldP spid="27" grpId="0" animBg="1"/>
+      <p:bldP spid="28" grpId="0" animBg="1"/>
+      <p:bldP spid="29" grpId="0" animBg="1"/>
+      <p:bldP spid="30" grpId="0" animBg="1"/>
+      <p:bldP spid="31" grpId="0" animBg="1"/>
+      <p:bldP spid="32" grpId="0" animBg="1"/>
+      <p:bldP spid="33" grpId="0" animBg="1"/>
+      <p:bldP spid="34" grpId="0" animBg="1"/>
+      <p:bldP spid="35" grpId="0" animBg="1"/>
+      <p:bldP spid="36" grpId="0" animBg="1"/>
+      <p:bldP spid="37" grpId="0" animBg="1"/>
+      <p:bldP spid="38" grpId="0" animBg="1"/>
+      <p:bldP spid="44" grpId="0" animBg="1"/>
+    </p:bldLst>
+  </p:timing>
 </p:sld>
 </file>
 
@@ -4579,10 +7807,15 @@
             <p:ph type="title"/>
           </p:nvPr>
         </p:nvSpPr>
-        <p:spPr/>
+        <p:spPr>
+          <a:xfrm>
+            <a:off x="296259" y="213408"/>
+            <a:ext cx="6108200" cy="572644"/>
+          </a:xfrm>
+        </p:spPr>
         <p:txBody>
           <a:bodyPr>
-            <a:normAutofit fontScale="90000"/>
+            <a:noAutofit/>
           </a:bodyPr>
           <a:lstStyle/>
           <a:p>
@@ -4621,7 +7854,7 @@
             </a:pPr>
             <a:r>
               <a:rPr lang="en-US" sz="1600" dirty="0"/>
-              <a:t>Data was obtained from Kaggle as a SQL Database</a:t>
+              <a:t>Data was obtained from Kaggle as a SQLite Database</a:t>
             </a:r>
           </a:p>
           <a:p>
@@ -4761,36 +7994,6 @@
           <a:chExt cx="0" cy="0"/>
         </a:xfrm>
       </p:grpSpPr>
-      <p:sp>
-        <p:nvSpPr>
-          <p:cNvPr id="2" name="Title 1">
-            <a:extLst>
-              <a:ext uri="{FF2B5EF4-FFF2-40B4-BE49-F238E27FC236}">
-                <a16:creationId xmlns:a16="http://schemas.microsoft.com/office/drawing/2014/main" id="{413523F4-2FE9-4114-9B55-8A57F8651D6B}"/>
-              </a:ext>
-            </a:extLst>
-          </p:cNvPr>
-          <p:cNvSpPr>
-            <a:spLocks noGrp="1"/>
-          </p:cNvSpPr>
-          <p:nvPr>
-            <p:ph type="title"/>
-          </p:nvPr>
-        </p:nvSpPr>
-        <p:spPr/>
-        <p:txBody>
-          <a:bodyPr>
-            <a:normAutofit fontScale="90000"/>
-          </a:bodyPr>
-          <a:lstStyle/>
-          <a:p>
-            <a:r>
-              <a:rPr lang="en-US" dirty="0"/>
-              <a:t>Dropped duplicate player IDs in SQL</a:t>
-            </a:r>
-          </a:p>
-        </p:txBody>
-      </p:sp>
       <p:pic>
         <p:nvPicPr>
           <p:cNvPr id="4" name="Picture 3">
@@ -4813,7 +8016,7 @@
         </p:blipFill>
         <p:spPr>
           <a:xfrm>
-            <a:off x="0" y="1133170"/>
+            <a:off x="305410" y="2137870"/>
             <a:ext cx="3927989" cy="2877160"/>
           </a:xfrm>
           <a:prstGeom prst="rect">
@@ -4843,7 +8046,7 @@
         </p:blipFill>
         <p:spPr>
           <a:xfrm>
-            <a:off x="4976750" y="1133170"/>
+            <a:off x="5282160" y="2137870"/>
             <a:ext cx="3412875" cy="2877160"/>
           </a:xfrm>
           <a:prstGeom prst="rect">
@@ -4865,7 +8068,7 @@
         </p:nvSpPr>
         <p:spPr>
           <a:xfrm>
-            <a:off x="3961180" y="2266340"/>
+            <a:off x="4266590" y="3271040"/>
             <a:ext cx="896056" cy="610820"/>
           </a:xfrm>
           <a:prstGeom prst="rightArrow">
@@ -4894,6 +8097,64 @@
           <a:p>
             <a:pPr algn="ctr"/>
             <a:endParaRPr lang="en-US"/>
+          </a:p>
+        </p:txBody>
+      </p:sp>
+      <p:sp>
+        <p:nvSpPr>
+          <p:cNvPr id="7" name="Title 1">
+            <a:extLst>
+              <a:ext uri="{FF2B5EF4-FFF2-40B4-BE49-F238E27FC236}">
+                <a16:creationId xmlns:a16="http://schemas.microsoft.com/office/drawing/2014/main" id="{4EACAE52-51C2-46A0-8557-88A799599450}"/>
+              </a:ext>
+            </a:extLst>
+          </p:cNvPr>
+          <p:cNvSpPr txBox="1">
+            <a:spLocks/>
+          </p:cNvSpPr>
+          <p:nvPr/>
+        </p:nvSpPr>
+        <p:spPr>
+          <a:xfrm>
+            <a:off x="143555" y="128470"/>
+            <a:ext cx="7940660" cy="763525"/>
+          </a:xfrm>
+          <a:prstGeom prst="rect">
+            <a:avLst/>
+          </a:prstGeom>
+        </p:spPr>
+        <p:txBody>
+          <a:bodyPr vert="horz" lIns="91440" tIns="45720" rIns="91440" bIns="45720" rtlCol="0" anchor="ctr">
+            <a:normAutofit/>
+          </a:bodyPr>
+          <a:lstStyle>
+            <a:lvl1pPr algn="l" defTabSz="914400" rtl="0" eaLnBrk="1" latinLnBrk="0" hangingPunct="1">
+              <a:spcBef>
+                <a:spcPct val="0"/>
+              </a:spcBef>
+              <a:buNone/>
+              <a:defRPr sz="3600" kern="1200" baseline="0">
+                <a:solidFill>
+                  <a:schemeClr val="bg1"/>
+                </a:solidFill>
+                <a:effectLst>
+                  <a:outerShdw blurRad="50800" dist="38100" dir="2700000" algn="tl" rotWithShape="0">
+                    <a:prstClr val="black">
+                      <a:alpha val="40000"/>
+                    </a:prstClr>
+                  </a:outerShdw>
+                </a:effectLst>
+                <a:latin typeface="+mj-lt"/>
+                <a:ea typeface="+mj-ea"/>
+                <a:cs typeface="+mj-cs"/>
+              </a:defRPr>
+            </a:lvl1pPr>
+          </a:lstStyle>
+          <a:p>
+            <a:r>
+              <a:rPr lang="en-US" dirty="0"/>
+              <a:t>Dropping duplicates in SQL</a:t>
+            </a:r>
           </a:p>
         </p:txBody>
       </p:sp>
@@ -4943,10 +8204,15 @@
             <p:ph type="title"/>
           </p:nvPr>
         </p:nvSpPr>
-        <p:spPr/>
+        <p:spPr>
+          <a:xfrm>
+            <a:off x="296260" y="281175"/>
+            <a:ext cx="6108200" cy="572644"/>
+          </a:xfrm>
+        </p:spPr>
         <p:txBody>
           <a:bodyPr>
-            <a:normAutofit fontScale="90000"/>
+            <a:noAutofit/>
           </a:bodyPr>
           <a:lstStyle/>
           <a:p>
@@ -4954,31 +8220,6 @@
               <a:rPr lang="en-US" dirty="0"/>
               <a:t>Coding approach</a:t>
             </a:r>
-          </a:p>
-        </p:txBody>
-      </p:sp>
-      <p:sp>
-        <p:nvSpPr>
-          <p:cNvPr id="3" name="Content Placeholder 2">
-            <a:extLst>
-              <a:ext uri="{FF2B5EF4-FFF2-40B4-BE49-F238E27FC236}">
-                <a16:creationId xmlns:a16="http://schemas.microsoft.com/office/drawing/2014/main" id="{91A7EE05-07B6-4D01-8ADB-02C97155D9C0}"/>
-              </a:ext>
-            </a:extLst>
-          </p:cNvPr>
-          <p:cNvSpPr>
-            <a:spLocks noGrp="1"/>
-          </p:cNvSpPr>
-          <p:nvPr>
-            <p:ph idx="1"/>
-          </p:nvPr>
-        </p:nvSpPr>
-        <p:spPr/>
-        <p:txBody>
-          <a:bodyPr/>
-          <a:lstStyle/>
-          <a:p>
-            <a:endParaRPr lang="en-US"/>
           </a:p>
         </p:txBody>
       </p:sp>
@@ -5024,7 +8265,7 @@
         </p:nvSpPr>
         <p:spPr>
           <a:xfrm>
-            <a:off x="448964" y="281175"/>
+            <a:off x="143555" y="128470"/>
             <a:ext cx="6566316" cy="763525"/>
           </a:xfrm>
         </p:spPr>

--- a/Presentation.pptx
+++ b/Presentation.pptx
@@ -5,16 +5,18 @@
     <p:sldMasterId id="2147483648" r:id="rId1"/>
   </p:sldMasterIdLst>
   <p:notesMasterIdLst>
-    <p:notesMasterId r:id="rId9"/>
+    <p:notesMasterId r:id="rId11"/>
   </p:notesMasterIdLst>
   <p:sldIdLst>
     <p:sldId id="256" r:id="rId2"/>
-    <p:sldId id="257" r:id="rId3"/>
-    <p:sldId id="264" r:id="rId4"/>
-    <p:sldId id="261" r:id="rId5"/>
-    <p:sldId id="263" r:id="rId6"/>
-    <p:sldId id="262" r:id="rId7"/>
-    <p:sldId id="259" r:id="rId8"/>
+    <p:sldId id="265" r:id="rId3"/>
+    <p:sldId id="257" r:id="rId4"/>
+    <p:sldId id="264" r:id="rId5"/>
+    <p:sldId id="261" r:id="rId6"/>
+    <p:sldId id="263" r:id="rId7"/>
+    <p:sldId id="262" r:id="rId8"/>
+    <p:sldId id="266" r:id="rId9"/>
+    <p:sldId id="259" r:id="rId10"/>
   </p:sldIdLst>
   <p:sldSz cx="9144000" cy="5143500" type="screen16x9"/>
   <p:notesSz cx="6858000" cy="9144000"/>
@@ -217,7 +219,7 @@
           <a:p>
             <a:fld id="{47C9DC0B-439A-4283-B282-0A81E38E4B9A}" type="datetimeFigureOut">
               <a:rPr lang="en-US" smtClean="0"/>
-              <a:t>10/27/2018</a:t>
+              <a:t>10/28/2018</a:t>
             </a:fld>
             <a:endParaRPr lang="en-US"/>
           </a:p>
@@ -633,7 +635,7 @@
           <a:p>
             <a:fld id="{BD4FD5F7-8A08-47F0-BD34-72DA7B8DDD06}" type="slidenum">
               <a:rPr lang="en-US" smtClean="0"/>
-              <a:t>3</a:t>
+              <a:t>4</a:t>
             </a:fld>
             <a:endParaRPr lang="en-US"/>
           </a:p>
@@ -717,7 +719,7 @@
           <a:p>
             <a:fld id="{BD4FD5F7-8A08-47F0-BD34-72DA7B8DDD06}" type="slidenum">
               <a:rPr lang="en-US" smtClean="0"/>
-              <a:t>4</a:t>
+              <a:t>5</a:t>
             </a:fld>
             <a:endParaRPr lang="en-US"/>
           </a:p>
@@ -955,7 +957,7 @@
             <a:fld id="{53074F12-AA26-4AC8-9962-C36BB8F32554}" type="datetimeFigureOut">
               <a:rPr lang="en-US" smtClean="0"/>
               <a:pPr/>
-              <a:t>10/27/2018</a:t>
+              <a:t>10/28/2018</a:t>
             </a:fld>
             <a:endParaRPr lang="en-US"/>
           </a:p>
@@ -1209,7 +1211,7 @@
             <a:fld id="{53074F12-AA26-4AC8-9962-C36BB8F32554}" type="datetimeFigureOut">
               <a:rPr lang="en-US" smtClean="0"/>
               <a:pPr/>
-              <a:t>10/27/2018</a:t>
+              <a:t>10/28/2018</a:t>
             </a:fld>
             <a:endParaRPr lang="en-US"/>
           </a:p>
@@ -1379,7 +1381,7 @@
             <a:fld id="{53074F12-AA26-4AC8-9962-C36BB8F32554}" type="datetimeFigureOut">
               <a:rPr lang="en-US" smtClean="0"/>
               <a:pPr/>
-              <a:t>10/27/2018</a:t>
+              <a:t>10/28/2018</a:t>
             </a:fld>
             <a:endParaRPr lang="en-US"/>
           </a:p>
@@ -1559,7 +1561,7 @@
             <a:fld id="{53074F12-AA26-4AC8-9962-C36BB8F32554}" type="datetimeFigureOut">
               <a:rPr lang="en-US" smtClean="0"/>
               <a:pPr/>
-              <a:t>10/27/2018</a:t>
+              <a:t>10/28/2018</a:t>
             </a:fld>
             <a:endParaRPr lang="en-US"/>
           </a:p>
@@ -1841,7 +1843,7 @@
             <a:fld id="{53074F12-AA26-4AC8-9962-C36BB8F32554}" type="datetimeFigureOut">
               <a:rPr lang="en-US" smtClean="0"/>
               <a:pPr/>
-              <a:t>10/27/2018</a:t>
+              <a:t>10/28/2018</a:t>
             </a:fld>
             <a:endParaRPr lang="en-US"/>
           </a:p>
@@ -2088,7 +2090,7 @@
             <a:fld id="{53074F12-AA26-4AC8-9962-C36BB8F32554}" type="datetimeFigureOut">
               <a:rPr lang="en-US" smtClean="0"/>
               <a:pPr/>
-              <a:t>10/27/2018</a:t>
+              <a:t>10/28/2018</a:t>
             </a:fld>
             <a:endParaRPr lang="en-US"/>
           </a:p>
@@ -2335,7 +2337,7 @@
             <a:fld id="{53074F12-AA26-4AC8-9962-C36BB8F32554}" type="datetimeFigureOut">
               <a:rPr lang="en-US" smtClean="0"/>
               <a:pPr/>
-              <a:t>10/27/2018</a:t>
+              <a:t>10/28/2018</a:t>
             </a:fld>
             <a:endParaRPr lang="en-US"/>
           </a:p>
@@ -2622,7 +2624,7 @@
             <a:fld id="{53074F12-AA26-4AC8-9962-C36BB8F32554}" type="datetimeFigureOut">
               <a:rPr lang="en-US" smtClean="0"/>
               <a:pPr/>
-              <a:t>10/27/2018</a:t>
+              <a:t>10/28/2018</a:t>
             </a:fld>
             <a:endParaRPr lang="en-US"/>
           </a:p>
@@ -3109,7 +3111,7 @@
             <a:fld id="{53074F12-AA26-4AC8-9962-C36BB8F32554}" type="datetimeFigureOut">
               <a:rPr lang="en-US" smtClean="0"/>
               <a:pPr/>
-              <a:t>10/27/2018</a:t>
+              <a:t>10/28/2018</a:t>
             </a:fld>
             <a:endParaRPr lang="en-US"/>
           </a:p>
@@ -3228,7 +3230,7 @@
             <a:fld id="{53074F12-AA26-4AC8-9962-C36BB8F32554}" type="datetimeFigureOut">
               <a:rPr lang="en-US" smtClean="0"/>
               <a:pPr/>
-              <a:t>10/27/2018</a:t>
+              <a:t>10/28/2018</a:t>
             </a:fld>
             <a:endParaRPr lang="en-US"/>
           </a:p>
@@ -3325,7 +3327,7 @@
             <a:fld id="{53074F12-AA26-4AC8-9962-C36BB8F32554}" type="datetimeFigureOut">
               <a:rPr lang="en-US" smtClean="0"/>
               <a:pPr/>
-              <a:t>10/27/2018</a:t>
+              <a:t>10/28/2018</a:t>
             </a:fld>
             <a:endParaRPr lang="en-US"/>
           </a:p>
@@ -3602,7 +3604,7 @@
             <a:fld id="{53074F12-AA26-4AC8-9962-C36BB8F32554}" type="datetimeFigureOut">
               <a:rPr lang="en-US" smtClean="0"/>
               <a:pPr/>
-              <a:t>10/27/2018</a:t>
+              <a:t>10/28/2018</a:t>
             </a:fld>
             <a:endParaRPr lang="en-US"/>
           </a:p>
@@ -3824,7 +3826,7 @@
             <a:fld id="{53074F12-AA26-4AC8-9962-C36BB8F32554}" type="datetimeFigureOut">
               <a:rPr lang="en-US" smtClean="0"/>
               <a:pPr/>
-              <a:t>10/27/2018</a:t>
+              <a:t>10/28/2018</a:t>
             </a:fld>
             <a:endParaRPr lang="en-US"/>
           </a:p>
@@ -4378,6 +4380,233 @@
           <a:p>
             <a:r>
               <a:rPr lang="en-US" dirty="0"/>
+              <a:t>Background</a:t>
+            </a:r>
+          </a:p>
+        </p:txBody>
+      </p:sp>
+      <p:sp>
+        <p:nvSpPr>
+          <p:cNvPr id="3" name="Content Placeholder 2"/>
+          <p:cNvSpPr>
+            <a:spLocks noGrp="1"/>
+          </p:cNvSpPr>
+          <p:nvPr>
+            <p:ph idx="1"/>
+          </p:nvPr>
+        </p:nvSpPr>
+        <p:spPr>
+          <a:xfrm>
+            <a:off x="448964" y="2103907"/>
+            <a:ext cx="8246071" cy="2748689"/>
+          </a:xfrm>
+        </p:spPr>
+        <p:txBody>
+          <a:bodyPr>
+            <a:normAutofit/>
+          </a:bodyPr>
+          <a:lstStyle/>
+          <a:p>
+            <a:pPr marL="0" indent="0">
+              <a:buNone/>
+            </a:pPr>
+            <a:r>
+              <a:rPr lang="en-US" sz="2400" dirty="0"/>
+              <a:t>During a Saturday afternoon gaming session on FIFA EA sports soccer game, Tom and Randy teamed up to challenge Corey and Matthew. Unfortunately, they were outclassed and lost every single match. With hectic class schedule and weekly homework deadlines, spending additional time practicing is out of the question. An alternate strategic advantage is required to increase their odds of winning…</a:t>
+            </a:r>
+          </a:p>
+        </p:txBody>
+      </p:sp>
+    </p:spTree>
+    <p:extLst>
+      <p:ext uri="{BB962C8B-B14F-4D97-AF65-F5344CB8AC3E}">
+        <p14:creationId xmlns:p14="http://schemas.microsoft.com/office/powerpoint/2010/main" val="3981282895"/>
+      </p:ext>
+    </p:extLst>
+  </p:cSld>
+  <p:clrMapOvr>
+    <a:masterClrMapping/>
+  </p:clrMapOvr>
+  <p:timing>
+    <p:tnLst>
+      <p:par>
+        <p:cTn id="1" dur="indefinite" restart="never" nodeType="tmRoot">
+          <p:childTnLst>
+            <p:seq concurrent="1" nextAc="seek">
+              <p:cTn id="2" dur="indefinite" nodeType="mainSeq">
+                <p:childTnLst>
+                  <p:par>
+                    <p:cTn id="3" fill="hold">
+                      <p:stCondLst>
+                        <p:cond delay="indefinite"/>
+                      </p:stCondLst>
+                      <p:childTnLst>
+                        <p:par>
+                          <p:cTn id="4" fill="hold">
+                            <p:stCondLst>
+                              <p:cond delay="0"/>
+                            </p:stCondLst>
+                            <p:childTnLst>
+                              <p:par>
+                                <p:cTn id="5" presetID="2" presetClass="entr" presetSubtype="4" fill="hold" grpId="0" nodeType="clickEffect">
+                                  <p:stCondLst>
+                                    <p:cond delay="500"/>
+                                  </p:stCondLst>
+                                  <p:childTnLst>
+                                    <p:set>
+                                      <p:cBhvr>
+                                        <p:cTn id="6" dur="1" fill="hold">
+                                          <p:stCondLst>
+                                            <p:cond delay="0"/>
+                                          </p:stCondLst>
+                                        </p:cTn>
+                                        <p:tgtEl>
+                                          <p:spTgt spid="3">
+                                            <p:txEl>
+                                              <p:pRg st="0" end="0"/>
+                                            </p:txEl>
+                                          </p:spTgt>
+                                        </p:tgtEl>
+                                        <p:attrNameLst>
+                                          <p:attrName>style.visibility</p:attrName>
+                                        </p:attrNameLst>
+                                      </p:cBhvr>
+                                      <p:to>
+                                        <p:strVal val="visible"/>
+                                      </p:to>
+                                    </p:set>
+                                    <p:anim calcmode="lin" valueType="num">
+                                      <p:cBhvr additive="base">
+                                        <p:cTn id="7" dur="500" fill="hold"/>
+                                        <p:tgtEl>
+                                          <p:spTgt spid="3">
+                                            <p:txEl>
+                                              <p:pRg st="0" end="0"/>
+                                            </p:txEl>
+                                          </p:spTgt>
+                                        </p:tgtEl>
+                                        <p:attrNameLst>
+                                          <p:attrName>ppt_x</p:attrName>
+                                        </p:attrNameLst>
+                                      </p:cBhvr>
+                                      <p:tavLst>
+                                        <p:tav tm="0">
+                                          <p:val>
+                                            <p:strVal val="#ppt_x"/>
+                                          </p:val>
+                                        </p:tav>
+                                        <p:tav tm="100000">
+                                          <p:val>
+                                            <p:strVal val="#ppt_x"/>
+                                          </p:val>
+                                        </p:tav>
+                                      </p:tavLst>
+                                    </p:anim>
+                                    <p:anim calcmode="lin" valueType="num">
+                                      <p:cBhvr additive="base">
+                                        <p:cTn id="8" dur="500" fill="hold"/>
+                                        <p:tgtEl>
+                                          <p:spTgt spid="3">
+                                            <p:txEl>
+                                              <p:pRg st="0" end="0"/>
+                                            </p:txEl>
+                                          </p:spTgt>
+                                        </p:tgtEl>
+                                        <p:attrNameLst>
+                                          <p:attrName>ppt_y</p:attrName>
+                                        </p:attrNameLst>
+                                      </p:cBhvr>
+                                      <p:tavLst>
+                                        <p:tav tm="0">
+                                          <p:val>
+                                            <p:strVal val="1+#ppt_h/2"/>
+                                          </p:val>
+                                        </p:tav>
+                                        <p:tav tm="100000">
+                                          <p:val>
+                                            <p:strVal val="#ppt_y"/>
+                                          </p:val>
+                                        </p:tav>
+                                      </p:tavLst>
+                                    </p:anim>
+                                  </p:childTnLst>
+                                </p:cTn>
+                              </p:par>
+                            </p:childTnLst>
+                          </p:cTn>
+                        </p:par>
+                      </p:childTnLst>
+                    </p:cTn>
+                  </p:par>
+                </p:childTnLst>
+              </p:cTn>
+              <p:prevCondLst>
+                <p:cond evt="onPrev" delay="0">
+                  <p:tgtEl>
+                    <p:sldTgt/>
+                  </p:tgtEl>
+                </p:cond>
+              </p:prevCondLst>
+              <p:nextCondLst>
+                <p:cond evt="onNext" delay="0">
+                  <p:tgtEl>
+                    <p:sldTgt/>
+                  </p:tgtEl>
+                </p:cond>
+              </p:nextCondLst>
+            </p:seq>
+          </p:childTnLst>
+        </p:cTn>
+      </p:par>
+    </p:tnLst>
+    <p:bldLst>
+      <p:bldP spid="3" grpId="0" build="p"/>
+    </p:bldLst>
+  </p:timing>
+</p:sld>
+</file>
+
+<file path=ppt/slides/slide3.xml><?xml version="1.0" encoding="utf-8"?>
+<p:sld xmlns:a="http://schemas.openxmlformats.org/drawingml/2006/main" xmlns:r="http://schemas.openxmlformats.org/officeDocument/2006/relationships" xmlns:p="http://schemas.openxmlformats.org/presentationml/2006/main">
+  <p:cSld>
+    <p:spTree>
+      <p:nvGrpSpPr>
+        <p:cNvPr id="1" name=""/>
+        <p:cNvGrpSpPr/>
+        <p:nvPr/>
+      </p:nvGrpSpPr>
+      <p:grpSpPr>
+        <a:xfrm>
+          <a:off x="0" y="0"/>
+          <a:ext cx="0" cy="0"/>
+          <a:chOff x="0" y="0"/>
+          <a:chExt cx="0" cy="0"/>
+        </a:xfrm>
+      </p:grpSpPr>
+      <p:sp>
+        <p:nvSpPr>
+          <p:cNvPr id="2" name="Title 1"/>
+          <p:cNvSpPr>
+            <a:spLocks noGrp="1"/>
+          </p:cNvSpPr>
+          <p:nvPr>
+            <p:ph type="title"/>
+          </p:nvPr>
+        </p:nvSpPr>
+        <p:spPr>
+          <a:xfrm>
+            <a:off x="143555" y="128470"/>
+            <a:ext cx="7940660" cy="763525"/>
+          </a:xfrm>
+        </p:spPr>
+        <p:txBody>
+          <a:bodyPr>
+            <a:normAutofit/>
+          </a:bodyPr>
+          <a:lstStyle/>
+          <a:p>
+            <a:r>
+              <a:rPr lang="en-US" dirty="0"/>
               <a:t>Motivation</a:t>
             </a:r>
           </a:p>
@@ -4522,7 +4751,7 @@
 </p:sld>
 </file>
 
-<file path=ppt/slides/slide3.xml><?xml version="1.0" encoding="utf-8"?>
+<file path=ppt/slides/slide4.xml><?xml version="1.0" encoding="utf-8"?>
 <p:sld xmlns:a="http://schemas.openxmlformats.org/drawingml/2006/main" xmlns:r="http://schemas.openxmlformats.org/officeDocument/2006/relationships" xmlns:p="http://schemas.openxmlformats.org/presentationml/2006/main">
   <p:cSld>
     <p:spTree>
@@ -7774,7 +8003,7 @@
 </p:sld>
 </file>
 
-<file path=ppt/slides/slide4.xml><?xml version="1.0" encoding="utf-8"?>
+<file path=ppt/slides/slide5.xml><?xml version="1.0" encoding="utf-8"?>
 <p:sld xmlns:a="http://schemas.openxmlformats.org/drawingml/2006/main" xmlns:r="http://schemas.openxmlformats.org/officeDocument/2006/relationships" xmlns:p="http://schemas.openxmlformats.org/presentationml/2006/main">
   <p:cSld>
     <p:spTree>
@@ -7977,7 +8206,7 @@
 </p:sld>
 </file>
 
-<file path=ppt/slides/slide5.xml><?xml version="1.0" encoding="utf-8"?>
+<file path=ppt/slides/slide6.xml><?xml version="1.0" encoding="utf-8"?>
 <p:sld xmlns:a="http://schemas.openxmlformats.org/drawingml/2006/main" xmlns:r="http://schemas.openxmlformats.org/officeDocument/2006/relationships" xmlns:p="http://schemas.openxmlformats.org/presentationml/2006/main">
   <p:cSld>
     <p:spTree>
@@ -8171,7 +8400,7 @@
 </p:sld>
 </file>
 
-<file path=ppt/slides/slide6.xml><?xml version="1.0" encoding="utf-8"?>
+<file path=ppt/slides/slide7.xml><?xml version="1.0" encoding="utf-8"?>
 <p:sld xmlns:a="http://schemas.openxmlformats.org/drawingml/2006/main" xmlns:r="http://schemas.openxmlformats.org/officeDocument/2006/relationships" xmlns:p="http://schemas.openxmlformats.org/presentationml/2006/main">
   <p:cSld>
     <p:spTree>
@@ -8223,6 +8452,562 @@
           </a:p>
         </p:txBody>
       </p:sp>
+      <p:grpSp>
+        <p:nvGrpSpPr>
+          <p:cNvPr id="11" name="Group 10">
+            <a:extLst>
+              <a:ext uri="{FF2B5EF4-FFF2-40B4-BE49-F238E27FC236}">
+                <a16:creationId xmlns:a16="http://schemas.microsoft.com/office/drawing/2014/main" id="{F0B19BE6-BF0A-4729-B901-300D40119337}"/>
+              </a:ext>
+            </a:extLst>
+          </p:cNvPr>
+          <p:cNvGrpSpPr/>
+          <p:nvPr/>
+        </p:nvGrpSpPr>
+        <p:grpSpPr>
+          <a:xfrm>
+            <a:off x="296260" y="891995"/>
+            <a:ext cx="6068254" cy="798153"/>
+            <a:chOff x="296260" y="1027664"/>
+            <a:chExt cx="6068254" cy="798153"/>
+          </a:xfrm>
+        </p:grpSpPr>
+        <p:pic>
+          <p:nvPicPr>
+            <p:cNvPr id="4" name="Picture 3">
+              <a:extLst>
+                <a:ext uri="{FF2B5EF4-FFF2-40B4-BE49-F238E27FC236}">
+                  <a16:creationId xmlns:a16="http://schemas.microsoft.com/office/drawing/2014/main" id="{D5BEB732-67F7-465A-954B-D730D88E67D1}"/>
+                </a:ext>
+              </a:extLst>
+            </p:cNvPr>
+            <p:cNvPicPr>
+              <a:picLocks noChangeAspect="1"/>
+            </p:cNvPicPr>
+            <p:nvPr/>
+          </p:nvPicPr>
+          <p:blipFill>
+            <a:blip r:embed="rId2"/>
+            <a:stretch>
+              <a:fillRect/>
+            </a:stretch>
+          </p:blipFill>
+          <p:spPr>
+            <a:xfrm>
+              <a:off x="341023" y="1350111"/>
+              <a:ext cx="4383682" cy="475706"/>
+            </a:xfrm>
+            <a:prstGeom prst="rect">
+              <a:avLst/>
+            </a:prstGeom>
+          </p:spPr>
+        </p:pic>
+        <p:pic>
+          <p:nvPicPr>
+            <p:cNvPr id="6" name="Picture 5">
+              <a:extLst>
+                <a:ext uri="{FF2B5EF4-FFF2-40B4-BE49-F238E27FC236}">
+                  <a16:creationId xmlns:a16="http://schemas.microsoft.com/office/drawing/2014/main" id="{FB9EE961-6D5C-4EC0-8BFA-4D74EE361B38}"/>
+                </a:ext>
+              </a:extLst>
+            </p:cNvPr>
+            <p:cNvPicPr>
+              <a:picLocks noChangeAspect="1"/>
+            </p:cNvPicPr>
+            <p:nvPr/>
+          </p:nvPicPr>
+          <p:blipFill>
+            <a:blip r:embed="rId3" cstate="print">
+              <a:extLst>
+                <a:ext uri="{28A0092B-C50C-407E-A947-70E740481C1C}">
+                  <a14:useLocalDpi xmlns:a14="http://schemas.microsoft.com/office/drawing/2010/main" val="0"/>
+                </a:ext>
+              </a:extLst>
+            </a:blip>
+            <a:stretch>
+              <a:fillRect/>
+            </a:stretch>
+          </p:blipFill>
+          <p:spPr>
+            <a:xfrm>
+              <a:off x="5291239" y="1092343"/>
+              <a:ext cx="1073275" cy="226056"/>
+            </a:xfrm>
+            <a:prstGeom prst="rect">
+              <a:avLst/>
+            </a:prstGeom>
+          </p:spPr>
+        </p:pic>
+        <p:sp>
+          <p:nvSpPr>
+            <p:cNvPr id="10" name="TextBox 9">
+              <a:extLst>
+                <a:ext uri="{FF2B5EF4-FFF2-40B4-BE49-F238E27FC236}">
+                  <a16:creationId xmlns:a16="http://schemas.microsoft.com/office/drawing/2014/main" id="{2A071528-346F-484E-A6F7-582E1E4520B5}"/>
+                </a:ext>
+              </a:extLst>
+            </p:cNvPr>
+            <p:cNvSpPr txBox="1"/>
+            <p:nvPr/>
+          </p:nvSpPr>
+          <p:spPr>
+            <a:xfrm>
+              <a:off x="296260" y="1027664"/>
+              <a:ext cx="5802789" cy="307777"/>
+            </a:xfrm>
+            <a:prstGeom prst="rect">
+              <a:avLst/>
+            </a:prstGeom>
+            <a:noFill/>
+          </p:spPr>
+          <p:txBody>
+            <a:bodyPr wrap="square" rtlCol="0">
+              <a:spAutoFit/>
+            </a:bodyPr>
+            <a:lstStyle/>
+            <a:p>
+              <a:pPr marL="285750" indent="-285750">
+                <a:buFont typeface="Arial" panose="020B0604020202020204" pitchFamily="34" charset="0"/>
+                <a:buChar char="•"/>
+              </a:pPr>
+              <a:r>
+                <a:rPr lang="en-US" sz="1400" b="1" dirty="0"/>
+                <a:t>SQL Alchemy </a:t>
+              </a:r>
+              <a:r>
+                <a:rPr lang="en-US" sz="1400" dirty="0"/>
+                <a:t>– Efficient and high-performing database access</a:t>
+              </a:r>
+            </a:p>
+          </p:txBody>
+        </p:sp>
+      </p:grpSp>
+      <p:grpSp>
+        <p:nvGrpSpPr>
+          <p:cNvPr id="13" name="Group 12">
+            <a:extLst>
+              <a:ext uri="{FF2B5EF4-FFF2-40B4-BE49-F238E27FC236}">
+                <a16:creationId xmlns:a16="http://schemas.microsoft.com/office/drawing/2014/main" id="{B505AA77-855E-4937-992E-E04BA1DA867A}"/>
+              </a:ext>
+            </a:extLst>
+          </p:cNvPr>
+          <p:cNvGrpSpPr/>
+          <p:nvPr/>
+        </p:nvGrpSpPr>
+        <p:grpSpPr>
+          <a:xfrm>
+            <a:off x="296258" y="1808225"/>
+            <a:ext cx="5802789" cy="977336"/>
+            <a:chOff x="296259" y="2072099"/>
+            <a:chExt cx="5802789" cy="977336"/>
+          </a:xfrm>
+        </p:grpSpPr>
+        <p:pic>
+          <p:nvPicPr>
+            <p:cNvPr id="7" name="Picture 6">
+              <a:extLst>
+                <a:ext uri="{FF2B5EF4-FFF2-40B4-BE49-F238E27FC236}">
+                  <a16:creationId xmlns:a16="http://schemas.microsoft.com/office/drawing/2014/main" id="{CB93B99B-2263-44E0-B7C6-BD3BEE8C9812}"/>
+                </a:ext>
+              </a:extLst>
+            </p:cNvPr>
+            <p:cNvPicPr>
+              <a:picLocks noChangeAspect="1"/>
+            </p:cNvPicPr>
+            <p:nvPr/>
+          </p:nvPicPr>
+          <p:blipFill>
+            <a:blip r:embed="rId4"/>
+            <a:stretch>
+              <a:fillRect/>
+            </a:stretch>
+          </p:blipFill>
+          <p:spPr>
+            <a:xfrm>
+              <a:off x="341023" y="2379876"/>
+              <a:ext cx="3620158" cy="669559"/>
+            </a:xfrm>
+            <a:prstGeom prst="rect">
+              <a:avLst/>
+            </a:prstGeom>
+          </p:spPr>
+        </p:pic>
+        <p:pic>
+          <p:nvPicPr>
+            <p:cNvPr id="9" name="Picture 8">
+              <a:extLst>
+                <a:ext uri="{FF2B5EF4-FFF2-40B4-BE49-F238E27FC236}">
+                  <a16:creationId xmlns:a16="http://schemas.microsoft.com/office/drawing/2014/main" id="{2D0545B0-60DF-4988-B45A-AC642DADE2CF}"/>
+                </a:ext>
+              </a:extLst>
+            </p:cNvPr>
+            <p:cNvPicPr>
+              <a:picLocks noChangeAspect="1"/>
+            </p:cNvPicPr>
+            <p:nvPr/>
+          </p:nvPicPr>
+          <p:blipFill>
+            <a:blip r:embed="rId5" cstate="print">
+              <a:extLst>
+                <a:ext uri="{28A0092B-C50C-407E-A947-70E740481C1C}">
+                  <a14:useLocalDpi xmlns:a14="http://schemas.microsoft.com/office/drawing/2010/main" val="0"/>
+                </a:ext>
+              </a:extLst>
+            </a:blip>
+            <a:stretch>
+              <a:fillRect/>
+            </a:stretch>
+          </p:blipFill>
+          <p:spPr>
+            <a:xfrm>
+              <a:off x="4572000" y="2382322"/>
+              <a:ext cx="1166100" cy="456334"/>
+            </a:xfrm>
+            <a:prstGeom prst="rect">
+              <a:avLst/>
+            </a:prstGeom>
+          </p:spPr>
+        </p:pic>
+        <p:sp>
+          <p:nvSpPr>
+            <p:cNvPr id="12" name="TextBox 11">
+              <a:extLst>
+                <a:ext uri="{FF2B5EF4-FFF2-40B4-BE49-F238E27FC236}">
+                  <a16:creationId xmlns:a16="http://schemas.microsoft.com/office/drawing/2014/main" id="{FBD8B70E-2AD3-4AEC-97E4-A779997E7EB3}"/>
+                </a:ext>
+              </a:extLst>
+            </p:cNvPr>
+            <p:cNvSpPr txBox="1"/>
+            <p:nvPr/>
+          </p:nvSpPr>
+          <p:spPr>
+            <a:xfrm>
+              <a:off x="296259" y="2072099"/>
+              <a:ext cx="5802789" cy="307777"/>
+            </a:xfrm>
+            <a:prstGeom prst="rect">
+              <a:avLst/>
+            </a:prstGeom>
+            <a:noFill/>
+          </p:spPr>
+          <p:txBody>
+            <a:bodyPr wrap="square" rtlCol="0">
+              <a:spAutoFit/>
+            </a:bodyPr>
+            <a:lstStyle/>
+            <a:p>
+              <a:pPr marL="285750" indent="-285750">
+                <a:buFont typeface="Arial" panose="020B0604020202020204" pitchFamily="34" charset="0"/>
+                <a:buChar char="•"/>
+              </a:pPr>
+              <a:r>
+                <a:rPr lang="en-US" sz="1400" b="1" dirty="0"/>
+                <a:t>Flask</a:t>
+              </a:r>
+              <a:r>
+                <a:rPr lang="en-US" sz="1400" dirty="0"/>
+                <a:t> – Lightweight WSGI web application framework</a:t>
+              </a:r>
+            </a:p>
+          </p:txBody>
+        </p:sp>
+      </p:grpSp>
+      <p:grpSp>
+        <p:nvGrpSpPr>
+          <p:cNvPr id="18" name="Group 17">
+            <a:extLst>
+              <a:ext uri="{FF2B5EF4-FFF2-40B4-BE49-F238E27FC236}">
+                <a16:creationId xmlns:a16="http://schemas.microsoft.com/office/drawing/2014/main" id="{DF620627-202A-40D0-A495-2F2127890846}"/>
+              </a:ext>
+            </a:extLst>
+          </p:cNvPr>
+          <p:cNvGrpSpPr/>
+          <p:nvPr/>
+        </p:nvGrpSpPr>
+        <p:grpSpPr>
+          <a:xfrm>
+            <a:off x="296258" y="2877160"/>
+            <a:ext cx="5802789" cy="926772"/>
+            <a:chOff x="296258" y="3140247"/>
+            <a:chExt cx="5802789" cy="926772"/>
+          </a:xfrm>
+        </p:grpSpPr>
+        <p:sp>
+          <p:nvSpPr>
+            <p:cNvPr id="14" name="TextBox 13">
+              <a:extLst>
+                <a:ext uri="{FF2B5EF4-FFF2-40B4-BE49-F238E27FC236}">
+                  <a16:creationId xmlns:a16="http://schemas.microsoft.com/office/drawing/2014/main" id="{41EBEA68-AA91-4108-94D5-2A9D503AB957}"/>
+                </a:ext>
+              </a:extLst>
+            </p:cNvPr>
+            <p:cNvSpPr txBox="1"/>
+            <p:nvPr/>
+          </p:nvSpPr>
+          <p:spPr>
+            <a:xfrm>
+              <a:off x="296258" y="3140247"/>
+              <a:ext cx="5802789" cy="523220"/>
+            </a:xfrm>
+            <a:prstGeom prst="rect">
+              <a:avLst/>
+            </a:prstGeom>
+            <a:noFill/>
+          </p:spPr>
+          <p:txBody>
+            <a:bodyPr wrap="square" rtlCol="0">
+              <a:spAutoFit/>
+            </a:bodyPr>
+            <a:lstStyle/>
+            <a:p>
+              <a:pPr marL="285750" indent="-285750">
+                <a:buFont typeface="Arial" panose="020B0604020202020204" pitchFamily="34" charset="0"/>
+                <a:buChar char="•"/>
+              </a:pPr>
+              <a:r>
+                <a:rPr lang="en-US" sz="1400" b="1" dirty="0"/>
+                <a:t>Python</a:t>
+              </a:r>
+              <a:r>
+                <a:rPr lang="en-US" sz="1400" dirty="0"/>
+                <a:t> – a programming language used to develop software on the web and in app form</a:t>
+              </a:r>
+            </a:p>
+          </p:txBody>
+        </p:sp>
+        <p:pic>
+          <p:nvPicPr>
+            <p:cNvPr id="16" name="Picture 15">
+              <a:extLst>
+                <a:ext uri="{FF2B5EF4-FFF2-40B4-BE49-F238E27FC236}">
+                  <a16:creationId xmlns:a16="http://schemas.microsoft.com/office/drawing/2014/main" id="{90529781-2AFA-458B-9B7E-4FEE099DE82B}"/>
+                </a:ext>
+              </a:extLst>
+            </p:cNvPr>
+            <p:cNvPicPr>
+              <a:picLocks noChangeAspect="1"/>
+            </p:cNvPicPr>
+            <p:nvPr/>
+          </p:nvPicPr>
+          <p:blipFill>
+            <a:blip r:embed="rId6" cstate="print">
+              <a:extLst>
+                <a:ext uri="{28A0092B-C50C-407E-A947-70E740481C1C}">
+                  <a14:useLocalDpi xmlns:a14="http://schemas.microsoft.com/office/drawing/2010/main" val="0"/>
+                </a:ext>
+              </a:extLst>
+            </a:blip>
+            <a:stretch>
+              <a:fillRect/>
+            </a:stretch>
+          </p:blipFill>
+          <p:spPr>
+            <a:xfrm>
+              <a:off x="5063422" y="3333956"/>
+              <a:ext cx="659021" cy="659021"/>
+            </a:xfrm>
+            <a:prstGeom prst="rect">
+              <a:avLst/>
+            </a:prstGeom>
+          </p:spPr>
+        </p:pic>
+        <p:pic>
+          <p:nvPicPr>
+            <p:cNvPr id="17" name="Picture 16">
+              <a:extLst>
+                <a:ext uri="{FF2B5EF4-FFF2-40B4-BE49-F238E27FC236}">
+                  <a16:creationId xmlns:a16="http://schemas.microsoft.com/office/drawing/2014/main" id="{8344671D-C687-40CE-BC0F-897E290F2587}"/>
+                </a:ext>
+              </a:extLst>
+            </p:cNvPr>
+            <p:cNvPicPr>
+              <a:picLocks noChangeAspect="1"/>
+            </p:cNvPicPr>
+            <p:nvPr/>
+          </p:nvPicPr>
+          <p:blipFill>
+            <a:blip r:embed="rId7"/>
+            <a:stretch>
+              <a:fillRect/>
+            </a:stretch>
+          </p:blipFill>
+          <p:spPr>
+            <a:xfrm>
+              <a:off x="341023" y="3633534"/>
+              <a:ext cx="2443280" cy="433485"/>
+            </a:xfrm>
+            <a:prstGeom prst="rect">
+              <a:avLst/>
+            </a:prstGeom>
+          </p:spPr>
+        </p:pic>
+      </p:grpSp>
+      <p:grpSp>
+        <p:nvGrpSpPr>
+          <p:cNvPr id="24" name="Group 23">
+            <a:extLst>
+              <a:ext uri="{FF2B5EF4-FFF2-40B4-BE49-F238E27FC236}">
+                <a16:creationId xmlns:a16="http://schemas.microsoft.com/office/drawing/2014/main" id="{65087694-1C86-4775-BAFC-C359B98598D2}"/>
+              </a:ext>
+            </a:extLst>
+          </p:cNvPr>
+          <p:cNvGrpSpPr/>
+          <p:nvPr/>
+        </p:nvGrpSpPr>
+        <p:grpSpPr>
+          <a:xfrm>
+            <a:off x="296258" y="3881814"/>
+            <a:ext cx="5802789" cy="1146891"/>
+            <a:chOff x="296258" y="3881814"/>
+            <a:chExt cx="5802789" cy="1146891"/>
+          </a:xfrm>
+        </p:grpSpPr>
+        <p:sp>
+          <p:nvSpPr>
+            <p:cNvPr id="3" name="TextBox 2">
+              <a:extLst>
+                <a:ext uri="{FF2B5EF4-FFF2-40B4-BE49-F238E27FC236}">
+                  <a16:creationId xmlns:a16="http://schemas.microsoft.com/office/drawing/2014/main" id="{0A3A7029-590B-4F7F-8C36-EE7C3CE75E98}"/>
+                </a:ext>
+              </a:extLst>
+            </p:cNvPr>
+            <p:cNvSpPr txBox="1"/>
+            <p:nvPr/>
+          </p:nvSpPr>
+          <p:spPr>
+            <a:xfrm>
+              <a:off x="296258" y="3881814"/>
+              <a:ext cx="5802789" cy="523220"/>
+            </a:xfrm>
+            <a:prstGeom prst="rect">
+              <a:avLst/>
+            </a:prstGeom>
+            <a:noFill/>
+          </p:spPr>
+          <p:txBody>
+            <a:bodyPr wrap="square" rtlCol="0">
+              <a:spAutoFit/>
+            </a:bodyPr>
+            <a:lstStyle/>
+            <a:p>
+              <a:pPr marL="285750" indent="-285750">
+                <a:buFont typeface="Arial" panose="020B0604020202020204" pitchFamily="34" charset="0"/>
+                <a:buChar char="•"/>
+              </a:pPr>
+              <a:r>
+                <a:rPr lang="en-US" sz="1400" b="1" dirty="0"/>
+                <a:t>HTML and CSS </a:t>
+              </a:r>
+              <a:r>
+                <a:rPr lang="en-US" sz="1400" dirty="0"/>
+                <a:t>– HTML describes the structure of Web pages using markup, and CSS describes how HTML elements should be displayed.</a:t>
+              </a:r>
+            </a:p>
+          </p:txBody>
+        </p:sp>
+        <p:pic>
+          <p:nvPicPr>
+            <p:cNvPr id="20" name="Picture 19">
+              <a:extLst>
+                <a:ext uri="{FF2B5EF4-FFF2-40B4-BE49-F238E27FC236}">
+                  <a16:creationId xmlns:a16="http://schemas.microsoft.com/office/drawing/2014/main" id="{C0F54D48-AA25-47B2-BDE5-5CD4D39F32D0}"/>
+                </a:ext>
+              </a:extLst>
+            </p:cNvPr>
+            <p:cNvPicPr>
+              <a:picLocks noChangeAspect="1"/>
+            </p:cNvPicPr>
+            <p:nvPr/>
+          </p:nvPicPr>
+          <p:blipFill>
+            <a:blip r:embed="rId8" cstate="print">
+              <a:extLst>
+                <a:ext uri="{28A0092B-C50C-407E-A947-70E740481C1C}">
+                  <a14:useLocalDpi xmlns:a14="http://schemas.microsoft.com/office/drawing/2010/main" val="0"/>
+                </a:ext>
+              </a:extLst>
+            </a:blip>
+            <a:stretch>
+              <a:fillRect/>
+            </a:stretch>
+          </p:blipFill>
+          <p:spPr>
+            <a:xfrm>
+              <a:off x="5155049" y="4376233"/>
+              <a:ext cx="361449" cy="361449"/>
+            </a:xfrm>
+            <a:prstGeom prst="rect">
+              <a:avLst/>
+            </a:prstGeom>
+          </p:spPr>
+        </p:pic>
+        <p:pic>
+          <p:nvPicPr>
+            <p:cNvPr id="22" name="Picture 21">
+              <a:extLst>
+                <a:ext uri="{FF2B5EF4-FFF2-40B4-BE49-F238E27FC236}">
+                  <a16:creationId xmlns:a16="http://schemas.microsoft.com/office/drawing/2014/main" id="{A97CA397-80E7-4139-A341-3C07A91027F4}"/>
+                </a:ext>
+              </a:extLst>
+            </p:cNvPr>
+            <p:cNvPicPr>
+              <a:picLocks noChangeAspect="1"/>
+            </p:cNvPicPr>
+            <p:nvPr/>
+          </p:nvPicPr>
+          <p:blipFill>
+            <a:blip r:embed="rId9" cstate="print">
+              <a:extLst>
+                <a:ext uri="{28A0092B-C50C-407E-A947-70E740481C1C}">
+                  <a14:useLocalDpi xmlns:a14="http://schemas.microsoft.com/office/drawing/2010/main" val="0"/>
+                </a:ext>
+              </a:extLst>
+            </a:blip>
+            <a:stretch>
+              <a:fillRect/>
+            </a:stretch>
+          </p:blipFill>
+          <p:spPr>
+            <a:xfrm>
+              <a:off x="4288077" y="4340215"/>
+              <a:ext cx="866972" cy="433486"/>
+            </a:xfrm>
+            <a:prstGeom prst="rect">
+              <a:avLst/>
+            </a:prstGeom>
+          </p:spPr>
+        </p:pic>
+        <p:pic>
+          <p:nvPicPr>
+            <p:cNvPr id="23" name="Picture 22">
+              <a:extLst>
+                <a:ext uri="{FF2B5EF4-FFF2-40B4-BE49-F238E27FC236}">
+                  <a16:creationId xmlns:a16="http://schemas.microsoft.com/office/drawing/2014/main" id="{A33A28D3-6E19-4361-8CB5-0507766C27AB}"/>
+                </a:ext>
+              </a:extLst>
+            </p:cNvPr>
+            <p:cNvPicPr>
+              <a:picLocks noChangeAspect="1"/>
+            </p:cNvPicPr>
+            <p:nvPr/>
+          </p:nvPicPr>
+          <p:blipFill>
+            <a:blip r:embed="rId10"/>
+            <a:stretch>
+              <a:fillRect/>
+            </a:stretch>
+          </p:blipFill>
+          <p:spPr>
+            <a:xfrm>
+              <a:off x="341022" y="4340215"/>
+              <a:ext cx="1453478" cy="688490"/>
+            </a:xfrm>
+            <a:prstGeom prst="rect">
+              <a:avLst/>
+            </a:prstGeom>
+          </p:spPr>
+        </p:pic>
+      </p:grpSp>
     </p:spTree>
     <p:extLst>
       <p:ext uri="{BB962C8B-B14F-4D97-AF65-F5344CB8AC3E}">
@@ -8233,10 +9018,1539 @@
   <p:clrMapOvr>
     <a:masterClrMapping/>
   </p:clrMapOvr>
+  <p:timing>
+    <p:tnLst>
+      <p:par>
+        <p:cTn id="1" dur="indefinite" restart="never" nodeType="tmRoot">
+          <p:childTnLst>
+            <p:seq concurrent="1" nextAc="seek">
+              <p:cTn id="2" dur="indefinite" nodeType="mainSeq">
+                <p:childTnLst>
+                  <p:par>
+                    <p:cTn id="3" fill="hold">
+                      <p:stCondLst>
+                        <p:cond delay="indefinite"/>
+                      </p:stCondLst>
+                      <p:childTnLst>
+                        <p:par>
+                          <p:cTn id="4" fill="hold">
+                            <p:stCondLst>
+                              <p:cond delay="0"/>
+                            </p:stCondLst>
+                            <p:childTnLst>
+                              <p:par>
+                                <p:cTn id="5" presetID="10" presetClass="entr" presetSubtype="0" fill="hold" nodeType="clickEffect">
+                                  <p:stCondLst>
+                                    <p:cond delay="500"/>
+                                  </p:stCondLst>
+                                  <p:childTnLst>
+                                    <p:set>
+                                      <p:cBhvr>
+                                        <p:cTn id="6" dur="1" fill="hold">
+                                          <p:stCondLst>
+                                            <p:cond delay="0"/>
+                                          </p:stCondLst>
+                                        </p:cTn>
+                                        <p:tgtEl>
+                                          <p:spTgt spid="11"/>
+                                        </p:tgtEl>
+                                        <p:attrNameLst>
+                                          <p:attrName>style.visibility</p:attrName>
+                                        </p:attrNameLst>
+                                      </p:cBhvr>
+                                      <p:to>
+                                        <p:strVal val="visible"/>
+                                      </p:to>
+                                    </p:set>
+                                    <p:animEffect transition="in" filter="fade">
+                                      <p:cBhvr>
+                                        <p:cTn id="7" dur="1000"/>
+                                        <p:tgtEl>
+                                          <p:spTgt spid="11"/>
+                                        </p:tgtEl>
+                                      </p:cBhvr>
+                                    </p:animEffect>
+                                  </p:childTnLst>
+                                </p:cTn>
+                              </p:par>
+                            </p:childTnLst>
+                          </p:cTn>
+                        </p:par>
+                      </p:childTnLst>
+                    </p:cTn>
+                  </p:par>
+                  <p:par>
+                    <p:cTn id="8" fill="hold">
+                      <p:stCondLst>
+                        <p:cond delay="indefinite"/>
+                      </p:stCondLst>
+                      <p:childTnLst>
+                        <p:par>
+                          <p:cTn id="9" fill="hold">
+                            <p:stCondLst>
+                              <p:cond delay="0"/>
+                            </p:stCondLst>
+                            <p:childTnLst>
+                              <p:par>
+                                <p:cTn id="10" presetID="42" presetClass="entr" presetSubtype="0" fill="hold" nodeType="clickEffect">
+                                  <p:stCondLst>
+                                    <p:cond delay="0"/>
+                                  </p:stCondLst>
+                                  <p:childTnLst>
+                                    <p:set>
+                                      <p:cBhvr>
+                                        <p:cTn id="11" dur="1" fill="hold">
+                                          <p:stCondLst>
+                                            <p:cond delay="0"/>
+                                          </p:stCondLst>
+                                        </p:cTn>
+                                        <p:tgtEl>
+                                          <p:spTgt spid="13"/>
+                                        </p:tgtEl>
+                                        <p:attrNameLst>
+                                          <p:attrName>style.visibility</p:attrName>
+                                        </p:attrNameLst>
+                                      </p:cBhvr>
+                                      <p:to>
+                                        <p:strVal val="visible"/>
+                                      </p:to>
+                                    </p:set>
+                                    <p:animEffect transition="in" filter="fade">
+                                      <p:cBhvr>
+                                        <p:cTn id="12" dur="1000"/>
+                                        <p:tgtEl>
+                                          <p:spTgt spid="13"/>
+                                        </p:tgtEl>
+                                      </p:cBhvr>
+                                    </p:animEffect>
+                                    <p:anim calcmode="lin" valueType="num">
+                                      <p:cBhvr>
+                                        <p:cTn id="13" dur="1000" fill="hold"/>
+                                        <p:tgtEl>
+                                          <p:spTgt spid="13"/>
+                                        </p:tgtEl>
+                                        <p:attrNameLst>
+                                          <p:attrName>ppt_x</p:attrName>
+                                        </p:attrNameLst>
+                                      </p:cBhvr>
+                                      <p:tavLst>
+                                        <p:tav tm="0">
+                                          <p:val>
+                                            <p:strVal val="#ppt_x"/>
+                                          </p:val>
+                                        </p:tav>
+                                        <p:tav tm="100000">
+                                          <p:val>
+                                            <p:strVal val="#ppt_x"/>
+                                          </p:val>
+                                        </p:tav>
+                                      </p:tavLst>
+                                    </p:anim>
+                                    <p:anim calcmode="lin" valueType="num">
+                                      <p:cBhvr>
+                                        <p:cTn id="14" dur="1000" fill="hold"/>
+                                        <p:tgtEl>
+                                          <p:spTgt spid="13"/>
+                                        </p:tgtEl>
+                                        <p:attrNameLst>
+                                          <p:attrName>ppt_y</p:attrName>
+                                        </p:attrNameLst>
+                                      </p:cBhvr>
+                                      <p:tavLst>
+                                        <p:tav tm="0">
+                                          <p:val>
+                                            <p:strVal val="#ppt_y+.1"/>
+                                          </p:val>
+                                        </p:tav>
+                                        <p:tav tm="100000">
+                                          <p:val>
+                                            <p:strVal val="#ppt_y"/>
+                                          </p:val>
+                                        </p:tav>
+                                      </p:tavLst>
+                                    </p:anim>
+                                  </p:childTnLst>
+                                </p:cTn>
+                              </p:par>
+                            </p:childTnLst>
+                          </p:cTn>
+                        </p:par>
+                      </p:childTnLst>
+                    </p:cTn>
+                  </p:par>
+                  <p:par>
+                    <p:cTn id="15" fill="hold">
+                      <p:stCondLst>
+                        <p:cond delay="indefinite"/>
+                      </p:stCondLst>
+                      <p:childTnLst>
+                        <p:par>
+                          <p:cTn id="16" fill="hold">
+                            <p:stCondLst>
+                              <p:cond delay="0"/>
+                            </p:stCondLst>
+                            <p:childTnLst>
+                              <p:par>
+                                <p:cTn id="17" presetID="6" presetClass="entr" presetSubtype="16" fill="hold" nodeType="clickEffect">
+                                  <p:stCondLst>
+                                    <p:cond delay="0"/>
+                                  </p:stCondLst>
+                                  <p:childTnLst>
+                                    <p:set>
+                                      <p:cBhvr>
+                                        <p:cTn id="18" dur="1" fill="hold">
+                                          <p:stCondLst>
+                                            <p:cond delay="0"/>
+                                          </p:stCondLst>
+                                        </p:cTn>
+                                        <p:tgtEl>
+                                          <p:spTgt spid="18"/>
+                                        </p:tgtEl>
+                                        <p:attrNameLst>
+                                          <p:attrName>style.visibility</p:attrName>
+                                        </p:attrNameLst>
+                                      </p:cBhvr>
+                                      <p:to>
+                                        <p:strVal val="visible"/>
+                                      </p:to>
+                                    </p:set>
+                                    <p:animEffect transition="in" filter="circle(in)">
+                                      <p:cBhvr>
+                                        <p:cTn id="19" dur="1000"/>
+                                        <p:tgtEl>
+                                          <p:spTgt spid="18"/>
+                                        </p:tgtEl>
+                                      </p:cBhvr>
+                                    </p:animEffect>
+                                  </p:childTnLst>
+                                </p:cTn>
+                              </p:par>
+                            </p:childTnLst>
+                          </p:cTn>
+                        </p:par>
+                      </p:childTnLst>
+                    </p:cTn>
+                  </p:par>
+                  <p:par>
+                    <p:cTn id="20" fill="hold">
+                      <p:stCondLst>
+                        <p:cond delay="indefinite"/>
+                      </p:stCondLst>
+                      <p:childTnLst>
+                        <p:par>
+                          <p:cTn id="21" fill="hold">
+                            <p:stCondLst>
+                              <p:cond delay="0"/>
+                            </p:stCondLst>
+                            <p:childTnLst>
+                              <p:par>
+                                <p:cTn id="22" presetID="31" presetClass="entr" presetSubtype="0" fill="hold" nodeType="clickEffect">
+                                  <p:stCondLst>
+                                    <p:cond delay="0"/>
+                                  </p:stCondLst>
+                                  <p:childTnLst>
+                                    <p:set>
+                                      <p:cBhvr>
+                                        <p:cTn id="23" dur="1" fill="hold">
+                                          <p:stCondLst>
+                                            <p:cond delay="0"/>
+                                          </p:stCondLst>
+                                        </p:cTn>
+                                        <p:tgtEl>
+                                          <p:spTgt spid="24"/>
+                                        </p:tgtEl>
+                                        <p:attrNameLst>
+                                          <p:attrName>style.visibility</p:attrName>
+                                        </p:attrNameLst>
+                                      </p:cBhvr>
+                                      <p:to>
+                                        <p:strVal val="visible"/>
+                                      </p:to>
+                                    </p:set>
+                                    <p:anim calcmode="lin" valueType="num">
+                                      <p:cBhvr>
+                                        <p:cTn id="24" dur="1000" fill="hold"/>
+                                        <p:tgtEl>
+                                          <p:spTgt spid="24"/>
+                                        </p:tgtEl>
+                                        <p:attrNameLst>
+                                          <p:attrName>ppt_w</p:attrName>
+                                        </p:attrNameLst>
+                                      </p:cBhvr>
+                                      <p:tavLst>
+                                        <p:tav tm="0">
+                                          <p:val>
+                                            <p:fltVal val="0"/>
+                                          </p:val>
+                                        </p:tav>
+                                        <p:tav tm="100000">
+                                          <p:val>
+                                            <p:strVal val="#ppt_w"/>
+                                          </p:val>
+                                        </p:tav>
+                                      </p:tavLst>
+                                    </p:anim>
+                                    <p:anim calcmode="lin" valueType="num">
+                                      <p:cBhvr>
+                                        <p:cTn id="25" dur="1000" fill="hold"/>
+                                        <p:tgtEl>
+                                          <p:spTgt spid="24"/>
+                                        </p:tgtEl>
+                                        <p:attrNameLst>
+                                          <p:attrName>ppt_h</p:attrName>
+                                        </p:attrNameLst>
+                                      </p:cBhvr>
+                                      <p:tavLst>
+                                        <p:tav tm="0">
+                                          <p:val>
+                                            <p:fltVal val="0"/>
+                                          </p:val>
+                                        </p:tav>
+                                        <p:tav tm="100000">
+                                          <p:val>
+                                            <p:strVal val="#ppt_h"/>
+                                          </p:val>
+                                        </p:tav>
+                                      </p:tavLst>
+                                    </p:anim>
+                                    <p:anim calcmode="lin" valueType="num">
+                                      <p:cBhvr>
+                                        <p:cTn id="26" dur="1000" fill="hold"/>
+                                        <p:tgtEl>
+                                          <p:spTgt spid="24"/>
+                                        </p:tgtEl>
+                                        <p:attrNameLst>
+                                          <p:attrName>style.rotation</p:attrName>
+                                        </p:attrNameLst>
+                                      </p:cBhvr>
+                                      <p:tavLst>
+                                        <p:tav tm="0">
+                                          <p:val>
+                                            <p:fltVal val="90"/>
+                                          </p:val>
+                                        </p:tav>
+                                        <p:tav tm="100000">
+                                          <p:val>
+                                            <p:fltVal val="0"/>
+                                          </p:val>
+                                        </p:tav>
+                                      </p:tavLst>
+                                    </p:anim>
+                                    <p:animEffect transition="in" filter="fade">
+                                      <p:cBhvr>
+                                        <p:cTn id="27" dur="1000"/>
+                                        <p:tgtEl>
+                                          <p:spTgt spid="24"/>
+                                        </p:tgtEl>
+                                      </p:cBhvr>
+                                    </p:animEffect>
+                                  </p:childTnLst>
+                                </p:cTn>
+                              </p:par>
+                            </p:childTnLst>
+                          </p:cTn>
+                        </p:par>
+                      </p:childTnLst>
+                    </p:cTn>
+                  </p:par>
+                </p:childTnLst>
+              </p:cTn>
+              <p:prevCondLst>
+                <p:cond evt="onPrev" delay="0">
+                  <p:tgtEl>
+                    <p:sldTgt/>
+                  </p:tgtEl>
+                </p:cond>
+              </p:prevCondLst>
+              <p:nextCondLst>
+                <p:cond evt="onNext" delay="0">
+                  <p:tgtEl>
+                    <p:sldTgt/>
+                  </p:tgtEl>
+                </p:cond>
+              </p:nextCondLst>
+            </p:seq>
+          </p:childTnLst>
+        </p:cTn>
+      </p:par>
+    </p:tnLst>
+  </p:timing>
 </p:sld>
 </file>
 
-<file path=ppt/slides/slide7.xml><?xml version="1.0" encoding="utf-8"?>
+<file path=ppt/slides/slide8.xml><?xml version="1.0" encoding="utf-8"?>
+<p:sld xmlns:a="http://schemas.openxmlformats.org/drawingml/2006/main" xmlns:r="http://schemas.openxmlformats.org/officeDocument/2006/relationships" xmlns:p="http://schemas.openxmlformats.org/presentationml/2006/main">
+  <p:cSld>
+    <p:spTree>
+      <p:nvGrpSpPr>
+        <p:cNvPr id="1" name=""/>
+        <p:cNvGrpSpPr/>
+        <p:nvPr/>
+      </p:nvGrpSpPr>
+      <p:grpSpPr>
+        <a:xfrm>
+          <a:off x="0" y="0"/>
+          <a:ext cx="0" cy="0"/>
+          <a:chOff x="0" y="0"/>
+          <a:chExt cx="0" cy="0"/>
+        </a:xfrm>
+      </p:grpSpPr>
+      <p:sp>
+        <p:nvSpPr>
+          <p:cNvPr id="2" name="Title 1">
+            <a:extLst>
+              <a:ext uri="{FF2B5EF4-FFF2-40B4-BE49-F238E27FC236}">
+                <a16:creationId xmlns:a16="http://schemas.microsoft.com/office/drawing/2014/main" id="{E53A9A42-F8B8-4933-A862-E1E9C13D3F31}"/>
+              </a:ext>
+            </a:extLst>
+          </p:cNvPr>
+          <p:cNvSpPr>
+            <a:spLocks noGrp="1"/>
+          </p:cNvSpPr>
+          <p:nvPr>
+            <p:ph type="title"/>
+          </p:nvPr>
+        </p:nvSpPr>
+        <p:spPr>
+          <a:xfrm>
+            <a:off x="296260" y="281175"/>
+            <a:ext cx="6108200" cy="572644"/>
+          </a:xfrm>
+        </p:spPr>
+        <p:txBody>
+          <a:bodyPr>
+            <a:noAutofit/>
+          </a:bodyPr>
+          <a:lstStyle/>
+          <a:p>
+            <a:r>
+              <a:rPr lang="en-US" dirty="0"/>
+              <a:t>Coding approach - Continue</a:t>
+            </a:r>
+          </a:p>
+        </p:txBody>
+      </p:sp>
+      <p:grpSp>
+        <p:nvGrpSpPr>
+          <p:cNvPr id="10" name="Group 9">
+            <a:extLst>
+              <a:ext uri="{FF2B5EF4-FFF2-40B4-BE49-F238E27FC236}">
+                <a16:creationId xmlns:a16="http://schemas.microsoft.com/office/drawing/2014/main" id="{66C91974-81C1-4BCE-A357-0D29A387A22F}"/>
+              </a:ext>
+            </a:extLst>
+          </p:cNvPr>
+          <p:cNvGrpSpPr/>
+          <p:nvPr/>
+        </p:nvGrpSpPr>
+        <p:grpSpPr>
+          <a:xfrm>
+            <a:off x="296260" y="853819"/>
+            <a:ext cx="5802789" cy="897958"/>
+            <a:chOff x="296260" y="853819"/>
+            <a:chExt cx="5802789" cy="897958"/>
+          </a:xfrm>
+        </p:grpSpPr>
+        <p:sp>
+          <p:nvSpPr>
+            <p:cNvPr id="3" name="TextBox 2">
+              <a:extLst>
+                <a:ext uri="{FF2B5EF4-FFF2-40B4-BE49-F238E27FC236}">
+                  <a16:creationId xmlns:a16="http://schemas.microsoft.com/office/drawing/2014/main" id="{0A3A7029-590B-4F7F-8C36-EE7C3CE75E98}"/>
+                </a:ext>
+              </a:extLst>
+            </p:cNvPr>
+            <p:cNvSpPr txBox="1"/>
+            <p:nvPr/>
+          </p:nvSpPr>
+          <p:spPr>
+            <a:xfrm>
+              <a:off x="296260" y="853819"/>
+              <a:ext cx="5802789" cy="307777"/>
+            </a:xfrm>
+            <a:prstGeom prst="rect">
+              <a:avLst/>
+            </a:prstGeom>
+            <a:noFill/>
+          </p:spPr>
+          <p:txBody>
+            <a:bodyPr wrap="square" rtlCol="0">
+              <a:spAutoFit/>
+            </a:bodyPr>
+            <a:lstStyle/>
+            <a:p>
+              <a:pPr marL="285750" indent="-285750">
+                <a:buFont typeface="Arial" panose="020B0604020202020204" pitchFamily="34" charset="0"/>
+                <a:buChar char="•"/>
+              </a:pPr>
+              <a:r>
+                <a:rPr lang="en-US" sz="1400" dirty="0"/>
+                <a:t>D3 – JavaScript library for visualizing data using SVG, Canvas and HTML </a:t>
+              </a:r>
+            </a:p>
+          </p:txBody>
+        </p:sp>
+        <p:pic>
+          <p:nvPicPr>
+            <p:cNvPr id="8" name="Picture 7">
+              <a:extLst>
+                <a:ext uri="{FF2B5EF4-FFF2-40B4-BE49-F238E27FC236}">
+                  <a16:creationId xmlns:a16="http://schemas.microsoft.com/office/drawing/2014/main" id="{2520D124-0AF1-4F69-AFCD-56C8297E7E92}"/>
+                </a:ext>
+              </a:extLst>
+            </p:cNvPr>
+            <p:cNvPicPr>
+              <a:picLocks noChangeAspect="1"/>
+            </p:cNvPicPr>
+            <p:nvPr/>
+          </p:nvPicPr>
+          <p:blipFill>
+            <a:blip r:embed="rId2" cstate="print">
+              <a:extLst>
+                <a:ext uri="{28A0092B-C50C-407E-A947-70E740481C1C}">
+                  <a14:useLocalDpi xmlns:a14="http://schemas.microsoft.com/office/drawing/2010/main" val="0"/>
+                </a:ext>
+              </a:extLst>
+            </a:blip>
+            <a:stretch>
+              <a:fillRect/>
+            </a:stretch>
+          </p:blipFill>
+          <p:spPr>
+            <a:xfrm>
+              <a:off x="5030115" y="1102891"/>
+              <a:ext cx="555069" cy="384385"/>
+            </a:xfrm>
+            <a:prstGeom prst="rect">
+              <a:avLst/>
+            </a:prstGeom>
+          </p:spPr>
+        </p:pic>
+        <p:pic>
+          <p:nvPicPr>
+            <p:cNvPr id="9" name="Picture 8">
+              <a:extLst>
+                <a:ext uri="{FF2B5EF4-FFF2-40B4-BE49-F238E27FC236}">
+                  <a16:creationId xmlns:a16="http://schemas.microsoft.com/office/drawing/2014/main" id="{FF1A682B-47A0-4F30-B5C9-A9E4A04094CB}"/>
+                </a:ext>
+              </a:extLst>
+            </p:cNvPr>
+            <p:cNvPicPr>
+              <a:picLocks noChangeAspect="1"/>
+            </p:cNvPicPr>
+            <p:nvPr/>
+          </p:nvPicPr>
+          <p:blipFill>
+            <a:blip r:embed="rId3"/>
+            <a:stretch>
+              <a:fillRect/>
+            </a:stretch>
+          </p:blipFill>
+          <p:spPr>
+            <a:xfrm>
+              <a:off x="613879" y="1160988"/>
+              <a:ext cx="1891933" cy="590789"/>
+            </a:xfrm>
+            <a:prstGeom prst="rect">
+              <a:avLst/>
+            </a:prstGeom>
+          </p:spPr>
+        </p:pic>
+      </p:grpSp>
+      <p:grpSp>
+        <p:nvGrpSpPr>
+          <p:cNvPr id="19" name="Group 18">
+            <a:extLst>
+              <a:ext uri="{FF2B5EF4-FFF2-40B4-BE49-F238E27FC236}">
+                <a16:creationId xmlns:a16="http://schemas.microsoft.com/office/drawing/2014/main" id="{1076D829-23BB-4094-9114-42B2C0EA44F2}"/>
+              </a:ext>
+            </a:extLst>
+          </p:cNvPr>
+          <p:cNvGrpSpPr/>
+          <p:nvPr/>
+        </p:nvGrpSpPr>
+        <p:grpSpPr>
+          <a:xfrm>
+            <a:off x="296259" y="1935544"/>
+            <a:ext cx="5802789" cy="843310"/>
+            <a:chOff x="296259" y="1935544"/>
+            <a:chExt cx="5802789" cy="843310"/>
+          </a:xfrm>
+        </p:grpSpPr>
+        <p:sp>
+          <p:nvSpPr>
+            <p:cNvPr id="5" name="TextBox 4">
+              <a:extLst>
+                <a:ext uri="{FF2B5EF4-FFF2-40B4-BE49-F238E27FC236}">
+                  <a16:creationId xmlns:a16="http://schemas.microsoft.com/office/drawing/2014/main" id="{14D7664A-986E-4C3D-9B5A-042B34CEEE50}"/>
+                </a:ext>
+              </a:extLst>
+            </p:cNvPr>
+            <p:cNvSpPr txBox="1"/>
+            <p:nvPr/>
+          </p:nvSpPr>
+          <p:spPr>
+            <a:xfrm>
+              <a:off x="296259" y="1935544"/>
+              <a:ext cx="5802789" cy="523220"/>
+            </a:xfrm>
+            <a:prstGeom prst="rect">
+              <a:avLst/>
+            </a:prstGeom>
+            <a:noFill/>
+          </p:spPr>
+          <p:txBody>
+            <a:bodyPr wrap="square" rtlCol="0">
+              <a:spAutoFit/>
+            </a:bodyPr>
+            <a:lstStyle/>
+            <a:p>
+              <a:pPr marL="285750" indent="-285750">
+                <a:buFont typeface="Arial" panose="020B0604020202020204" pitchFamily="34" charset="0"/>
+                <a:buChar char="•"/>
+              </a:pPr>
+              <a:r>
+                <a:rPr lang="en-US" sz="1400" dirty="0"/>
+                <a:t>Bootstrap – front-end framework for faster and easier web development that includes HTML and CSS base design template</a:t>
+              </a:r>
+            </a:p>
+          </p:txBody>
+        </p:sp>
+        <p:pic>
+          <p:nvPicPr>
+            <p:cNvPr id="12" name="Picture 11">
+              <a:extLst>
+                <a:ext uri="{FF2B5EF4-FFF2-40B4-BE49-F238E27FC236}">
+                  <a16:creationId xmlns:a16="http://schemas.microsoft.com/office/drawing/2014/main" id="{7D2571BE-14AB-49F6-BA53-9B6FBB194DF8}"/>
+                </a:ext>
+              </a:extLst>
+            </p:cNvPr>
+            <p:cNvPicPr>
+              <a:picLocks noChangeAspect="1"/>
+            </p:cNvPicPr>
+            <p:nvPr/>
+          </p:nvPicPr>
+          <p:blipFill>
+            <a:blip r:embed="rId4" cstate="print">
+              <a:extLst>
+                <a:ext uri="{28A0092B-C50C-407E-A947-70E740481C1C}">
+                  <a14:useLocalDpi xmlns:a14="http://schemas.microsoft.com/office/drawing/2010/main" val="0"/>
+                </a:ext>
+              </a:extLst>
+            </a:blip>
+            <a:stretch>
+              <a:fillRect/>
+            </a:stretch>
+          </p:blipFill>
+          <p:spPr>
+            <a:xfrm>
+              <a:off x="5174584" y="2200067"/>
+              <a:ext cx="410600" cy="410600"/>
+            </a:xfrm>
+            <a:prstGeom prst="rect">
+              <a:avLst/>
+            </a:prstGeom>
+          </p:spPr>
+        </p:pic>
+        <p:pic>
+          <p:nvPicPr>
+            <p:cNvPr id="17" name="Picture 16">
+              <a:extLst>
+                <a:ext uri="{FF2B5EF4-FFF2-40B4-BE49-F238E27FC236}">
+                  <a16:creationId xmlns:a16="http://schemas.microsoft.com/office/drawing/2014/main" id="{CD216426-89E5-4DDF-A27F-39F9C224D161}"/>
+                </a:ext>
+              </a:extLst>
+            </p:cNvPr>
+            <p:cNvPicPr>
+              <a:picLocks noChangeAspect="1"/>
+            </p:cNvPicPr>
+            <p:nvPr/>
+          </p:nvPicPr>
+          <p:blipFill>
+            <a:blip r:embed="rId5"/>
+            <a:stretch>
+              <a:fillRect/>
+            </a:stretch>
+          </p:blipFill>
+          <p:spPr>
+            <a:xfrm>
+              <a:off x="580383" y="2525973"/>
+              <a:ext cx="2916950" cy="252881"/>
+            </a:xfrm>
+            <a:prstGeom prst="rect">
+              <a:avLst/>
+            </a:prstGeom>
+          </p:spPr>
+        </p:pic>
+        <p:pic>
+          <p:nvPicPr>
+            <p:cNvPr id="18" name="Picture 17">
+              <a:extLst>
+                <a:ext uri="{FF2B5EF4-FFF2-40B4-BE49-F238E27FC236}">
+                  <a16:creationId xmlns:a16="http://schemas.microsoft.com/office/drawing/2014/main" id="{15491534-BE5A-4FD6-93CF-9E0EFE5BD438}"/>
+                </a:ext>
+              </a:extLst>
+            </p:cNvPr>
+            <p:cNvPicPr>
+              <a:picLocks noChangeAspect="1"/>
+            </p:cNvPicPr>
+            <p:nvPr/>
+          </p:nvPicPr>
+          <p:blipFill>
+            <a:blip r:embed="rId6"/>
+            <a:stretch>
+              <a:fillRect/>
+            </a:stretch>
+          </p:blipFill>
+          <p:spPr>
+            <a:xfrm>
+              <a:off x="580383" y="2415015"/>
+              <a:ext cx="4577983" cy="120907"/>
+            </a:xfrm>
+            <a:prstGeom prst="rect">
+              <a:avLst/>
+            </a:prstGeom>
+          </p:spPr>
+        </p:pic>
+      </p:grpSp>
+      <p:grpSp>
+        <p:nvGrpSpPr>
+          <p:cNvPr id="21" name="Group 20">
+            <a:extLst>
+              <a:ext uri="{FF2B5EF4-FFF2-40B4-BE49-F238E27FC236}">
+                <a16:creationId xmlns:a16="http://schemas.microsoft.com/office/drawing/2014/main" id="{604ED5BF-0E28-4AC9-B6B3-B49CB4E70CE6}"/>
+              </a:ext>
+            </a:extLst>
+          </p:cNvPr>
+          <p:cNvGrpSpPr/>
+          <p:nvPr/>
+        </p:nvGrpSpPr>
+        <p:grpSpPr>
+          <a:xfrm>
+            <a:off x="296258" y="2967498"/>
+            <a:ext cx="5802789" cy="764303"/>
+            <a:chOff x="296258" y="3086403"/>
+            <a:chExt cx="5802789" cy="764303"/>
+          </a:xfrm>
+        </p:grpSpPr>
+        <p:sp>
+          <p:nvSpPr>
+            <p:cNvPr id="4" name="TextBox 3">
+              <a:extLst>
+                <a:ext uri="{FF2B5EF4-FFF2-40B4-BE49-F238E27FC236}">
+                  <a16:creationId xmlns:a16="http://schemas.microsoft.com/office/drawing/2014/main" id="{896F8216-5871-484F-A64F-EA5FB26361D9}"/>
+                </a:ext>
+              </a:extLst>
+            </p:cNvPr>
+            <p:cNvSpPr txBox="1"/>
+            <p:nvPr/>
+          </p:nvSpPr>
+          <p:spPr>
+            <a:xfrm>
+              <a:off x="296258" y="3086403"/>
+              <a:ext cx="5802789" cy="523220"/>
+            </a:xfrm>
+            <a:prstGeom prst="rect">
+              <a:avLst/>
+            </a:prstGeom>
+            <a:noFill/>
+          </p:spPr>
+          <p:txBody>
+            <a:bodyPr wrap="square" rtlCol="0">
+              <a:spAutoFit/>
+            </a:bodyPr>
+            <a:lstStyle/>
+            <a:p>
+              <a:pPr marL="285750" indent="-285750">
+                <a:buFont typeface="Arial" panose="020B0604020202020204" pitchFamily="34" charset="0"/>
+                <a:buChar char="•"/>
+              </a:pPr>
+              <a:r>
+                <a:rPr lang="en-US" sz="1400" dirty="0"/>
+                <a:t>JavaScript – programming language for the Web that can update and change both HTML and CSS</a:t>
+              </a:r>
+            </a:p>
+          </p:txBody>
+        </p:sp>
+        <p:pic>
+          <p:nvPicPr>
+            <p:cNvPr id="14" name="Picture 13">
+              <a:extLst>
+                <a:ext uri="{FF2B5EF4-FFF2-40B4-BE49-F238E27FC236}">
+                  <a16:creationId xmlns:a16="http://schemas.microsoft.com/office/drawing/2014/main" id="{6A41EFF9-0C66-4402-A7DB-A89CBAD3E089}"/>
+                </a:ext>
+              </a:extLst>
+            </p:cNvPr>
+            <p:cNvPicPr>
+              <a:picLocks noChangeAspect="1"/>
+            </p:cNvPicPr>
+            <p:nvPr/>
+          </p:nvPicPr>
+          <p:blipFill>
+            <a:blip r:embed="rId7" cstate="print">
+              <a:extLst>
+                <a:ext uri="{28A0092B-C50C-407E-A947-70E740481C1C}">
+                  <a14:useLocalDpi xmlns:a14="http://schemas.microsoft.com/office/drawing/2010/main" val="0"/>
+                </a:ext>
+              </a:extLst>
+            </a:blip>
+            <a:stretch>
+              <a:fillRect/>
+            </a:stretch>
+          </p:blipFill>
+          <p:spPr>
+            <a:xfrm>
+              <a:off x="5076914" y="3237519"/>
+              <a:ext cx="605940" cy="605940"/>
+            </a:xfrm>
+            <a:prstGeom prst="rect">
+              <a:avLst/>
+            </a:prstGeom>
+          </p:spPr>
+        </p:pic>
+        <p:pic>
+          <p:nvPicPr>
+            <p:cNvPr id="20" name="Picture 19">
+              <a:extLst>
+                <a:ext uri="{FF2B5EF4-FFF2-40B4-BE49-F238E27FC236}">
+                  <a16:creationId xmlns:a16="http://schemas.microsoft.com/office/drawing/2014/main" id="{5274B397-5E5C-45FB-AC87-145ABD6AFC6B}"/>
+                </a:ext>
+              </a:extLst>
+            </p:cNvPr>
+            <p:cNvPicPr>
+              <a:picLocks noChangeAspect="1"/>
+            </p:cNvPicPr>
+            <p:nvPr/>
+          </p:nvPicPr>
+          <p:blipFill>
+            <a:blip r:embed="rId8"/>
+            <a:stretch>
+              <a:fillRect/>
+            </a:stretch>
+          </p:blipFill>
+          <p:spPr>
+            <a:xfrm>
+              <a:off x="580383" y="3577302"/>
+              <a:ext cx="2870740" cy="273404"/>
+            </a:xfrm>
+            <a:prstGeom prst="rect">
+              <a:avLst/>
+            </a:prstGeom>
+          </p:spPr>
+        </p:pic>
+      </p:grpSp>
+      <p:grpSp>
+        <p:nvGrpSpPr>
+          <p:cNvPr id="23" name="Group 22">
+            <a:extLst>
+              <a:ext uri="{FF2B5EF4-FFF2-40B4-BE49-F238E27FC236}">
+                <a16:creationId xmlns:a16="http://schemas.microsoft.com/office/drawing/2014/main" id="{D28F7C9E-F826-4C0F-BEC3-BC1C96FFEE28}"/>
+              </a:ext>
+            </a:extLst>
+          </p:cNvPr>
+          <p:cNvGrpSpPr/>
+          <p:nvPr/>
+        </p:nvGrpSpPr>
+        <p:grpSpPr>
+          <a:xfrm>
+            <a:off x="296258" y="3994575"/>
+            <a:ext cx="5802789" cy="778385"/>
+            <a:chOff x="296258" y="3994575"/>
+            <a:chExt cx="5802789" cy="778385"/>
+          </a:xfrm>
+        </p:grpSpPr>
+        <p:sp>
+          <p:nvSpPr>
+            <p:cNvPr id="6" name="TextBox 5">
+              <a:extLst>
+                <a:ext uri="{FF2B5EF4-FFF2-40B4-BE49-F238E27FC236}">
+                  <a16:creationId xmlns:a16="http://schemas.microsoft.com/office/drawing/2014/main" id="{D0655402-069D-4879-86F1-093DDFDE1D6A}"/>
+                </a:ext>
+              </a:extLst>
+            </p:cNvPr>
+            <p:cNvSpPr txBox="1"/>
+            <p:nvPr/>
+          </p:nvSpPr>
+          <p:spPr>
+            <a:xfrm>
+              <a:off x="296258" y="3994575"/>
+              <a:ext cx="5802789" cy="523220"/>
+            </a:xfrm>
+            <a:prstGeom prst="rect">
+              <a:avLst/>
+            </a:prstGeom>
+            <a:noFill/>
+          </p:spPr>
+          <p:txBody>
+            <a:bodyPr wrap="square" rtlCol="0">
+              <a:spAutoFit/>
+            </a:bodyPr>
+            <a:lstStyle/>
+            <a:p>
+              <a:pPr marL="285750" indent="-285750">
+                <a:buFont typeface="Arial" panose="020B0604020202020204" pitchFamily="34" charset="0"/>
+                <a:buChar char="•"/>
+              </a:pPr>
+              <a:r>
+                <a:rPr lang="en-US" sz="1400" dirty="0" err="1"/>
+                <a:t>Plotly</a:t>
+              </a:r>
+              <a:r>
+                <a:rPr lang="en-US" sz="1400" dirty="0"/>
+                <a:t> – an open source JavaScript library for creating graphs and dashboards</a:t>
+              </a:r>
+            </a:p>
+          </p:txBody>
+        </p:sp>
+        <p:pic>
+          <p:nvPicPr>
+            <p:cNvPr id="16" name="Picture 15">
+              <a:extLst>
+                <a:ext uri="{FF2B5EF4-FFF2-40B4-BE49-F238E27FC236}">
+                  <a16:creationId xmlns:a16="http://schemas.microsoft.com/office/drawing/2014/main" id="{F1218928-CC3D-41DB-A189-7D1E1EC944AA}"/>
+                </a:ext>
+              </a:extLst>
+            </p:cNvPr>
+            <p:cNvPicPr>
+              <a:picLocks noChangeAspect="1"/>
+            </p:cNvPicPr>
+            <p:nvPr/>
+          </p:nvPicPr>
+          <p:blipFill>
+            <a:blip r:embed="rId9" cstate="print">
+              <a:extLst>
+                <a:ext uri="{28A0092B-C50C-407E-A947-70E740481C1C}">
+                  <a14:useLocalDpi xmlns:a14="http://schemas.microsoft.com/office/drawing/2010/main" val="0"/>
+                </a:ext>
+              </a:extLst>
+            </a:blip>
+            <a:stretch>
+              <a:fillRect/>
+            </a:stretch>
+          </p:blipFill>
+          <p:spPr>
+            <a:xfrm>
+              <a:off x="4925689" y="4284904"/>
+              <a:ext cx="481089" cy="465781"/>
+            </a:xfrm>
+            <a:prstGeom prst="rect">
+              <a:avLst/>
+            </a:prstGeom>
+          </p:spPr>
+        </p:pic>
+        <p:pic>
+          <p:nvPicPr>
+            <p:cNvPr id="22" name="Picture 21">
+              <a:extLst>
+                <a:ext uri="{FF2B5EF4-FFF2-40B4-BE49-F238E27FC236}">
+                  <a16:creationId xmlns:a16="http://schemas.microsoft.com/office/drawing/2014/main" id="{D6F559E0-A101-4B97-834A-0407220E0CA6}"/>
+                </a:ext>
+              </a:extLst>
+            </p:cNvPr>
+            <p:cNvPicPr>
+              <a:picLocks noChangeAspect="1"/>
+            </p:cNvPicPr>
+            <p:nvPr/>
+          </p:nvPicPr>
+          <p:blipFill>
+            <a:blip r:embed="rId10"/>
+            <a:stretch>
+              <a:fillRect/>
+            </a:stretch>
+          </p:blipFill>
+          <p:spPr>
+            <a:xfrm>
+              <a:off x="580384" y="4458539"/>
+              <a:ext cx="3533502" cy="314421"/>
+            </a:xfrm>
+            <a:prstGeom prst="rect">
+              <a:avLst/>
+            </a:prstGeom>
+          </p:spPr>
+        </p:pic>
+      </p:grpSp>
+    </p:spTree>
+    <p:extLst>
+      <p:ext uri="{BB962C8B-B14F-4D97-AF65-F5344CB8AC3E}">
+        <p14:creationId xmlns:p14="http://schemas.microsoft.com/office/powerpoint/2010/main" val="616427846"/>
+      </p:ext>
+    </p:extLst>
+  </p:cSld>
+  <p:clrMapOvr>
+    <a:masterClrMapping/>
+  </p:clrMapOvr>
+  <p:timing>
+    <p:tnLst>
+      <p:par>
+        <p:cTn id="1" dur="indefinite" restart="never" nodeType="tmRoot">
+          <p:childTnLst>
+            <p:seq concurrent="1" nextAc="seek">
+              <p:cTn id="2" dur="indefinite" nodeType="mainSeq">
+                <p:childTnLst>
+                  <p:par>
+                    <p:cTn id="3" fill="hold">
+                      <p:stCondLst>
+                        <p:cond delay="indefinite"/>
+                      </p:stCondLst>
+                      <p:childTnLst>
+                        <p:par>
+                          <p:cTn id="4" fill="hold">
+                            <p:stCondLst>
+                              <p:cond delay="0"/>
+                            </p:stCondLst>
+                            <p:childTnLst>
+                              <p:par>
+                                <p:cTn id="5" presetID="2" presetClass="entr" presetSubtype="4" fill="hold" nodeType="clickEffect">
+                                  <p:stCondLst>
+                                    <p:cond delay="0"/>
+                                  </p:stCondLst>
+                                  <p:childTnLst>
+                                    <p:set>
+                                      <p:cBhvr>
+                                        <p:cTn id="6" dur="1" fill="hold">
+                                          <p:stCondLst>
+                                            <p:cond delay="0"/>
+                                          </p:stCondLst>
+                                        </p:cTn>
+                                        <p:tgtEl>
+                                          <p:spTgt spid="10"/>
+                                        </p:tgtEl>
+                                        <p:attrNameLst>
+                                          <p:attrName>style.visibility</p:attrName>
+                                        </p:attrNameLst>
+                                      </p:cBhvr>
+                                      <p:to>
+                                        <p:strVal val="visible"/>
+                                      </p:to>
+                                    </p:set>
+                                    <p:anim calcmode="lin" valueType="num">
+                                      <p:cBhvr additive="base">
+                                        <p:cTn id="7" dur="1000" fill="hold"/>
+                                        <p:tgtEl>
+                                          <p:spTgt spid="10"/>
+                                        </p:tgtEl>
+                                        <p:attrNameLst>
+                                          <p:attrName>ppt_x</p:attrName>
+                                        </p:attrNameLst>
+                                      </p:cBhvr>
+                                      <p:tavLst>
+                                        <p:tav tm="0">
+                                          <p:val>
+                                            <p:strVal val="#ppt_x"/>
+                                          </p:val>
+                                        </p:tav>
+                                        <p:tav tm="100000">
+                                          <p:val>
+                                            <p:strVal val="#ppt_x"/>
+                                          </p:val>
+                                        </p:tav>
+                                      </p:tavLst>
+                                    </p:anim>
+                                    <p:anim calcmode="lin" valueType="num">
+                                      <p:cBhvr additive="base">
+                                        <p:cTn id="8" dur="1000" fill="hold"/>
+                                        <p:tgtEl>
+                                          <p:spTgt spid="10"/>
+                                        </p:tgtEl>
+                                        <p:attrNameLst>
+                                          <p:attrName>ppt_y</p:attrName>
+                                        </p:attrNameLst>
+                                      </p:cBhvr>
+                                      <p:tavLst>
+                                        <p:tav tm="0">
+                                          <p:val>
+                                            <p:strVal val="1+#ppt_h/2"/>
+                                          </p:val>
+                                        </p:tav>
+                                        <p:tav tm="100000">
+                                          <p:val>
+                                            <p:strVal val="#ppt_y"/>
+                                          </p:val>
+                                        </p:tav>
+                                      </p:tavLst>
+                                    </p:anim>
+                                  </p:childTnLst>
+                                </p:cTn>
+                              </p:par>
+                            </p:childTnLst>
+                          </p:cTn>
+                        </p:par>
+                      </p:childTnLst>
+                    </p:cTn>
+                  </p:par>
+                  <p:par>
+                    <p:cTn id="9" fill="hold">
+                      <p:stCondLst>
+                        <p:cond delay="indefinite"/>
+                      </p:stCondLst>
+                      <p:childTnLst>
+                        <p:par>
+                          <p:cTn id="10" fill="hold">
+                            <p:stCondLst>
+                              <p:cond delay="0"/>
+                            </p:stCondLst>
+                            <p:childTnLst>
+                              <p:par>
+                                <p:cTn id="11" presetID="26" presetClass="entr" presetSubtype="0" fill="hold" nodeType="clickEffect">
+                                  <p:stCondLst>
+                                    <p:cond delay="0"/>
+                                  </p:stCondLst>
+                                  <p:childTnLst>
+                                    <p:set>
+                                      <p:cBhvr>
+                                        <p:cTn id="12" dur="1" fill="hold">
+                                          <p:stCondLst>
+                                            <p:cond delay="0"/>
+                                          </p:stCondLst>
+                                        </p:cTn>
+                                        <p:tgtEl>
+                                          <p:spTgt spid="19"/>
+                                        </p:tgtEl>
+                                        <p:attrNameLst>
+                                          <p:attrName>style.visibility</p:attrName>
+                                        </p:attrNameLst>
+                                      </p:cBhvr>
+                                      <p:to>
+                                        <p:strVal val="visible"/>
+                                      </p:to>
+                                    </p:set>
+                                    <p:animEffect transition="in" filter="wipe(down)">
+                                      <p:cBhvr>
+                                        <p:cTn id="13" dur="290">
+                                          <p:stCondLst>
+                                            <p:cond delay="0"/>
+                                          </p:stCondLst>
+                                        </p:cTn>
+                                        <p:tgtEl>
+                                          <p:spTgt spid="19"/>
+                                        </p:tgtEl>
+                                      </p:cBhvr>
+                                    </p:animEffect>
+                                    <p:anim calcmode="lin" valueType="num">
+                                      <p:cBhvr>
+                                        <p:cTn id="14" dur="911" tmFilter="0,0; 0.14,0.36; 0.43,0.73; 0.71,0.91; 1.0,1.0">
+                                          <p:stCondLst>
+                                            <p:cond delay="0"/>
+                                          </p:stCondLst>
+                                        </p:cTn>
+                                        <p:tgtEl>
+                                          <p:spTgt spid="19"/>
+                                        </p:tgtEl>
+                                        <p:attrNameLst>
+                                          <p:attrName>ppt_x</p:attrName>
+                                        </p:attrNameLst>
+                                      </p:cBhvr>
+                                      <p:tavLst>
+                                        <p:tav tm="0">
+                                          <p:val>
+                                            <p:strVal val="#ppt_x-0.25"/>
+                                          </p:val>
+                                        </p:tav>
+                                        <p:tav tm="100000">
+                                          <p:val>
+                                            <p:strVal val="#ppt_x"/>
+                                          </p:val>
+                                        </p:tav>
+                                      </p:tavLst>
+                                    </p:anim>
+                                    <p:anim calcmode="lin" valueType="num">
+                                      <p:cBhvr>
+                                        <p:cTn id="15" dur="332" tmFilter="0.0,0.0; 0.25,0.07; 0.50,0.2; 0.75,0.467; 1.0,1.0">
+                                          <p:stCondLst>
+                                            <p:cond delay="0"/>
+                                          </p:stCondLst>
+                                        </p:cTn>
+                                        <p:tgtEl>
+                                          <p:spTgt spid="19"/>
+                                        </p:tgtEl>
+                                        <p:attrNameLst>
+                                          <p:attrName>ppt_y</p:attrName>
+                                        </p:attrNameLst>
+                                      </p:cBhvr>
+                                      <p:tavLst>
+                                        <p:tav tm="0" fmla="#ppt_y-sin(pi*$)/3">
+                                          <p:val>
+                                            <p:fltVal val="0.5"/>
+                                          </p:val>
+                                        </p:tav>
+                                        <p:tav tm="100000">
+                                          <p:val>
+                                            <p:fltVal val="1"/>
+                                          </p:val>
+                                        </p:tav>
+                                      </p:tavLst>
+                                    </p:anim>
+                                    <p:anim calcmode="lin" valueType="num">
+                                      <p:cBhvr>
+                                        <p:cTn id="16" dur="332" tmFilter="0, 0; 0.125,0.2665; 0.25,0.4; 0.375,0.465; 0.5,0.5;  0.625,0.535; 0.75,0.6; 0.875,0.7335; 1,1">
+                                          <p:stCondLst>
+                                            <p:cond delay="332"/>
+                                          </p:stCondLst>
+                                        </p:cTn>
+                                        <p:tgtEl>
+                                          <p:spTgt spid="19"/>
+                                        </p:tgtEl>
+                                        <p:attrNameLst>
+                                          <p:attrName>ppt_y</p:attrName>
+                                        </p:attrNameLst>
+                                      </p:cBhvr>
+                                      <p:tavLst>
+                                        <p:tav tm="0" fmla="#ppt_y-sin(pi*$)/9">
+                                          <p:val>
+                                            <p:fltVal val="0"/>
+                                          </p:val>
+                                        </p:tav>
+                                        <p:tav tm="100000">
+                                          <p:val>
+                                            <p:fltVal val="1"/>
+                                          </p:val>
+                                        </p:tav>
+                                      </p:tavLst>
+                                    </p:anim>
+                                    <p:anim calcmode="lin" valueType="num">
+                                      <p:cBhvr>
+                                        <p:cTn id="17" dur="166" tmFilter="0, 0; 0.125,0.2665; 0.25,0.4; 0.375,0.465; 0.5,0.5;  0.625,0.535; 0.75,0.6; 0.875,0.7335; 1,1">
+                                          <p:stCondLst>
+                                            <p:cond delay="662"/>
+                                          </p:stCondLst>
+                                        </p:cTn>
+                                        <p:tgtEl>
+                                          <p:spTgt spid="19"/>
+                                        </p:tgtEl>
+                                        <p:attrNameLst>
+                                          <p:attrName>ppt_y</p:attrName>
+                                        </p:attrNameLst>
+                                      </p:cBhvr>
+                                      <p:tavLst>
+                                        <p:tav tm="0" fmla="#ppt_y-sin(pi*$)/27">
+                                          <p:val>
+                                            <p:fltVal val="0"/>
+                                          </p:val>
+                                        </p:tav>
+                                        <p:tav tm="100000">
+                                          <p:val>
+                                            <p:fltVal val="1"/>
+                                          </p:val>
+                                        </p:tav>
+                                      </p:tavLst>
+                                    </p:anim>
+                                    <p:anim calcmode="lin" valueType="num">
+                                      <p:cBhvr>
+                                        <p:cTn id="18" dur="82" tmFilter="0, 0; 0.125,0.2665; 0.25,0.4; 0.375,0.465; 0.5,0.5;  0.625,0.535; 0.75,0.6; 0.875,0.7335; 1,1">
+                                          <p:stCondLst>
+                                            <p:cond delay="828"/>
+                                          </p:stCondLst>
+                                        </p:cTn>
+                                        <p:tgtEl>
+                                          <p:spTgt spid="19"/>
+                                        </p:tgtEl>
+                                        <p:attrNameLst>
+                                          <p:attrName>ppt_y</p:attrName>
+                                        </p:attrNameLst>
+                                      </p:cBhvr>
+                                      <p:tavLst>
+                                        <p:tav tm="0" fmla="#ppt_y-sin(pi*$)/81">
+                                          <p:val>
+                                            <p:fltVal val="0"/>
+                                          </p:val>
+                                        </p:tav>
+                                        <p:tav tm="100000">
+                                          <p:val>
+                                            <p:fltVal val="1"/>
+                                          </p:val>
+                                        </p:tav>
+                                      </p:tavLst>
+                                    </p:anim>
+                                    <p:animScale>
+                                      <p:cBhvr>
+                                        <p:cTn id="19" dur="13">
+                                          <p:stCondLst>
+                                            <p:cond delay="325"/>
+                                          </p:stCondLst>
+                                        </p:cTn>
+                                        <p:tgtEl>
+                                          <p:spTgt spid="19"/>
+                                        </p:tgtEl>
+                                      </p:cBhvr>
+                                      <p:to x="100000" y="60000"/>
+                                    </p:animScale>
+                                    <p:animScale>
+                                      <p:cBhvr>
+                                        <p:cTn id="20" dur="83" decel="50000">
+                                          <p:stCondLst>
+                                            <p:cond delay="338"/>
+                                          </p:stCondLst>
+                                        </p:cTn>
+                                        <p:tgtEl>
+                                          <p:spTgt spid="19"/>
+                                        </p:tgtEl>
+                                      </p:cBhvr>
+                                      <p:to x="100000" y="100000"/>
+                                    </p:animScale>
+                                    <p:animScale>
+                                      <p:cBhvr>
+                                        <p:cTn id="21" dur="13">
+                                          <p:stCondLst>
+                                            <p:cond delay="656"/>
+                                          </p:stCondLst>
+                                        </p:cTn>
+                                        <p:tgtEl>
+                                          <p:spTgt spid="19"/>
+                                        </p:tgtEl>
+                                      </p:cBhvr>
+                                      <p:to x="100000" y="80000"/>
+                                    </p:animScale>
+                                    <p:animScale>
+                                      <p:cBhvr>
+                                        <p:cTn id="22" dur="83" decel="50000">
+                                          <p:stCondLst>
+                                            <p:cond delay="669"/>
+                                          </p:stCondLst>
+                                        </p:cTn>
+                                        <p:tgtEl>
+                                          <p:spTgt spid="19"/>
+                                        </p:tgtEl>
+                                      </p:cBhvr>
+                                      <p:to x="100000" y="100000"/>
+                                    </p:animScale>
+                                    <p:animScale>
+                                      <p:cBhvr>
+                                        <p:cTn id="23" dur="13">
+                                          <p:stCondLst>
+                                            <p:cond delay="821"/>
+                                          </p:stCondLst>
+                                        </p:cTn>
+                                        <p:tgtEl>
+                                          <p:spTgt spid="19"/>
+                                        </p:tgtEl>
+                                      </p:cBhvr>
+                                      <p:to x="100000" y="90000"/>
+                                    </p:animScale>
+                                    <p:animScale>
+                                      <p:cBhvr>
+                                        <p:cTn id="24" dur="83" decel="50000">
+                                          <p:stCondLst>
+                                            <p:cond delay="834"/>
+                                          </p:stCondLst>
+                                        </p:cTn>
+                                        <p:tgtEl>
+                                          <p:spTgt spid="19"/>
+                                        </p:tgtEl>
+                                      </p:cBhvr>
+                                      <p:to x="100000" y="100000"/>
+                                    </p:animScale>
+                                    <p:animScale>
+                                      <p:cBhvr>
+                                        <p:cTn id="25" dur="13">
+                                          <p:stCondLst>
+                                            <p:cond delay="904"/>
+                                          </p:stCondLst>
+                                        </p:cTn>
+                                        <p:tgtEl>
+                                          <p:spTgt spid="19"/>
+                                        </p:tgtEl>
+                                      </p:cBhvr>
+                                      <p:to x="100000" y="95000"/>
+                                    </p:animScale>
+                                    <p:animScale>
+                                      <p:cBhvr>
+                                        <p:cTn id="26" dur="83" decel="50000">
+                                          <p:stCondLst>
+                                            <p:cond delay="917"/>
+                                          </p:stCondLst>
+                                        </p:cTn>
+                                        <p:tgtEl>
+                                          <p:spTgt spid="19"/>
+                                        </p:tgtEl>
+                                      </p:cBhvr>
+                                      <p:to x="100000" y="100000"/>
+                                    </p:animScale>
+                                  </p:childTnLst>
+                                </p:cTn>
+                              </p:par>
+                            </p:childTnLst>
+                          </p:cTn>
+                        </p:par>
+                      </p:childTnLst>
+                    </p:cTn>
+                  </p:par>
+                  <p:par>
+                    <p:cTn id="27" fill="hold">
+                      <p:stCondLst>
+                        <p:cond delay="indefinite"/>
+                      </p:stCondLst>
+                      <p:childTnLst>
+                        <p:par>
+                          <p:cTn id="28" fill="hold">
+                            <p:stCondLst>
+                              <p:cond delay="0"/>
+                            </p:stCondLst>
+                            <p:childTnLst>
+                              <p:par>
+                                <p:cTn id="29" presetID="16" presetClass="entr" presetSubtype="21" fill="hold" nodeType="clickEffect">
+                                  <p:stCondLst>
+                                    <p:cond delay="0"/>
+                                  </p:stCondLst>
+                                  <p:childTnLst>
+                                    <p:set>
+                                      <p:cBhvr>
+                                        <p:cTn id="30" dur="1" fill="hold">
+                                          <p:stCondLst>
+                                            <p:cond delay="0"/>
+                                          </p:stCondLst>
+                                        </p:cTn>
+                                        <p:tgtEl>
+                                          <p:spTgt spid="21"/>
+                                        </p:tgtEl>
+                                        <p:attrNameLst>
+                                          <p:attrName>style.visibility</p:attrName>
+                                        </p:attrNameLst>
+                                      </p:cBhvr>
+                                      <p:to>
+                                        <p:strVal val="visible"/>
+                                      </p:to>
+                                    </p:set>
+                                    <p:animEffect transition="in" filter="barn(inVertical)">
+                                      <p:cBhvr>
+                                        <p:cTn id="31" dur="1000"/>
+                                        <p:tgtEl>
+                                          <p:spTgt spid="21"/>
+                                        </p:tgtEl>
+                                      </p:cBhvr>
+                                    </p:animEffect>
+                                  </p:childTnLst>
+                                </p:cTn>
+                              </p:par>
+                            </p:childTnLst>
+                          </p:cTn>
+                        </p:par>
+                      </p:childTnLst>
+                    </p:cTn>
+                  </p:par>
+                  <p:par>
+                    <p:cTn id="32" fill="hold">
+                      <p:stCondLst>
+                        <p:cond delay="indefinite"/>
+                      </p:stCondLst>
+                      <p:childTnLst>
+                        <p:par>
+                          <p:cTn id="33" fill="hold">
+                            <p:stCondLst>
+                              <p:cond delay="0"/>
+                            </p:stCondLst>
+                            <p:childTnLst>
+                              <p:par>
+                                <p:cTn id="34" presetID="53" presetClass="entr" presetSubtype="16" fill="hold" nodeType="clickEffect">
+                                  <p:stCondLst>
+                                    <p:cond delay="0"/>
+                                  </p:stCondLst>
+                                  <p:childTnLst>
+                                    <p:set>
+                                      <p:cBhvr>
+                                        <p:cTn id="35" dur="1" fill="hold">
+                                          <p:stCondLst>
+                                            <p:cond delay="0"/>
+                                          </p:stCondLst>
+                                        </p:cTn>
+                                        <p:tgtEl>
+                                          <p:spTgt spid="23"/>
+                                        </p:tgtEl>
+                                        <p:attrNameLst>
+                                          <p:attrName>style.visibility</p:attrName>
+                                        </p:attrNameLst>
+                                      </p:cBhvr>
+                                      <p:to>
+                                        <p:strVal val="visible"/>
+                                      </p:to>
+                                    </p:set>
+                                    <p:anim calcmode="lin" valueType="num">
+                                      <p:cBhvr>
+                                        <p:cTn id="36" dur="1000" fill="hold"/>
+                                        <p:tgtEl>
+                                          <p:spTgt spid="23"/>
+                                        </p:tgtEl>
+                                        <p:attrNameLst>
+                                          <p:attrName>ppt_w</p:attrName>
+                                        </p:attrNameLst>
+                                      </p:cBhvr>
+                                      <p:tavLst>
+                                        <p:tav tm="0">
+                                          <p:val>
+                                            <p:fltVal val="0"/>
+                                          </p:val>
+                                        </p:tav>
+                                        <p:tav tm="100000">
+                                          <p:val>
+                                            <p:strVal val="#ppt_w"/>
+                                          </p:val>
+                                        </p:tav>
+                                      </p:tavLst>
+                                    </p:anim>
+                                    <p:anim calcmode="lin" valueType="num">
+                                      <p:cBhvr>
+                                        <p:cTn id="37" dur="1000" fill="hold"/>
+                                        <p:tgtEl>
+                                          <p:spTgt spid="23"/>
+                                        </p:tgtEl>
+                                        <p:attrNameLst>
+                                          <p:attrName>ppt_h</p:attrName>
+                                        </p:attrNameLst>
+                                      </p:cBhvr>
+                                      <p:tavLst>
+                                        <p:tav tm="0">
+                                          <p:val>
+                                            <p:fltVal val="0"/>
+                                          </p:val>
+                                        </p:tav>
+                                        <p:tav tm="100000">
+                                          <p:val>
+                                            <p:strVal val="#ppt_h"/>
+                                          </p:val>
+                                        </p:tav>
+                                      </p:tavLst>
+                                    </p:anim>
+                                    <p:animEffect transition="in" filter="fade">
+                                      <p:cBhvr>
+                                        <p:cTn id="38" dur="1000"/>
+                                        <p:tgtEl>
+                                          <p:spTgt spid="23"/>
+                                        </p:tgtEl>
+                                      </p:cBhvr>
+                                    </p:animEffect>
+                                  </p:childTnLst>
+                                </p:cTn>
+                              </p:par>
+                            </p:childTnLst>
+                          </p:cTn>
+                        </p:par>
+                      </p:childTnLst>
+                    </p:cTn>
+                  </p:par>
+                </p:childTnLst>
+              </p:cTn>
+              <p:prevCondLst>
+                <p:cond evt="onPrev" delay="0">
+                  <p:tgtEl>
+                    <p:sldTgt/>
+                  </p:tgtEl>
+                </p:cond>
+              </p:prevCondLst>
+              <p:nextCondLst>
+                <p:cond evt="onNext" delay="0">
+                  <p:tgtEl>
+                    <p:sldTgt/>
+                  </p:tgtEl>
+                </p:cond>
+              </p:nextCondLst>
+            </p:seq>
+          </p:childTnLst>
+        </p:cTn>
+      </p:par>
+    </p:tnLst>
+  </p:timing>
+</p:sld>
+</file>
+
+<file path=ppt/slides/slide9.xml><?xml version="1.0" encoding="utf-8"?>
 <p:sld xmlns:a="http://schemas.openxmlformats.org/drawingml/2006/main" xmlns:r="http://schemas.openxmlformats.org/officeDocument/2006/relationships" xmlns:p="http://schemas.openxmlformats.org/presentationml/2006/main">
   <p:cSld>
     <p:spTree>

--- a/Presentation.pptx
+++ b/Presentation.pptx
@@ -219,7 +219,7 @@
           <a:p>
             <a:fld id="{47C9DC0B-439A-4283-B282-0A81E38E4B9A}" type="datetimeFigureOut">
               <a:rPr lang="en-US" smtClean="0"/>
-              <a:t>10/28/2018</a:t>
+              <a:t>10/29/2018</a:t>
             </a:fld>
             <a:endParaRPr lang="en-US"/>
           </a:p>
@@ -957,7 +957,7 @@
             <a:fld id="{53074F12-AA26-4AC8-9962-C36BB8F32554}" type="datetimeFigureOut">
               <a:rPr lang="en-US" smtClean="0"/>
               <a:pPr/>
-              <a:t>10/28/2018</a:t>
+              <a:t>10/29/2018</a:t>
             </a:fld>
             <a:endParaRPr lang="en-US"/>
           </a:p>
@@ -1211,7 +1211,7 @@
             <a:fld id="{53074F12-AA26-4AC8-9962-C36BB8F32554}" type="datetimeFigureOut">
               <a:rPr lang="en-US" smtClean="0"/>
               <a:pPr/>
-              <a:t>10/28/2018</a:t>
+              <a:t>10/29/2018</a:t>
             </a:fld>
             <a:endParaRPr lang="en-US"/>
           </a:p>
@@ -1381,7 +1381,7 @@
             <a:fld id="{53074F12-AA26-4AC8-9962-C36BB8F32554}" type="datetimeFigureOut">
               <a:rPr lang="en-US" smtClean="0"/>
               <a:pPr/>
-              <a:t>10/28/2018</a:t>
+              <a:t>10/29/2018</a:t>
             </a:fld>
             <a:endParaRPr lang="en-US"/>
           </a:p>
@@ -1561,7 +1561,7 @@
             <a:fld id="{53074F12-AA26-4AC8-9962-C36BB8F32554}" type="datetimeFigureOut">
               <a:rPr lang="en-US" smtClean="0"/>
               <a:pPr/>
-              <a:t>10/28/2018</a:t>
+              <a:t>10/29/2018</a:t>
             </a:fld>
             <a:endParaRPr lang="en-US"/>
           </a:p>
@@ -1843,7 +1843,7 @@
             <a:fld id="{53074F12-AA26-4AC8-9962-C36BB8F32554}" type="datetimeFigureOut">
               <a:rPr lang="en-US" smtClean="0"/>
               <a:pPr/>
-              <a:t>10/28/2018</a:t>
+              <a:t>10/29/2018</a:t>
             </a:fld>
             <a:endParaRPr lang="en-US"/>
           </a:p>
@@ -2090,7 +2090,7 @@
             <a:fld id="{53074F12-AA26-4AC8-9962-C36BB8F32554}" type="datetimeFigureOut">
               <a:rPr lang="en-US" smtClean="0"/>
               <a:pPr/>
-              <a:t>10/28/2018</a:t>
+              <a:t>10/29/2018</a:t>
             </a:fld>
             <a:endParaRPr lang="en-US"/>
           </a:p>
@@ -2337,7 +2337,7 @@
             <a:fld id="{53074F12-AA26-4AC8-9962-C36BB8F32554}" type="datetimeFigureOut">
               <a:rPr lang="en-US" smtClean="0"/>
               <a:pPr/>
-              <a:t>10/28/2018</a:t>
+              <a:t>10/29/2018</a:t>
             </a:fld>
             <a:endParaRPr lang="en-US"/>
           </a:p>
@@ -2624,7 +2624,7 @@
             <a:fld id="{53074F12-AA26-4AC8-9962-C36BB8F32554}" type="datetimeFigureOut">
               <a:rPr lang="en-US" smtClean="0"/>
               <a:pPr/>
-              <a:t>10/28/2018</a:t>
+              <a:t>10/29/2018</a:t>
             </a:fld>
             <a:endParaRPr lang="en-US"/>
           </a:p>
@@ -3111,7 +3111,7 @@
             <a:fld id="{53074F12-AA26-4AC8-9962-C36BB8F32554}" type="datetimeFigureOut">
               <a:rPr lang="en-US" smtClean="0"/>
               <a:pPr/>
-              <a:t>10/28/2018</a:t>
+              <a:t>10/29/2018</a:t>
             </a:fld>
             <a:endParaRPr lang="en-US"/>
           </a:p>
@@ -3230,7 +3230,7 @@
             <a:fld id="{53074F12-AA26-4AC8-9962-C36BB8F32554}" type="datetimeFigureOut">
               <a:rPr lang="en-US" smtClean="0"/>
               <a:pPr/>
-              <a:t>10/28/2018</a:t>
+              <a:t>10/29/2018</a:t>
             </a:fld>
             <a:endParaRPr lang="en-US"/>
           </a:p>
@@ -3327,7 +3327,7 @@
             <a:fld id="{53074F12-AA26-4AC8-9962-C36BB8F32554}" type="datetimeFigureOut">
               <a:rPr lang="en-US" smtClean="0"/>
               <a:pPr/>
-              <a:t>10/28/2018</a:t>
+              <a:t>10/29/2018</a:t>
             </a:fld>
             <a:endParaRPr lang="en-US"/>
           </a:p>
@@ -3604,7 +3604,7 @@
             <a:fld id="{53074F12-AA26-4AC8-9962-C36BB8F32554}" type="datetimeFigureOut">
               <a:rPr lang="en-US" smtClean="0"/>
               <a:pPr/>
-              <a:t>10/28/2018</a:t>
+              <a:t>10/29/2018</a:t>
             </a:fld>
             <a:endParaRPr lang="en-US"/>
           </a:p>
@@ -3826,7 +3826,7 @@
             <a:fld id="{53074F12-AA26-4AC8-9962-C36BB8F32554}" type="datetimeFigureOut">
               <a:rPr lang="en-US" smtClean="0"/>
               <a:pPr/>
-              <a:t>10/28/2018</a:t>
+              <a:t>10/29/2018</a:t>
             </a:fld>
             <a:endParaRPr lang="en-US"/>
           </a:p>
@@ -8116,7 +8116,7 @@
             </a:pPr>
             <a:r>
               <a:rPr lang="en-US" sz="1600" dirty="0"/>
-              <a:t>Original database held extraneous data and duplicate records for individual players containing attributes for various seasons.  For our purposes, we only needed the most recent season’s data covering player profiles and attributes.</a:t>
+              <a:t>Original database held extraneous data and multiple records for individual players containing attributes for various seasons.  For our purposes, we only needed the most recent season’s data covering player profiles and attributes.</a:t>
             </a:r>
           </a:p>
         </p:txBody>
@@ -8297,7 +8297,7 @@
         </p:nvSpPr>
         <p:spPr>
           <a:xfrm>
-            <a:off x="4266590" y="3271040"/>
+            <a:off x="4171791" y="3182570"/>
             <a:ext cx="896056" cy="610820"/>
           </a:xfrm>
           <a:prstGeom prst="rightArrow">
@@ -8383,6 +8383,115 @@
             <a:r>
               <a:rPr lang="en-US" dirty="0"/>
               <a:t>Dropping duplicates in SQL</a:t>
+            </a:r>
+          </a:p>
+        </p:txBody>
+      </p:sp>
+      <p:sp>
+        <p:nvSpPr>
+          <p:cNvPr id="2" name="TextBox 1">
+            <a:extLst>
+              <a:ext uri="{FF2B5EF4-FFF2-40B4-BE49-F238E27FC236}">
+                <a16:creationId xmlns:a16="http://schemas.microsoft.com/office/drawing/2014/main" id="{374EE187-C064-49D2-90FC-30BC7AEE06B4}"/>
+              </a:ext>
+            </a:extLst>
+          </p:cNvPr>
+          <p:cNvSpPr txBox="1"/>
+          <p:nvPr/>
+        </p:nvSpPr>
+        <p:spPr>
+          <a:xfrm>
+            <a:off x="1517900" y="1776264"/>
+            <a:ext cx="3664920" cy="369332"/>
+          </a:xfrm>
+          <a:prstGeom prst="rect">
+            <a:avLst/>
+          </a:prstGeom>
+          <a:noFill/>
+        </p:spPr>
+        <p:txBody>
+          <a:bodyPr wrap="square" rtlCol="0">
+            <a:spAutoFit/>
+          </a:bodyPr>
+          <a:lstStyle/>
+          <a:p>
+            <a:r>
+              <a:rPr lang="en-US" dirty="0"/>
+              <a:t>300 MB </a:t>
+            </a:r>
+          </a:p>
+        </p:txBody>
+      </p:sp>
+      <p:sp>
+        <p:nvSpPr>
+          <p:cNvPr id="3" name="TextBox 2">
+            <a:extLst>
+              <a:ext uri="{FF2B5EF4-FFF2-40B4-BE49-F238E27FC236}">
+                <a16:creationId xmlns:a16="http://schemas.microsoft.com/office/drawing/2014/main" id="{AD7BDF9E-A2FC-46DD-83C2-E6ABE3F13CE7}"/>
+              </a:ext>
+            </a:extLst>
+          </p:cNvPr>
+          <p:cNvSpPr txBox="1"/>
+          <p:nvPr/>
+        </p:nvSpPr>
+        <p:spPr>
+          <a:xfrm>
+            <a:off x="6268273" y="1776264"/>
+            <a:ext cx="3359510" cy="369332"/>
+          </a:xfrm>
+          <a:prstGeom prst="rect">
+            <a:avLst/>
+          </a:prstGeom>
+          <a:noFill/>
+        </p:spPr>
+        <p:txBody>
+          <a:bodyPr wrap="square" rtlCol="0">
+            <a:spAutoFit/>
+          </a:bodyPr>
+          <a:lstStyle/>
+          <a:p>
+            <a:r>
+              <a:rPr lang="en-US" dirty="0"/>
+              <a:t>2.4 MB file</a:t>
+            </a:r>
+          </a:p>
+        </p:txBody>
+      </p:sp>
+      <p:sp>
+        <p:nvSpPr>
+          <p:cNvPr id="8" name="TextBox 7">
+            <a:extLst>
+              <a:ext uri="{FF2B5EF4-FFF2-40B4-BE49-F238E27FC236}">
+                <a16:creationId xmlns:a16="http://schemas.microsoft.com/office/drawing/2014/main" id="{11F1A9F5-423B-41A5-87FA-1222B92EB23E}"/>
+              </a:ext>
+            </a:extLst>
+          </p:cNvPr>
+          <p:cNvSpPr txBox="1"/>
+          <p:nvPr/>
+        </p:nvSpPr>
+        <p:spPr>
+          <a:xfrm>
+            <a:off x="2578576" y="1464903"/>
+            <a:ext cx="3986847" cy="461665"/>
+          </a:xfrm>
+          <a:prstGeom prst="rect">
+            <a:avLst/>
+          </a:prstGeom>
+          <a:noFill/>
+        </p:spPr>
+        <p:txBody>
+          <a:bodyPr wrap="square" rtlCol="0">
+            <a:spAutoFit/>
+          </a:bodyPr>
+          <a:lstStyle/>
+          <a:p>
+            <a:r>
+              <a:rPr lang="en-US" sz="2400" b="1" dirty="0" err="1"/>
+              <a:t>Github</a:t>
+            </a:r>
+            <a:r>
+              <a:rPr lang="en-US" sz="2400" b="1" dirty="0"/>
+              <a:t> 100MB File Size Limit</a:t>
             </a:r>
           </a:p>
         </p:txBody>
